--- a/MyCProgram/周会PPT/开发经验分享.pptx
+++ b/MyCProgram/周会PPT/开发经验分享.pptx
@@ -106,6 +106,11 @@
       </a:defRPr>
     </a:lvl9pPr>
   </p:defaultTextStyle>
+  <p:extLst>
+    <p:ext uri="{EFAFB233-063F-42B5-8137-9DF3F51BA10A}">
+      <p15:sldGuideLst xmlns:p15="http://schemas.microsoft.com/office/powerpoint/2012/main"/>
+    </p:ext>
+  </p:extLst>
 </p:presentation>
 </file>
 
@@ -4457,7 +4462,7 @@
         <p:spPr>
           <a:xfrm>
             <a:off x="4905556" y="1844328"/>
-            <a:ext cx="3591464" cy="4340812"/>
+            <a:ext cx="3462067" cy="4340812"/>
           </a:xfrm>
           <a:prstGeom prst="rect">
             <a:avLst/>
@@ -4720,7 +4725,138 @@
               <a:rPr lang="en-US" altLang="zh-CN" sz="1200" dirty="0">
                 <a:latin typeface="+mj-lt"/>
               </a:rPr>
-              <a:t>		</a:t>
+              <a:t>	</a:t>
+            </a:r>
+            <a:endParaRPr lang="en-US" altLang="zh-CN" sz="1200" dirty="0">
+              <a:latin typeface="+mj-lt"/>
+            </a:endParaRPr>
+          </a:p>
+          <a:p>
+            <a:r>
+              <a:rPr lang="zh-CN" altLang="en-US" sz="1400" dirty="0" smtClean="0">
+                <a:latin typeface="+mj-lt"/>
+              </a:rPr>
+              <a:t>源代码管理</a:t>
+            </a:r>
+            <a:endParaRPr lang="en-US" altLang="zh-CN" sz="1400" dirty="0" smtClean="0">
+              <a:latin typeface="+mj-lt"/>
+            </a:endParaRPr>
+          </a:p>
+          <a:p>
+            <a:pPr lvl="1"/>
+            <a:r>
+              <a:rPr lang="en-US" altLang="zh-CN" sz="1200" dirty="0" err="1" smtClean="0">
+                <a:latin typeface="+mj-lt"/>
+              </a:rPr>
+              <a:t>Github</a:t>
+            </a:r>
+            <a:endParaRPr lang="en-US" altLang="zh-CN" sz="1200" dirty="0">
+              <a:latin typeface="+mj-lt"/>
+            </a:endParaRPr>
+          </a:p>
+          <a:p>
+            <a:r>
+              <a:rPr lang="zh-CN" altLang="en-US" sz="1200" dirty="0" smtClean="0">
+                <a:latin typeface="+mj-lt"/>
+              </a:rPr>
+              <a:t>网络硬盘</a:t>
+            </a:r>
+            <a:endParaRPr lang="en-US" altLang="zh-CN" sz="1200" dirty="0">
+              <a:latin typeface="+mj-lt"/>
+            </a:endParaRPr>
+          </a:p>
+          <a:p>
+            <a:pPr lvl="1"/>
+            <a:r>
+              <a:rPr lang="zh-CN" altLang="en-US" sz="1000" dirty="0" smtClean="0">
+                <a:latin typeface="+mj-lt"/>
+              </a:rPr>
+              <a:t>百度云盘</a:t>
+            </a:r>
+            <a:endParaRPr lang="en-US" altLang="zh-CN" sz="1000" dirty="0">
+              <a:latin typeface="+mj-lt"/>
+            </a:endParaRPr>
+          </a:p>
+          <a:p>
+            <a:pPr lvl="1"/>
+            <a:r>
+              <a:rPr lang="zh-CN" altLang="en-US" sz="1000" dirty="0" smtClean="0">
+                <a:latin typeface="+mj-lt"/>
+              </a:rPr>
+              <a:t>腾讯云盘</a:t>
+            </a:r>
+            <a:endParaRPr lang="en-US" altLang="zh-CN" sz="1000" dirty="0" smtClean="0">
+              <a:latin typeface="+mj-lt"/>
+            </a:endParaRPr>
+          </a:p>
+          <a:p>
+            <a:r>
+              <a:rPr lang="zh-CN" altLang="en-US" sz="1200" dirty="0" smtClean="0">
+                <a:latin typeface="+mj-lt"/>
+              </a:rPr>
+              <a:t>技术论坛</a:t>
+            </a:r>
+            <a:endParaRPr lang="en-US" altLang="zh-CN" sz="1200" dirty="0" smtClean="0">
+              <a:latin typeface="+mj-lt"/>
+            </a:endParaRPr>
+          </a:p>
+          <a:p>
+            <a:pPr lvl="1"/>
+            <a:r>
+              <a:rPr lang="en-US" altLang="zh-CN" sz="1000" dirty="0" err="1" smtClean="0">
+                <a:latin typeface="+mj-lt"/>
+              </a:rPr>
+              <a:t>Cnblog</a:t>
+            </a:r>
+            <a:endParaRPr lang="en-US" altLang="zh-CN" sz="1000" dirty="0" smtClean="0">
+              <a:latin typeface="+mj-lt"/>
+            </a:endParaRPr>
+          </a:p>
+          <a:p>
+            <a:pPr lvl="1"/>
+            <a:r>
+              <a:rPr lang="en-US" altLang="zh-CN" sz="1000" dirty="0" err="1" smtClean="0">
+                <a:latin typeface="+mj-lt"/>
+              </a:rPr>
+              <a:t>Cndn</a:t>
+            </a:r>
+            <a:endParaRPr lang="en-US" altLang="zh-CN" sz="1000" dirty="0" smtClean="0">
+              <a:latin typeface="+mj-lt"/>
+            </a:endParaRPr>
+          </a:p>
+          <a:p>
+            <a:pPr lvl="1"/>
+            <a:r>
+              <a:rPr lang="en-US" altLang="zh-CN" sz="1000" dirty="0" err="1" smtClean="0">
+                <a:latin typeface="+mj-lt"/>
+              </a:rPr>
+              <a:t>Codeproject</a:t>
+            </a:r>
+            <a:endParaRPr lang="en-US" altLang="zh-CN" sz="1000" dirty="0" smtClean="0">
+              <a:latin typeface="+mj-lt"/>
+            </a:endParaRPr>
+          </a:p>
+          <a:p>
+            <a:pPr lvl="1"/>
+            <a:r>
+              <a:rPr lang="en-US" altLang="zh-CN" sz="1000" dirty="0" err="1" smtClean="0">
+                <a:latin typeface="+mj-lt"/>
+              </a:rPr>
+              <a:t>stackoverflow</a:t>
+            </a:r>
+            <a:endParaRPr lang="en-US" altLang="zh-CN" sz="1000" dirty="0" smtClean="0">
+              <a:latin typeface="+mj-lt"/>
+            </a:endParaRPr>
+          </a:p>
+          <a:p>
+            <a:pPr marL="274320" lvl="1" indent="0">
+              <a:buNone/>
+            </a:pPr>
+            <a:r>
+              <a:rPr lang="en-US" altLang="zh-CN" sz="1200" dirty="0">
+                <a:latin typeface="+mj-lt"/>
+              </a:rPr>
+              <a:t>	</a:t>
             </a:r>
             <a:endParaRPr lang="zh-CN" altLang="en-US" sz="1200" dirty="0">
               <a:latin typeface="+mj-lt"/>

--- a/MyCProgram/周会PPT/开发经验分享.pptx
+++ b/MyCProgram/周会PPT/开发经验分享.pptx
@@ -9,10 +9,11 @@
     <p:sldId id="261" r:id="rId3"/>
     <p:sldId id="263" r:id="rId4"/>
     <p:sldId id="258" r:id="rId5"/>
-    <p:sldId id="267" r:id="rId6"/>
-    <p:sldId id="265" r:id="rId7"/>
-    <p:sldId id="266" r:id="rId8"/>
-    <p:sldId id="264" r:id="rId9"/>
+    <p:sldId id="268" r:id="rId6"/>
+    <p:sldId id="267" r:id="rId7"/>
+    <p:sldId id="265" r:id="rId8"/>
+    <p:sldId id="266" r:id="rId9"/>
+    <p:sldId id="264" r:id="rId10"/>
   </p:sldIdLst>
   <p:sldSz cx="12192000" cy="6858000"/>
   <p:notesSz cx="6858000" cy="9144000"/>
@@ -1615,6 +1616,753 @@
     <dgm:fillClrLst meth="repeat">
       <a:schemeClr val="accent5">
         <a:tint val="40000"/>
+      </a:schemeClr>
+    </dgm:fillClrLst>
+    <dgm:linClrLst meth="repeat">
+      <a:schemeClr val="lt1"/>
+    </dgm:linClrLst>
+    <dgm:effectClrLst/>
+    <dgm:txLinClrLst/>
+    <dgm:txFillClrLst meth="repeat">
+      <a:schemeClr val="dk1"/>
+    </dgm:txFillClrLst>
+    <dgm:txEffectClrLst/>
+  </dgm:styleLbl>
+  <dgm:styleLbl name="revTx">
+    <dgm:fillClrLst meth="repeat">
+      <a:schemeClr val="lt1">
+        <a:alpha val="0"/>
+      </a:schemeClr>
+    </dgm:fillClrLst>
+    <dgm:linClrLst meth="repeat">
+      <a:schemeClr val="dk1">
+        <a:alpha val="0"/>
+      </a:schemeClr>
+    </dgm:linClrLst>
+    <dgm:effectClrLst/>
+    <dgm:txLinClrLst/>
+    <dgm:txFillClrLst meth="repeat">
+      <a:schemeClr val="tx1"/>
+    </dgm:txFillClrLst>
+    <dgm:txEffectClrLst/>
+  </dgm:styleLbl>
+</dgm:colorsDef>
+</file>
+
+<file path=ppt/diagrams/colors3.xml><?xml version="1.0" encoding="utf-8"?>
+<dgm:colorsDef xmlns:dgm="http://schemas.openxmlformats.org/drawingml/2006/diagram" xmlns:a="http://schemas.openxmlformats.org/drawingml/2006/main" uniqueId="urn:microsoft.com/office/officeart/2005/8/colors/accent1_2">
+  <dgm:title val=""/>
+  <dgm:desc val=""/>
+  <dgm:catLst>
+    <dgm:cat type="accent1" pri="11200"/>
+  </dgm:catLst>
+  <dgm:styleLbl name="node0">
+    <dgm:fillClrLst meth="repeat">
+      <a:schemeClr val="accent1"/>
+    </dgm:fillClrLst>
+    <dgm:linClrLst meth="repeat">
+      <a:schemeClr val="lt1"/>
+    </dgm:linClrLst>
+    <dgm:effectClrLst/>
+    <dgm:txLinClrLst/>
+    <dgm:txFillClrLst/>
+    <dgm:txEffectClrLst/>
+  </dgm:styleLbl>
+  <dgm:styleLbl name="alignNode1">
+    <dgm:fillClrLst meth="repeat">
+      <a:schemeClr val="accent1"/>
+    </dgm:fillClrLst>
+    <dgm:linClrLst meth="repeat">
+      <a:schemeClr val="accent1"/>
+    </dgm:linClrLst>
+    <dgm:effectClrLst/>
+    <dgm:txLinClrLst/>
+    <dgm:txFillClrLst/>
+    <dgm:txEffectClrLst/>
+  </dgm:styleLbl>
+  <dgm:styleLbl name="node1">
+    <dgm:fillClrLst meth="repeat">
+      <a:schemeClr val="accent1"/>
+    </dgm:fillClrLst>
+    <dgm:linClrLst meth="repeat">
+      <a:schemeClr val="lt1"/>
+    </dgm:linClrLst>
+    <dgm:effectClrLst/>
+    <dgm:txLinClrLst/>
+    <dgm:txFillClrLst/>
+    <dgm:txEffectClrLst/>
+  </dgm:styleLbl>
+  <dgm:styleLbl name="lnNode1">
+    <dgm:fillClrLst meth="repeat">
+      <a:schemeClr val="accent1"/>
+    </dgm:fillClrLst>
+    <dgm:linClrLst meth="repeat">
+      <a:schemeClr val="lt1"/>
+    </dgm:linClrLst>
+    <dgm:effectClrLst/>
+    <dgm:txLinClrLst/>
+    <dgm:txFillClrLst/>
+    <dgm:txEffectClrLst/>
+  </dgm:styleLbl>
+  <dgm:styleLbl name="vennNode1">
+    <dgm:fillClrLst meth="repeat">
+      <a:schemeClr val="accent1">
+        <a:alpha val="50000"/>
+      </a:schemeClr>
+    </dgm:fillClrLst>
+    <dgm:linClrLst meth="repeat">
+      <a:schemeClr val="lt1"/>
+    </dgm:linClrLst>
+    <dgm:effectClrLst/>
+    <dgm:txLinClrLst/>
+    <dgm:txFillClrLst/>
+    <dgm:txEffectClrLst/>
+  </dgm:styleLbl>
+  <dgm:styleLbl name="node2">
+    <dgm:fillClrLst meth="repeat">
+      <a:schemeClr val="accent1"/>
+    </dgm:fillClrLst>
+    <dgm:linClrLst meth="repeat">
+      <a:schemeClr val="lt1"/>
+    </dgm:linClrLst>
+    <dgm:effectClrLst/>
+    <dgm:txLinClrLst/>
+    <dgm:txFillClrLst/>
+    <dgm:txEffectClrLst/>
+  </dgm:styleLbl>
+  <dgm:styleLbl name="node3">
+    <dgm:fillClrLst meth="repeat">
+      <a:schemeClr val="accent1"/>
+    </dgm:fillClrLst>
+    <dgm:linClrLst meth="repeat">
+      <a:schemeClr val="lt1"/>
+    </dgm:linClrLst>
+    <dgm:effectClrLst/>
+    <dgm:txLinClrLst/>
+    <dgm:txFillClrLst/>
+    <dgm:txEffectClrLst/>
+  </dgm:styleLbl>
+  <dgm:styleLbl name="node4">
+    <dgm:fillClrLst meth="repeat">
+      <a:schemeClr val="accent1"/>
+    </dgm:fillClrLst>
+    <dgm:linClrLst meth="repeat">
+      <a:schemeClr val="lt1"/>
+    </dgm:linClrLst>
+    <dgm:effectClrLst/>
+    <dgm:txLinClrLst/>
+    <dgm:txFillClrLst/>
+    <dgm:txEffectClrLst/>
+  </dgm:styleLbl>
+  <dgm:styleLbl name="fgImgPlace1">
+    <dgm:fillClrLst meth="repeat">
+      <a:schemeClr val="accent1">
+        <a:tint val="50000"/>
+      </a:schemeClr>
+    </dgm:fillClrLst>
+    <dgm:linClrLst meth="repeat">
+      <a:schemeClr val="lt1"/>
+    </dgm:linClrLst>
+    <dgm:effectClrLst/>
+    <dgm:txLinClrLst/>
+    <dgm:txFillClrLst meth="repeat">
+      <a:schemeClr val="lt1"/>
+    </dgm:txFillClrLst>
+    <dgm:txEffectClrLst/>
+  </dgm:styleLbl>
+  <dgm:styleLbl name="alignImgPlace1">
+    <dgm:fillClrLst meth="repeat">
+      <a:schemeClr val="accent1">
+        <a:tint val="50000"/>
+      </a:schemeClr>
+    </dgm:fillClrLst>
+    <dgm:linClrLst meth="repeat">
+      <a:schemeClr val="lt1"/>
+    </dgm:linClrLst>
+    <dgm:effectClrLst/>
+    <dgm:txLinClrLst/>
+    <dgm:txFillClrLst meth="repeat">
+      <a:schemeClr val="lt1"/>
+    </dgm:txFillClrLst>
+    <dgm:txEffectClrLst/>
+  </dgm:styleLbl>
+  <dgm:styleLbl name="bgImgPlace1">
+    <dgm:fillClrLst meth="repeat">
+      <a:schemeClr val="accent1">
+        <a:tint val="50000"/>
+      </a:schemeClr>
+    </dgm:fillClrLst>
+    <dgm:linClrLst meth="repeat">
+      <a:schemeClr val="lt1"/>
+    </dgm:linClrLst>
+    <dgm:effectClrLst/>
+    <dgm:txLinClrLst/>
+    <dgm:txFillClrLst meth="repeat">
+      <a:schemeClr val="lt1"/>
+    </dgm:txFillClrLst>
+    <dgm:txEffectClrLst/>
+  </dgm:styleLbl>
+  <dgm:styleLbl name="sibTrans2D1">
+    <dgm:fillClrLst meth="repeat">
+      <a:schemeClr val="accent1">
+        <a:tint val="60000"/>
+      </a:schemeClr>
+    </dgm:fillClrLst>
+    <dgm:linClrLst meth="repeat">
+      <a:schemeClr val="accent1">
+        <a:tint val="60000"/>
+      </a:schemeClr>
+    </dgm:linClrLst>
+    <dgm:effectClrLst/>
+    <dgm:txLinClrLst/>
+    <dgm:txFillClrLst/>
+    <dgm:txEffectClrLst/>
+  </dgm:styleLbl>
+  <dgm:styleLbl name="fgSibTrans2D1">
+    <dgm:fillClrLst meth="repeat">
+      <a:schemeClr val="accent1">
+        <a:tint val="60000"/>
+      </a:schemeClr>
+    </dgm:fillClrLst>
+    <dgm:linClrLst meth="repeat">
+      <a:schemeClr val="accent1">
+        <a:tint val="60000"/>
+      </a:schemeClr>
+    </dgm:linClrLst>
+    <dgm:effectClrLst/>
+    <dgm:txLinClrLst/>
+    <dgm:txFillClrLst/>
+    <dgm:txEffectClrLst/>
+  </dgm:styleLbl>
+  <dgm:styleLbl name="bgSibTrans2D1">
+    <dgm:fillClrLst meth="repeat">
+      <a:schemeClr val="accent1">
+        <a:tint val="60000"/>
+      </a:schemeClr>
+    </dgm:fillClrLst>
+    <dgm:linClrLst meth="repeat">
+      <a:schemeClr val="accent1">
+        <a:tint val="60000"/>
+      </a:schemeClr>
+    </dgm:linClrLst>
+    <dgm:effectClrLst/>
+    <dgm:txLinClrLst/>
+    <dgm:txFillClrLst/>
+    <dgm:txEffectClrLst/>
+  </dgm:styleLbl>
+  <dgm:styleLbl name="sibTrans1D1">
+    <dgm:fillClrLst meth="repeat">
+      <a:schemeClr val="accent1"/>
+    </dgm:fillClrLst>
+    <dgm:linClrLst meth="repeat">
+      <a:schemeClr val="accent1"/>
+    </dgm:linClrLst>
+    <dgm:effectClrLst/>
+    <dgm:txLinClrLst/>
+    <dgm:txFillClrLst meth="repeat">
+      <a:schemeClr val="tx1"/>
+    </dgm:txFillClrLst>
+    <dgm:txEffectClrLst/>
+  </dgm:styleLbl>
+  <dgm:styleLbl name="callout">
+    <dgm:fillClrLst meth="repeat">
+      <a:schemeClr val="accent1"/>
+    </dgm:fillClrLst>
+    <dgm:linClrLst meth="repeat">
+      <a:schemeClr val="accent1">
+        <a:tint val="50000"/>
+      </a:schemeClr>
+    </dgm:linClrLst>
+    <dgm:effectClrLst/>
+    <dgm:txLinClrLst/>
+    <dgm:txFillClrLst meth="repeat">
+      <a:schemeClr val="tx1"/>
+    </dgm:txFillClrLst>
+    <dgm:txEffectClrLst/>
+  </dgm:styleLbl>
+  <dgm:styleLbl name="asst0">
+    <dgm:fillClrLst meth="repeat">
+      <a:schemeClr val="accent1"/>
+    </dgm:fillClrLst>
+    <dgm:linClrLst meth="repeat">
+      <a:schemeClr val="lt1"/>
+    </dgm:linClrLst>
+    <dgm:effectClrLst/>
+    <dgm:txLinClrLst/>
+    <dgm:txFillClrLst/>
+    <dgm:txEffectClrLst/>
+  </dgm:styleLbl>
+  <dgm:styleLbl name="asst1">
+    <dgm:fillClrLst meth="repeat">
+      <a:schemeClr val="accent1"/>
+    </dgm:fillClrLst>
+    <dgm:linClrLst meth="repeat">
+      <a:schemeClr val="lt1"/>
+    </dgm:linClrLst>
+    <dgm:effectClrLst/>
+    <dgm:txLinClrLst/>
+    <dgm:txFillClrLst/>
+    <dgm:txEffectClrLst/>
+  </dgm:styleLbl>
+  <dgm:styleLbl name="asst2">
+    <dgm:fillClrLst meth="repeat">
+      <a:schemeClr val="accent1"/>
+    </dgm:fillClrLst>
+    <dgm:linClrLst meth="repeat">
+      <a:schemeClr val="lt1"/>
+    </dgm:linClrLst>
+    <dgm:effectClrLst/>
+    <dgm:txLinClrLst/>
+    <dgm:txFillClrLst/>
+    <dgm:txEffectClrLst/>
+  </dgm:styleLbl>
+  <dgm:styleLbl name="asst3">
+    <dgm:fillClrLst meth="repeat">
+      <a:schemeClr val="accent1"/>
+    </dgm:fillClrLst>
+    <dgm:linClrLst meth="repeat">
+      <a:schemeClr val="lt1"/>
+    </dgm:linClrLst>
+    <dgm:effectClrLst/>
+    <dgm:txLinClrLst/>
+    <dgm:txFillClrLst/>
+    <dgm:txEffectClrLst/>
+  </dgm:styleLbl>
+  <dgm:styleLbl name="asst4">
+    <dgm:fillClrLst meth="repeat">
+      <a:schemeClr val="accent1"/>
+    </dgm:fillClrLst>
+    <dgm:linClrLst meth="repeat">
+      <a:schemeClr val="lt1"/>
+    </dgm:linClrLst>
+    <dgm:effectClrLst/>
+    <dgm:txLinClrLst/>
+    <dgm:txFillClrLst/>
+    <dgm:txEffectClrLst/>
+  </dgm:styleLbl>
+  <dgm:styleLbl name="parChTrans2D1">
+    <dgm:fillClrLst meth="repeat">
+      <a:schemeClr val="accent1">
+        <a:tint val="60000"/>
+      </a:schemeClr>
+    </dgm:fillClrLst>
+    <dgm:linClrLst meth="repeat">
+      <a:schemeClr val="accent1">
+        <a:tint val="60000"/>
+      </a:schemeClr>
+    </dgm:linClrLst>
+    <dgm:effectClrLst/>
+    <dgm:txLinClrLst/>
+    <dgm:txFillClrLst meth="repeat">
+      <a:schemeClr val="lt1"/>
+    </dgm:txFillClrLst>
+    <dgm:txEffectClrLst/>
+  </dgm:styleLbl>
+  <dgm:styleLbl name="parChTrans2D2">
+    <dgm:fillClrLst meth="repeat">
+      <a:schemeClr val="accent1"/>
+    </dgm:fillClrLst>
+    <dgm:linClrLst meth="repeat">
+      <a:schemeClr val="accent1"/>
+    </dgm:linClrLst>
+    <dgm:effectClrLst/>
+    <dgm:txLinClrLst/>
+    <dgm:txFillClrLst meth="repeat">
+      <a:schemeClr val="lt1"/>
+    </dgm:txFillClrLst>
+    <dgm:txEffectClrLst/>
+  </dgm:styleLbl>
+  <dgm:styleLbl name="parChTrans2D3">
+    <dgm:fillClrLst meth="repeat">
+      <a:schemeClr val="accent1"/>
+    </dgm:fillClrLst>
+    <dgm:linClrLst meth="repeat">
+      <a:schemeClr val="accent1"/>
+    </dgm:linClrLst>
+    <dgm:effectClrLst/>
+    <dgm:txLinClrLst/>
+    <dgm:txFillClrLst meth="repeat">
+      <a:schemeClr val="lt1"/>
+    </dgm:txFillClrLst>
+    <dgm:txEffectClrLst/>
+  </dgm:styleLbl>
+  <dgm:styleLbl name="parChTrans2D4">
+    <dgm:fillClrLst meth="repeat">
+      <a:schemeClr val="accent1"/>
+    </dgm:fillClrLst>
+    <dgm:linClrLst meth="repeat">
+      <a:schemeClr val="accent1"/>
+    </dgm:linClrLst>
+    <dgm:effectClrLst/>
+    <dgm:txLinClrLst/>
+    <dgm:txFillClrLst meth="repeat">
+      <a:schemeClr val="lt1"/>
+    </dgm:txFillClrLst>
+    <dgm:txEffectClrLst/>
+  </dgm:styleLbl>
+  <dgm:styleLbl name="parChTrans1D1">
+    <dgm:fillClrLst meth="repeat">
+      <a:schemeClr val="accent1"/>
+    </dgm:fillClrLst>
+    <dgm:linClrLst meth="repeat">
+      <a:schemeClr val="accent1">
+        <a:shade val="60000"/>
+      </a:schemeClr>
+    </dgm:linClrLst>
+    <dgm:effectClrLst/>
+    <dgm:txLinClrLst/>
+    <dgm:txFillClrLst meth="repeat">
+      <a:schemeClr val="tx1"/>
+    </dgm:txFillClrLst>
+    <dgm:txEffectClrLst/>
+  </dgm:styleLbl>
+  <dgm:styleLbl name="parChTrans1D2">
+    <dgm:fillClrLst meth="repeat">
+      <a:schemeClr val="accent1"/>
+    </dgm:fillClrLst>
+    <dgm:linClrLst meth="repeat">
+      <a:schemeClr val="accent1">
+        <a:shade val="60000"/>
+      </a:schemeClr>
+    </dgm:linClrLst>
+    <dgm:effectClrLst/>
+    <dgm:txLinClrLst/>
+    <dgm:txFillClrLst meth="repeat">
+      <a:schemeClr val="tx1"/>
+    </dgm:txFillClrLst>
+    <dgm:txEffectClrLst/>
+  </dgm:styleLbl>
+  <dgm:styleLbl name="parChTrans1D3">
+    <dgm:fillClrLst meth="repeat">
+      <a:schemeClr val="accent1"/>
+    </dgm:fillClrLst>
+    <dgm:linClrLst meth="repeat">
+      <a:schemeClr val="accent1">
+        <a:shade val="80000"/>
+      </a:schemeClr>
+    </dgm:linClrLst>
+    <dgm:effectClrLst/>
+    <dgm:txLinClrLst/>
+    <dgm:txFillClrLst meth="repeat">
+      <a:schemeClr val="tx1"/>
+    </dgm:txFillClrLst>
+    <dgm:txEffectClrLst/>
+  </dgm:styleLbl>
+  <dgm:styleLbl name="parChTrans1D4">
+    <dgm:fillClrLst meth="repeat">
+      <a:schemeClr val="accent1"/>
+    </dgm:fillClrLst>
+    <dgm:linClrLst meth="repeat">
+      <a:schemeClr val="accent1">
+        <a:shade val="80000"/>
+      </a:schemeClr>
+    </dgm:linClrLst>
+    <dgm:effectClrLst/>
+    <dgm:txLinClrLst/>
+    <dgm:txFillClrLst meth="repeat">
+      <a:schemeClr val="tx1"/>
+    </dgm:txFillClrLst>
+    <dgm:txEffectClrLst/>
+  </dgm:styleLbl>
+  <dgm:styleLbl name="fgAcc1">
+    <dgm:fillClrLst meth="repeat">
+      <a:schemeClr val="lt1">
+        <a:alpha val="90000"/>
+      </a:schemeClr>
+    </dgm:fillClrLst>
+    <dgm:linClrLst meth="repeat">
+      <a:schemeClr val="accent1"/>
+    </dgm:linClrLst>
+    <dgm:effectClrLst/>
+    <dgm:txLinClrLst/>
+    <dgm:txFillClrLst meth="repeat">
+      <a:schemeClr val="dk1"/>
+    </dgm:txFillClrLst>
+    <dgm:txEffectClrLst/>
+  </dgm:styleLbl>
+  <dgm:styleLbl name="conFgAcc1">
+    <dgm:fillClrLst meth="repeat">
+      <a:schemeClr val="lt1">
+        <a:alpha val="90000"/>
+      </a:schemeClr>
+    </dgm:fillClrLst>
+    <dgm:linClrLst meth="repeat">
+      <a:schemeClr val="accent1"/>
+    </dgm:linClrLst>
+    <dgm:effectClrLst/>
+    <dgm:txLinClrLst/>
+    <dgm:txFillClrLst meth="repeat">
+      <a:schemeClr val="dk1"/>
+    </dgm:txFillClrLst>
+    <dgm:txEffectClrLst/>
+  </dgm:styleLbl>
+  <dgm:styleLbl name="alignAcc1">
+    <dgm:fillClrLst meth="repeat">
+      <a:schemeClr val="lt1">
+        <a:alpha val="90000"/>
+      </a:schemeClr>
+    </dgm:fillClrLst>
+    <dgm:linClrLst meth="repeat">
+      <a:schemeClr val="accent1"/>
+    </dgm:linClrLst>
+    <dgm:effectClrLst/>
+    <dgm:txLinClrLst/>
+    <dgm:txFillClrLst meth="repeat">
+      <a:schemeClr val="dk1"/>
+    </dgm:txFillClrLst>
+    <dgm:txEffectClrLst/>
+  </dgm:styleLbl>
+  <dgm:styleLbl name="trAlignAcc1">
+    <dgm:fillClrLst meth="repeat">
+      <a:schemeClr val="lt1">
+        <a:alpha val="40000"/>
+      </a:schemeClr>
+    </dgm:fillClrLst>
+    <dgm:linClrLst meth="repeat">
+      <a:schemeClr val="accent1"/>
+    </dgm:linClrLst>
+    <dgm:effectClrLst/>
+    <dgm:txLinClrLst/>
+    <dgm:txFillClrLst meth="repeat">
+      <a:schemeClr val="dk1"/>
+    </dgm:txFillClrLst>
+    <dgm:txEffectClrLst/>
+  </dgm:styleLbl>
+  <dgm:styleLbl name="bgAcc1">
+    <dgm:fillClrLst meth="repeat">
+      <a:schemeClr val="lt1">
+        <a:alpha val="90000"/>
+      </a:schemeClr>
+    </dgm:fillClrLst>
+    <dgm:linClrLst meth="repeat">
+      <a:schemeClr val="accent1"/>
+    </dgm:linClrLst>
+    <dgm:effectClrLst/>
+    <dgm:txLinClrLst/>
+    <dgm:txFillClrLst meth="repeat">
+      <a:schemeClr val="dk1"/>
+    </dgm:txFillClrLst>
+    <dgm:txEffectClrLst/>
+  </dgm:styleLbl>
+  <dgm:styleLbl name="solidFgAcc1">
+    <dgm:fillClrLst meth="repeat">
+      <a:schemeClr val="lt1"/>
+    </dgm:fillClrLst>
+    <dgm:linClrLst meth="repeat">
+      <a:schemeClr val="accent1"/>
+    </dgm:linClrLst>
+    <dgm:effectClrLst/>
+    <dgm:txLinClrLst/>
+    <dgm:txFillClrLst meth="repeat">
+      <a:schemeClr val="dk1"/>
+    </dgm:txFillClrLst>
+    <dgm:txEffectClrLst/>
+  </dgm:styleLbl>
+  <dgm:styleLbl name="solidAlignAcc1">
+    <dgm:fillClrLst meth="repeat">
+      <a:schemeClr val="lt1"/>
+    </dgm:fillClrLst>
+    <dgm:linClrLst meth="repeat">
+      <a:schemeClr val="accent1"/>
+    </dgm:linClrLst>
+    <dgm:effectClrLst/>
+    <dgm:txLinClrLst/>
+    <dgm:txFillClrLst meth="repeat">
+      <a:schemeClr val="dk1"/>
+    </dgm:txFillClrLst>
+    <dgm:txEffectClrLst/>
+  </dgm:styleLbl>
+  <dgm:styleLbl name="solidBgAcc1">
+    <dgm:fillClrLst meth="repeat">
+      <a:schemeClr val="lt1"/>
+    </dgm:fillClrLst>
+    <dgm:linClrLst meth="repeat">
+      <a:schemeClr val="accent1"/>
+    </dgm:linClrLst>
+    <dgm:effectClrLst/>
+    <dgm:txLinClrLst/>
+    <dgm:txFillClrLst meth="repeat">
+      <a:schemeClr val="dk1"/>
+    </dgm:txFillClrLst>
+    <dgm:txEffectClrLst/>
+  </dgm:styleLbl>
+  <dgm:styleLbl name="fgAccFollowNode1">
+    <dgm:fillClrLst meth="repeat">
+      <a:schemeClr val="accent1">
+        <a:alpha val="90000"/>
+        <a:tint val="40000"/>
+      </a:schemeClr>
+    </dgm:fillClrLst>
+    <dgm:linClrLst meth="repeat">
+      <a:schemeClr val="accent1">
+        <a:alpha val="90000"/>
+        <a:tint val="40000"/>
+      </a:schemeClr>
+    </dgm:linClrLst>
+    <dgm:effectClrLst/>
+    <dgm:txLinClrLst/>
+    <dgm:txFillClrLst meth="repeat">
+      <a:schemeClr val="dk1"/>
+    </dgm:txFillClrLst>
+    <dgm:txEffectClrLst/>
+  </dgm:styleLbl>
+  <dgm:styleLbl name="alignAccFollowNode1">
+    <dgm:fillClrLst meth="repeat">
+      <a:schemeClr val="accent1">
+        <a:alpha val="90000"/>
+        <a:tint val="40000"/>
+      </a:schemeClr>
+    </dgm:fillClrLst>
+    <dgm:linClrLst meth="repeat">
+      <a:schemeClr val="accent1">
+        <a:alpha val="90000"/>
+        <a:tint val="40000"/>
+      </a:schemeClr>
+    </dgm:linClrLst>
+    <dgm:effectClrLst/>
+    <dgm:txLinClrLst/>
+    <dgm:txFillClrLst meth="repeat">
+      <a:schemeClr val="dk1"/>
+    </dgm:txFillClrLst>
+    <dgm:txEffectClrLst/>
+  </dgm:styleLbl>
+  <dgm:styleLbl name="bgAccFollowNode1">
+    <dgm:fillClrLst meth="repeat">
+      <a:schemeClr val="accent1">
+        <a:alpha val="90000"/>
+        <a:tint val="40000"/>
+      </a:schemeClr>
+    </dgm:fillClrLst>
+    <dgm:linClrLst meth="repeat">
+      <a:schemeClr val="accent1">
+        <a:alpha val="90000"/>
+        <a:tint val="40000"/>
+      </a:schemeClr>
+    </dgm:linClrLst>
+    <dgm:effectClrLst/>
+    <dgm:txLinClrLst/>
+    <dgm:txFillClrLst meth="repeat">
+      <a:schemeClr val="dk1"/>
+    </dgm:txFillClrLst>
+    <dgm:txEffectClrLst/>
+  </dgm:styleLbl>
+  <dgm:styleLbl name="fgAcc0">
+    <dgm:fillClrLst meth="repeat">
+      <a:schemeClr val="lt1">
+        <a:alpha val="90000"/>
+      </a:schemeClr>
+    </dgm:fillClrLst>
+    <dgm:linClrLst meth="repeat">
+      <a:schemeClr val="accent1"/>
+    </dgm:linClrLst>
+    <dgm:effectClrLst/>
+    <dgm:txLinClrLst/>
+    <dgm:txFillClrLst meth="repeat">
+      <a:schemeClr val="dk1"/>
+    </dgm:txFillClrLst>
+    <dgm:txEffectClrLst/>
+  </dgm:styleLbl>
+  <dgm:styleLbl name="fgAcc2">
+    <dgm:fillClrLst meth="repeat">
+      <a:schemeClr val="lt1">
+        <a:alpha val="90000"/>
+      </a:schemeClr>
+    </dgm:fillClrLst>
+    <dgm:linClrLst meth="repeat">
+      <a:schemeClr val="accent1"/>
+    </dgm:linClrLst>
+    <dgm:effectClrLst/>
+    <dgm:txLinClrLst/>
+    <dgm:txFillClrLst meth="repeat">
+      <a:schemeClr val="dk1"/>
+    </dgm:txFillClrLst>
+    <dgm:txEffectClrLst/>
+  </dgm:styleLbl>
+  <dgm:styleLbl name="fgAcc3">
+    <dgm:fillClrLst meth="repeat">
+      <a:schemeClr val="lt1">
+        <a:alpha val="90000"/>
+      </a:schemeClr>
+    </dgm:fillClrLst>
+    <dgm:linClrLst meth="repeat">
+      <a:schemeClr val="accent1"/>
+    </dgm:linClrLst>
+    <dgm:effectClrLst/>
+    <dgm:txLinClrLst/>
+    <dgm:txFillClrLst meth="repeat">
+      <a:schemeClr val="dk1"/>
+    </dgm:txFillClrLst>
+    <dgm:txEffectClrLst/>
+  </dgm:styleLbl>
+  <dgm:styleLbl name="fgAcc4">
+    <dgm:fillClrLst meth="repeat">
+      <a:schemeClr val="lt1">
+        <a:alpha val="90000"/>
+      </a:schemeClr>
+    </dgm:fillClrLst>
+    <dgm:linClrLst meth="repeat">
+      <a:schemeClr val="accent1"/>
+    </dgm:linClrLst>
+    <dgm:effectClrLst/>
+    <dgm:txLinClrLst/>
+    <dgm:txFillClrLst meth="repeat">
+      <a:schemeClr val="dk1"/>
+    </dgm:txFillClrLst>
+    <dgm:txEffectClrLst/>
+  </dgm:styleLbl>
+  <dgm:styleLbl name="bgShp">
+    <dgm:fillClrLst meth="repeat">
+      <a:schemeClr val="accent1">
+        <a:tint val="40000"/>
+      </a:schemeClr>
+    </dgm:fillClrLst>
+    <dgm:linClrLst meth="repeat">
+      <a:schemeClr val="accent1"/>
+    </dgm:linClrLst>
+    <dgm:effectClrLst/>
+    <dgm:txLinClrLst/>
+    <dgm:txFillClrLst meth="repeat">
+      <a:schemeClr val="dk1"/>
+    </dgm:txFillClrLst>
+    <dgm:txEffectClrLst/>
+  </dgm:styleLbl>
+  <dgm:styleLbl name="dkBgShp">
+    <dgm:fillClrLst meth="repeat">
+      <a:schemeClr val="accent1">
+        <a:shade val="80000"/>
+      </a:schemeClr>
+    </dgm:fillClrLst>
+    <dgm:linClrLst meth="repeat">
+      <a:schemeClr val="accent1"/>
+    </dgm:linClrLst>
+    <dgm:effectClrLst/>
+    <dgm:txLinClrLst/>
+    <dgm:txFillClrLst meth="repeat">
+      <a:schemeClr val="lt1"/>
+    </dgm:txFillClrLst>
+    <dgm:txEffectClrLst/>
+  </dgm:styleLbl>
+  <dgm:styleLbl name="trBgShp">
+    <dgm:fillClrLst meth="repeat">
+      <a:schemeClr val="accent1">
+        <a:tint val="50000"/>
+        <a:alpha val="40000"/>
+      </a:schemeClr>
+    </dgm:fillClrLst>
+    <dgm:linClrLst meth="repeat">
+      <a:schemeClr val="accent1"/>
+    </dgm:linClrLst>
+    <dgm:effectClrLst/>
+    <dgm:txLinClrLst/>
+    <dgm:txFillClrLst meth="repeat">
+      <a:schemeClr val="lt1"/>
+    </dgm:txFillClrLst>
+    <dgm:txEffectClrLst/>
+  </dgm:styleLbl>
+  <dgm:styleLbl name="fgShp">
+    <dgm:fillClrLst meth="repeat">
+      <a:schemeClr val="accent1">
+        <a:tint val="60000"/>
       </a:schemeClr>
     </dgm:fillClrLst>
     <dgm:linClrLst meth="repeat">
@@ -2088,7 +2836,11 @@
         <a:p>
           <a:r>
             <a:rPr lang="zh-CN" altLang="en-US" dirty="0" smtClean="0"/>
-            <a:t>本 想是一下流程，但基础配置都没有对</a:t>
+            <a:t>本 想是一下流程，但基础配置</a:t>
+          </a:r>
+          <a:r>
+            <a:rPr lang="zh-CN" altLang="en-US" smtClean="0"/>
+            <a:t>都没有</a:t>
           </a:r>
           <a:endParaRPr lang="zh-CN" altLang="en-US" dirty="0"/>
         </a:p>
@@ -2116,6 +2868,39 @@
         </a:p>
       </dgm:t>
     </dgm:pt>
+    <dgm:pt modelId="{A8A1387D-183E-4706-9044-C0B7E470CD2C}">
+      <dgm:prSet phldrT="[文本]"/>
+      <dgm:spPr/>
+      <dgm:t>
+        <a:bodyPr/>
+        <a:lstStyle/>
+        <a:p>
+          <a:endParaRPr lang="zh-CN" altLang="en-US" dirty="0"/>
+        </a:p>
+      </dgm:t>
+    </dgm:pt>
+    <dgm:pt modelId="{6C41680E-6611-42D4-AF75-79693DC85CB7}" type="parTrans" cxnId="{BC76BF24-EA57-4220-BCE7-9E805C68BC16}">
+      <dgm:prSet/>
+      <dgm:spPr/>
+      <dgm:t>
+        <a:bodyPr/>
+        <a:lstStyle/>
+        <a:p>
+          <a:endParaRPr lang="zh-CN" altLang="en-US"/>
+        </a:p>
+      </dgm:t>
+    </dgm:pt>
+    <dgm:pt modelId="{8C1622D4-3170-4159-8B95-AB86E6B12197}" type="sibTrans" cxnId="{BC76BF24-EA57-4220-BCE7-9E805C68BC16}">
+      <dgm:prSet/>
+      <dgm:spPr/>
+      <dgm:t>
+        <a:bodyPr/>
+        <a:lstStyle/>
+        <a:p>
+          <a:endParaRPr lang="zh-CN" altLang="en-US"/>
+        </a:p>
+      </dgm:t>
+    </dgm:pt>
     <dgm:pt modelId="{BFAB5A56-2AC8-4BAC-8423-B2AD0DA8ED8F}" type="pres">
       <dgm:prSet presAssocID="{B359E7CB-EA21-4B38-8EAA-706EA1A7496B}" presName="Name0" presStyleCnt="0">
         <dgm:presLayoutVars>
@@ -2125,6 +2910,13 @@
         </dgm:presLayoutVars>
       </dgm:prSet>
       <dgm:spPr/>
+      <dgm:t>
+        <a:bodyPr/>
+        <a:lstStyle/>
+        <a:p>
+          <a:endParaRPr lang="zh-CN" altLang="en-US"/>
+        </a:p>
+      </dgm:t>
     </dgm:pt>
     <dgm:pt modelId="{38BDD9EF-61CE-4AE5-B21A-268144BF6FD9}" type="pres">
       <dgm:prSet presAssocID="{B359E7CB-EA21-4B38-8EAA-706EA1A7496B}" presName="Name1" presStyleCnt="0"/>
@@ -2141,6 +2933,13 @@
     <dgm:pt modelId="{124ACD5E-67B4-40C2-BFD5-0611EF5E08E1}" type="pres">
       <dgm:prSet presAssocID="{B359E7CB-EA21-4B38-8EAA-706EA1A7496B}" presName="conn" presStyleLbl="parChTrans1D2" presStyleIdx="0" presStyleCnt="1"/>
       <dgm:spPr/>
+      <dgm:t>
+        <a:bodyPr/>
+        <a:lstStyle/>
+        <a:p>
+          <a:endParaRPr lang="zh-CN" altLang="en-US"/>
+        </a:p>
+      </dgm:t>
     </dgm:pt>
     <dgm:pt modelId="{A8B085BD-0A21-48FC-9A06-1C37015AE3D9}" type="pres">
       <dgm:prSet presAssocID="{B359E7CB-EA21-4B38-8EAA-706EA1A7496B}" presName="extraNode" presStyleLbl="node1" presStyleIdx="0" presStyleCnt="7"/>
@@ -2203,6 +3002,13 @@
         </dgm:presLayoutVars>
       </dgm:prSet>
       <dgm:spPr/>
+      <dgm:t>
+        <a:bodyPr/>
+        <a:lstStyle/>
+        <a:p>
+          <a:endParaRPr lang="zh-CN" altLang="en-US"/>
+        </a:p>
+      </dgm:t>
     </dgm:pt>
     <dgm:pt modelId="{64FCE365-1E13-499B-9467-0A61C2C55BF3}" type="pres">
       <dgm:prSet presAssocID="{29F7AFFC-5627-400A-B165-1B85D00603E2}" presName="accent_3" presStyleCnt="0"/>
@@ -2219,6 +3025,13 @@
         </dgm:presLayoutVars>
       </dgm:prSet>
       <dgm:spPr/>
+      <dgm:t>
+        <a:bodyPr/>
+        <a:lstStyle/>
+        <a:p>
+          <a:endParaRPr lang="zh-CN" altLang="en-US"/>
+        </a:p>
+      </dgm:t>
     </dgm:pt>
     <dgm:pt modelId="{6B20F526-974E-4F5A-A2EA-298A4903F27B}" type="pres">
       <dgm:prSet presAssocID="{F73FCE33-B345-490D-9F6F-3A7DFB1BB0F5}" presName="accent_4" presStyleCnt="0"/>
@@ -2299,22 +3112,23 @@
     </dgm:pt>
   </dgm:ptLst>
   <dgm:cxnLst>
-    <dgm:cxn modelId="{89904537-1FF2-448B-8455-3EF5856E3EBE}" type="presOf" srcId="{C56607A7-EA53-4D59-9F12-E0C1769C65D5}" destId="{124ACD5E-67B4-40C2-BFD5-0611EF5E08E1}" srcOrd="0" destOrd="0" presId="urn:microsoft.com/office/officeart/2008/layout/VerticalCurvedList"/>
+    <dgm:cxn modelId="{4E4D31C9-B89D-40BB-8850-0BE2280A232D}" type="presOf" srcId="{29F7AFFC-5627-400A-B165-1B85D00603E2}" destId="{E080A739-2A5E-455E-8889-926A6431F95E}" srcOrd="0" destOrd="0" presId="urn:microsoft.com/office/officeart/2008/layout/VerticalCurvedList"/>
+    <dgm:cxn modelId="{406A4FA9-4DBF-49E4-8973-F644B2E9F807}" srcId="{B359E7CB-EA21-4B38-8EAA-706EA1A7496B}" destId="{C751E207-0058-4C9D-950B-74B5434F8364}" srcOrd="4" destOrd="0" parTransId="{57CA90BE-5F62-40A4-9BBF-A1148EAF07EC}" sibTransId="{8D5947CE-C52D-403F-9148-E2C5319D0806}"/>
+    <dgm:cxn modelId="{4B9D3FEE-73FE-4076-9AE6-B48B39C60829}" srcId="{B359E7CB-EA21-4B38-8EAA-706EA1A7496B}" destId="{F73FCE33-B345-490D-9F6F-3A7DFB1BB0F5}" srcOrd="3" destOrd="0" parTransId="{4DA3D3A9-21E1-48DE-A881-54FEA2016620}" sibTransId="{F0C9280C-A8AF-408F-B926-031BD32435AC}"/>
+    <dgm:cxn modelId="{B30CA609-F531-4EEA-BE96-D2083C87C9E8}" type="presOf" srcId="{67A56028-62BB-4627-BF35-C28CDCCF8504}" destId="{D4095E2F-98E7-4B73-9D15-982AEA537BBE}" srcOrd="0" destOrd="0" presId="urn:microsoft.com/office/officeart/2008/layout/VerticalCurvedList"/>
     <dgm:cxn modelId="{313E7962-AC71-42FC-AC65-C3549B2EC798}" type="presOf" srcId="{000B2956-4D56-43F4-AE48-935E2720F9FF}" destId="{E0091BDB-7DEA-4720-97D2-461A0DA6CC22}" srcOrd="0" destOrd="0" presId="urn:microsoft.com/office/officeart/2008/layout/VerticalCurvedList"/>
-    <dgm:cxn modelId="{4B9D3FEE-73FE-4076-9AE6-B48B39C60829}" srcId="{B359E7CB-EA21-4B38-8EAA-706EA1A7496B}" destId="{F73FCE33-B345-490D-9F6F-3A7DFB1BB0F5}" srcOrd="3" destOrd="0" parTransId="{4DA3D3A9-21E1-48DE-A881-54FEA2016620}" sibTransId="{F0C9280C-A8AF-408F-B926-031BD32435AC}"/>
     <dgm:cxn modelId="{04D3EF44-3DC0-47FB-9669-E93557AA024C}" srcId="{B359E7CB-EA21-4B38-8EAA-706EA1A7496B}" destId="{29F7AFFC-5627-400A-B165-1B85D00603E2}" srcOrd="2" destOrd="0" parTransId="{318CAFB0-FE3F-4DE3-BBB7-472FD04FA591}" sibTransId="{504247E4-E0C1-4E48-B4B2-49D898C7742E}"/>
     <dgm:cxn modelId="{E276E85F-2311-48E9-B74A-9F80FEF8DB2D}" type="presOf" srcId="{B359E7CB-EA21-4B38-8EAA-706EA1A7496B}" destId="{BFAB5A56-2AC8-4BAC-8423-B2AD0DA8ED8F}" srcOrd="0" destOrd="0" presId="urn:microsoft.com/office/officeart/2008/layout/VerticalCurvedList"/>
-    <dgm:cxn modelId="{B30CA609-F531-4EEA-BE96-D2083C87C9E8}" type="presOf" srcId="{67A56028-62BB-4627-BF35-C28CDCCF8504}" destId="{D4095E2F-98E7-4B73-9D15-982AEA537BBE}" srcOrd="0" destOrd="0" presId="urn:microsoft.com/office/officeart/2008/layout/VerticalCurvedList"/>
-    <dgm:cxn modelId="{4E4D31C9-B89D-40BB-8850-0BE2280A232D}" type="presOf" srcId="{29F7AFFC-5627-400A-B165-1B85D00603E2}" destId="{E080A739-2A5E-455E-8889-926A6431F95E}" srcOrd="0" destOrd="0" presId="urn:microsoft.com/office/officeart/2008/layout/VerticalCurvedList"/>
-    <dgm:cxn modelId="{D3F68188-1B2A-4694-8714-CBD7EC48EF08}" type="presOf" srcId="{370EA97F-CF57-40FD-9D9C-08B35AFB09B6}" destId="{CD5DD791-8626-40B3-9334-6862A46DD5F8}" srcOrd="0" destOrd="0" presId="urn:microsoft.com/office/officeart/2008/layout/VerticalCurvedList"/>
-    <dgm:cxn modelId="{406A4FA9-4DBF-49E4-8973-F644B2E9F807}" srcId="{B359E7CB-EA21-4B38-8EAA-706EA1A7496B}" destId="{C751E207-0058-4C9D-950B-74B5434F8364}" srcOrd="4" destOrd="0" parTransId="{57CA90BE-5F62-40A4-9BBF-A1148EAF07EC}" sibTransId="{8D5947CE-C52D-403F-9148-E2C5319D0806}"/>
-    <dgm:cxn modelId="{87845CAC-C383-44E3-91C4-109E15C8C104}" srcId="{B359E7CB-EA21-4B38-8EAA-706EA1A7496B}" destId="{67A56028-62BB-4627-BF35-C28CDCCF8504}" srcOrd="6" destOrd="0" parTransId="{E339DA32-A0AD-413E-A9B0-F756D0C402E3}" sibTransId="{251DE741-AF21-4D31-9AEF-1D9787D54D65}"/>
-    <dgm:cxn modelId="{BF241BE5-5955-43D3-A6CB-8DDF0E7763F1}" srcId="{B359E7CB-EA21-4B38-8EAA-706EA1A7496B}" destId="{370EA97F-CF57-40FD-9D9C-08B35AFB09B6}" srcOrd="5" destOrd="0" parTransId="{82A23053-B4FA-404B-B614-3CBA8C155680}" sibTransId="{A4CC9022-6D32-4450-AA05-6D7FAA0845DE}"/>
+    <dgm:cxn modelId="{C63028F6-4A90-45C7-995F-CEDDDEC279DB}" type="presOf" srcId="{F73FCE33-B345-490D-9F6F-3A7DFB1BB0F5}" destId="{4361318F-CD5E-45F4-B288-BE0AA7661E66}" srcOrd="0" destOrd="0" presId="urn:microsoft.com/office/officeart/2008/layout/VerticalCurvedList"/>
     <dgm:cxn modelId="{8DEE9EDD-587D-4024-A564-0686DAD7EC92}" type="presOf" srcId="{C751E207-0058-4C9D-950B-74B5434F8364}" destId="{50FDF325-B7AF-42F1-B8B7-47030B591ABD}" srcOrd="0" destOrd="0" presId="urn:microsoft.com/office/officeart/2008/layout/VerticalCurvedList"/>
-    <dgm:cxn modelId="{F468EC9D-E8CF-426E-8816-BC31A5DA95E7}" srcId="{B359E7CB-EA21-4B38-8EAA-706EA1A7496B}" destId="{4AE6F33A-1F68-4EDE-A41F-64B71127C631}" srcOrd="1" destOrd="0" parTransId="{AC4DFB81-E968-4C08-BF8D-581DDC2F4C2A}" sibTransId="{BD335A26-0D38-4FE2-A1E6-CD5A43B3619F}"/>
-    <dgm:cxn modelId="{C63028F6-4A90-45C7-995F-CEDDDEC279DB}" type="presOf" srcId="{F73FCE33-B345-490D-9F6F-3A7DFB1BB0F5}" destId="{4361318F-CD5E-45F4-B288-BE0AA7661E66}" srcOrd="0" destOrd="0" presId="urn:microsoft.com/office/officeart/2008/layout/VerticalCurvedList"/>
     <dgm:cxn modelId="{CA35F6A4-B59D-4EBD-9CED-5F89C4DD14C4}" type="presOf" srcId="{4AE6F33A-1F68-4EDE-A41F-64B71127C631}" destId="{38526C05-7594-46C1-830B-E7D1ACA96C2E}" srcOrd="0" destOrd="0" presId="urn:microsoft.com/office/officeart/2008/layout/VerticalCurvedList"/>
     <dgm:cxn modelId="{EBDA063F-48EB-4353-93FD-D57003C8B0D1}" srcId="{B359E7CB-EA21-4B38-8EAA-706EA1A7496B}" destId="{000B2956-4D56-43F4-AE48-935E2720F9FF}" srcOrd="0" destOrd="0" parTransId="{88B51A6D-AD16-4AA3-B676-EAFFF7CD8A43}" sibTransId="{C56607A7-EA53-4D59-9F12-E0C1769C65D5}"/>
+    <dgm:cxn modelId="{D3F68188-1B2A-4694-8714-CBD7EC48EF08}" type="presOf" srcId="{370EA97F-CF57-40FD-9D9C-08B35AFB09B6}" destId="{CD5DD791-8626-40B3-9334-6862A46DD5F8}" srcOrd="0" destOrd="0" presId="urn:microsoft.com/office/officeart/2008/layout/VerticalCurvedList"/>
+    <dgm:cxn modelId="{BF241BE5-5955-43D3-A6CB-8DDF0E7763F1}" srcId="{B359E7CB-EA21-4B38-8EAA-706EA1A7496B}" destId="{370EA97F-CF57-40FD-9D9C-08B35AFB09B6}" srcOrd="5" destOrd="0" parTransId="{82A23053-B4FA-404B-B614-3CBA8C155680}" sibTransId="{A4CC9022-6D32-4450-AA05-6D7FAA0845DE}"/>
+    <dgm:cxn modelId="{87845CAC-C383-44E3-91C4-109E15C8C104}" srcId="{B359E7CB-EA21-4B38-8EAA-706EA1A7496B}" destId="{67A56028-62BB-4627-BF35-C28CDCCF8504}" srcOrd="6" destOrd="0" parTransId="{E339DA32-A0AD-413E-A9B0-F756D0C402E3}" sibTransId="{251DE741-AF21-4D31-9AEF-1D9787D54D65}"/>
+    <dgm:cxn modelId="{F468EC9D-E8CF-426E-8816-BC31A5DA95E7}" srcId="{B359E7CB-EA21-4B38-8EAA-706EA1A7496B}" destId="{4AE6F33A-1F68-4EDE-A41F-64B71127C631}" srcOrd="1" destOrd="0" parTransId="{AC4DFB81-E968-4C08-BF8D-581DDC2F4C2A}" sibTransId="{BD335A26-0D38-4FE2-A1E6-CD5A43B3619F}"/>
+    <dgm:cxn modelId="{BC76BF24-EA57-4220-BCE7-9E805C68BC16}" srcId="{B359E7CB-EA21-4B38-8EAA-706EA1A7496B}" destId="{A8A1387D-183E-4706-9044-C0B7E470CD2C}" srcOrd="7" destOrd="0" parTransId="{6C41680E-6611-42D4-AF75-79693DC85CB7}" sibTransId="{8C1622D4-3170-4159-8B95-AB86E6B12197}"/>
+    <dgm:cxn modelId="{89904537-1FF2-448B-8455-3EF5856E3EBE}" type="presOf" srcId="{C56607A7-EA53-4D59-9F12-E0C1769C65D5}" destId="{124ACD5E-67B4-40C2-BFD5-0611EF5E08E1}" srcOrd="0" destOrd="0" presId="urn:microsoft.com/office/officeart/2008/layout/VerticalCurvedList"/>
     <dgm:cxn modelId="{7FDEDF9E-EF6D-47A5-A752-29F7E6FDD2A9}" type="presParOf" srcId="{BFAB5A56-2AC8-4BAC-8423-B2AD0DA8ED8F}" destId="{38BDD9EF-61CE-4AE5-B21A-268144BF6FD9}" srcOrd="0" destOrd="0" presId="urn:microsoft.com/office/officeart/2008/layout/VerticalCurvedList"/>
     <dgm:cxn modelId="{37CF0D94-7BF7-430C-A930-FACB4B3B166B}" type="presParOf" srcId="{38BDD9EF-61CE-4AE5-B21A-268144BF6FD9}" destId="{196F65D6-9A3A-49FD-B7F3-37E5710C2D9B}" srcOrd="0" destOrd="0" presId="urn:microsoft.com/office/officeart/2008/layout/VerticalCurvedList"/>
     <dgm:cxn modelId="{C3422A5E-E0D7-472C-BA1E-B0249D0D6FD6}" type="presParOf" srcId="{196F65D6-9A3A-49FD-B7F3-37E5710C2D9B}" destId="{855A476B-C596-4E3F-9372-46A19053A038}" srcOrd="0" destOrd="0" presId="urn:microsoft.com/office/officeart/2008/layout/VerticalCurvedList"/>
@@ -2353,6 +3167,395 @@
 </dgm:dataModel>
 </file>
 
+<file path=ppt/diagrams/data3.xml><?xml version="1.0" encoding="utf-8"?>
+<dgm:dataModel xmlns:dgm="http://schemas.openxmlformats.org/drawingml/2006/diagram" xmlns:a="http://schemas.openxmlformats.org/drawingml/2006/main">
+  <dgm:ptLst>
+    <dgm:pt modelId="{4A68A0B9-D543-4719-AE92-7C74C0350F77}" type="doc">
+      <dgm:prSet loTypeId="urn:microsoft.com/office/officeart/2005/8/layout/radial6" loCatId="cycle" qsTypeId="urn:microsoft.com/office/officeart/2005/8/quickstyle/simple2" qsCatId="simple" csTypeId="urn:microsoft.com/office/officeart/2005/8/colors/accent1_2" csCatId="accent1" phldr="1"/>
+      <dgm:spPr/>
+      <dgm:t>
+        <a:bodyPr/>
+        <a:lstStyle/>
+        <a:p>
+          <a:endParaRPr lang="zh-CN" altLang="en-US"/>
+        </a:p>
+      </dgm:t>
+    </dgm:pt>
+    <dgm:pt modelId="{40A28ED5-C9E7-40F2-A7F5-6E205A40CD68}">
+      <dgm:prSet phldrT="[文本]"/>
+      <dgm:spPr/>
+      <dgm:t>
+        <a:bodyPr/>
+        <a:lstStyle/>
+        <a:p>
+          <a:r>
+            <a:rPr lang="en-US" altLang="zh-CN" dirty="0" err="1" smtClean="0"/>
+            <a:t>CMApi</a:t>
+          </a:r>
+          <a:endParaRPr lang="zh-CN" altLang="en-US" dirty="0"/>
+        </a:p>
+      </dgm:t>
+    </dgm:pt>
+    <dgm:pt modelId="{3884CD5F-59EE-48B3-9EAF-C045EEA97BCE}" type="parTrans" cxnId="{ED43F981-E580-4AE4-9313-5A22620871F9}">
+      <dgm:prSet/>
+      <dgm:spPr/>
+      <dgm:t>
+        <a:bodyPr/>
+        <a:lstStyle/>
+        <a:p>
+          <a:endParaRPr lang="zh-CN" altLang="en-US"/>
+        </a:p>
+      </dgm:t>
+    </dgm:pt>
+    <dgm:pt modelId="{69A6916C-6F7F-4F10-B185-41C38A5AAD1A}" type="sibTrans" cxnId="{ED43F981-E580-4AE4-9313-5A22620871F9}">
+      <dgm:prSet/>
+      <dgm:spPr/>
+      <dgm:t>
+        <a:bodyPr/>
+        <a:lstStyle/>
+        <a:p>
+          <a:endParaRPr lang="zh-CN" altLang="en-US"/>
+        </a:p>
+      </dgm:t>
+    </dgm:pt>
+    <dgm:pt modelId="{13E414BE-0C8E-45AC-8045-02EC752CCFAF}">
+      <dgm:prSet phldrT="[文本]"/>
+      <dgm:spPr/>
+      <dgm:t>
+        <a:bodyPr/>
+        <a:lstStyle/>
+        <a:p>
+          <a:r>
+            <a:rPr lang="en-US" altLang="zh-CN" dirty="0" smtClean="0"/>
+            <a:t>MOS</a:t>
+          </a:r>
+          <a:endParaRPr lang="zh-CN" altLang="en-US" dirty="0"/>
+        </a:p>
+      </dgm:t>
+    </dgm:pt>
+    <dgm:pt modelId="{DE759E43-91EB-454B-87CE-4B68ED1BA11B}" type="parTrans" cxnId="{DCF82B51-8523-4F46-8D9E-C53CFCF8943A}">
+      <dgm:prSet/>
+      <dgm:spPr/>
+      <dgm:t>
+        <a:bodyPr/>
+        <a:lstStyle/>
+        <a:p>
+          <a:endParaRPr lang="zh-CN" altLang="en-US"/>
+        </a:p>
+      </dgm:t>
+    </dgm:pt>
+    <dgm:pt modelId="{3FB015EC-A6C2-44DA-9DFF-43DDD2666DAD}" type="sibTrans" cxnId="{DCF82B51-8523-4F46-8D9E-C53CFCF8943A}">
+      <dgm:prSet/>
+      <dgm:spPr/>
+      <dgm:t>
+        <a:bodyPr/>
+        <a:lstStyle/>
+        <a:p>
+          <a:endParaRPr lang="zh-CN" altLang="en-US"/>
+        </a:p>
+      </dgm:t>
+    </dgm:pt>
+    <dgm:pt modelId="{8FED1BBF-E3B1-46F4-B3C0-52F7419F9DF4}">
+      <dgm:prSet phldrT="[文本]"/>
+      <dgm:spPr/>
+      <dgm:t>
+        <a:bodyPr/>
+        <a:lstStyle/>
+        <a:p>
+          <a:r>
+            <a:rPr lang="en-US" altLang="zh-CN" dirty="0" smtClean="0"/>
+            <a:t>CM Web</a:t>
+          </a:r>
+          <a:endParaRPr lang="zh-CN" altLang="en-US" dirty="0"/>
+        </a:p>
+      </dgm:t>
+    </dgm:pt>
+    <dgm:pt modelId="{B23D9E3A-7679-48D4-A789-228A62F6B3F0}" type="parTrans" cxnId="{135C0A11-0DC2-488C-8C6A-BF8C41E19ED4}">
+      <dgm:prSet/>
+      <dgm:spPr/>
+      <dgm:t>
+        <a:bodyPr/>
+        <a:lstStyle/>
+        <a:p>
+          <a:endParaRPr lang="zh-CN" altLang="en-US"/>
+        </a:p>
+      </dgm:t>
+    </dgm:pt>
+    <dgm:pt modelId="{E197B5E4-4CF8-459F-A226-255DCA861BDB}" type="sibTrans" cxnId="{135C0A11-0DC2-488C-8C6A-BF8C41E19ED4}">
+      <dgm:prSet/>
+      <dgm:spPr/>
+      <dgm:t>
+        <a:bodyPr/>
+        <a:lstStyle/>
+        <a:p>
+          <a:endParaRPr lang="zh-CN" altLang="en-US"/>
+        </a:p>
+      </dgm:t>
+    </dgm:pt>
+    <dgm:pt modelId="{AADF5917-574D-41E1-9A62-31FB23907C37}">
+      <dgm:prSet phldrT="[文本]"/>
+      <dgm:spPr/>
+      <dgm:t>
+        <a:bodyPr/>
+        <a:lstStyle/>
+        <a:p>
+          <a:r>
+            <a:rPr lang="en-US" altLang="zh-CN" dirty="0" smtClean="0"/>
+            <a:t>Premiere</a:t>
+          </a:r>
+          <a:endParaRPr lang="zh-CN" altLang="en-US" dirty="0"/>
+        </a:p>
+      </dgm:t>
+    </dgm:pt>
+    <dgm:pt modelId="{327744BE-BEDA-4AB6-96AB-00ED6AB5D4F8}" type="parTrans" cxnId="{68928876-9028-4BAD-9C62-25BAB6874851}">
+      <dgm:prSet/>
+      <dgm:spPr/>
+      <dgm:t>
+        <a:bodyPr/>
+        <a:lstStyle/>
+        <a:p>
+          <a:endParaRPr lang="zh-CN" altLang="en-US"/>
+        </a:p>
+      </dgm:t>
+    </dgm:pt>
+    <dgm:pt modelId="{BDB8EEFD-87FE-431E-A1B7-A6314E589D58}" type="sibTrans" cxnId="{68928876-9028-4BAD-9C62-25BAB6874851}">
+      <dgm:prSet/>
+      <dgm:spPr/>
+      <dgm:t>
+        <a:bodyPr/>
+        <a:lstStyle/>
+        <a:p>
+          <a:endParaRPr lang="zh-CN" altLang="en-US"/>
+        </a:p>
+      </dgm:t>
+    </dgm:pt>
+    <dgm:pt modelId="{4593702B-629C-4757-9687-BF4D91129589}">
+      <dgm:prSet phldrT="[文本]"/>
+      <dgm:spPr/>
+      <dgm:t>
+        <a:bodyPr/>
+        <a:lstStyle/>
+        <a:p>
+          <a:r>
+            <a:rPr lang="en-US" altLang="zh-CN" dirty="0" smtClean="0"/>
+            <a:t>JOVE</a:t>
+          </a:r>
+          <a:endParaRPr lang="zh-CN" altLang="en-US" dirty="0"/>
+        </a:p>
+      </dgm:t>
+    </dgm:pt>
+    <dgm:pt modelId="{05B57615-D218-4367-873F-CF3E34C05DBD}" type="parTrans" cxnId="{646EA461-CB96-48F8-A064-261E04559F9B}">
+      <dgm:prSet/>
+      <dgm:spPr/>
+      <dgm:t>
+        <a:bodyPr/>
+        <a:lstStyle/>
+        <a:p>
+          <a:endParaRPr lang="zh-CN" altLang="en-US"/>
+        </a:p>
+      </dgm:t>
+    </dgm:pt>
+    <dgm:pt modelId="{F76E4E38-63D0-4301-8F46-EE339A9A90BD}" type="sibTrans" cxnId="{646EA461-CB96-48F8-A064-261E04559F9B}">
+      <dgm:prSet/>
+      <dgm:spPr/>
+      <dgm:t>
+        <a:bodyPr/>
+        <a:lstStyle/>
+        <a:p>
+          <a:endParaRPr lang="zh-CN" altLang="en-US"/>
+        </a:p>
+      </dgm:t>
+    </dgm:pt>
+    <dgm:pt modelId="{959C3770-BEC8-4D33-A12B-6580B8F56A65}" type="pres">
+      <dgm:prSet presAssocID="{4A68A0B9-D543-4719-AE92-7C74C0350F77}" presName="Name0" presStyleCnt="0">
+        <dgm:presLayoutVars>
+          <dgm:chMax val="1"/>
+          <dgm:dir/>
+          <dgm:animLvl val="ctr"/>
+          <dgm:resizeHandles val="exact"/>
+        </dgm:presLayoutVars>
+      </dgm:prSet>
+      <dgm:spPr/>
+      <dgm:t>
+        <a:bodyPr/>
+        <a:lstStyle/>
+        <a:p>
+          <a:endParaRPr lang="zh-CN" altLang="en-US"/>
+        </a:p>
+      </dgm:t>
+    </dgm:pt>
+    <dgm:pt modelId="{720CFA53-B4BE-4D4F-874F-168A05D2C0A0}" type="pres">
+      <dgm:prSet presAssocID="{40A28ED5-C9E7-40F2-A7F5-6E205A40CD68}" presName="centerShape" presStyleLbl="node0" presStyleIdx="0" presStyleCnt="1"/>
+      <dgm:spPr/>
+      <dgm:t>
+        <a:bodyPr/>
+        <a:lstStyle/>
+        <a:p>
+          <a:endParaRPr lang="zh-CN" altLang="en-US"/>
+        </a:p>
+      </dgm:t>
+    </dgm:pt>
+    <dgm:pt modelId="{9928B137-1EBC-4A85-B901-2935216D7472}" type="pres">
+      <dgm:prSet presAssocID="{13E414BE-0C8E-45AC-8045-02EC752CCFAF}" presName="node" presStyleLbl="node1" presStyleIdx="0" presStyleCnt="4">
+        <dgm:presLayoutVars>
+          <dgm:bulletEnabled val="1"/>
+        </dgm:presLayoutVars>
+      </dgm:prSet>
+      <dgm:spPr/>
+      <dgm:t>
+        <a:bodyPr/>
+        <a:lstStyle/>
+        <a:p>
+          <a:endParaRPr lang="zh-CN" altLang="en-US"/>
+        </a:p>
+      </dgm:t>
+    </dgm:pt>
+    <dgm:pt modelId="{9367BDDE-5C18-4917-B77A-BCA5A2D993F8}" type="pres">
+      <dgm:prSet presAssocID="{13E414BE-0C8E-45AC-8045-02EC752CCFAF}" presName="dummy" presStyleCnt="0"/>
+      <dgm:spPr/>
+    </dgm:pt>
+    <dgm:pt modelId="{7AC770F5-65CC-4EE5-B9A1-0AA3B4BD28AD}" type="pres">
+      <dgm:prSet presAssocID="{3FB015EC-A6C2-44DA-9DFF-43DDD2666DAD}" presName="sibTrans" presStyleLbl="sibTrans2D1" presStyleIdx="0" presStyleCnt="4"/>
+      <dgm:spPr/>
+      <dgm:t>
+        <a:bodyPr/>
+        <a:lstStyle/>
+        <a:p>
+          <a:endParaRPr lang="zh-CN" altLang="en-US"/>
+        </a:p>
+      </dgm:t>
+    </dgm:pt>
+    <dgm:pt modelId="{FC215842-BC45-47A1-A21E-FD1B281BAD87}" type="pres">
+      <dgm:prSet presAssocID="{8FED1BBF-E3B1-46F4-B3C0-52F7419F9DF4}" presName="node" presStyleLbl="node1" presStyleIdx="1" presStyleCnt="4">
+        <dgm:presLayoutVars>
+          <dgm:bulletEnabled val="1"/>
+        </dgm:presLayoutVars>
+      </dgm:prSet>
+      <dgm:spPr/>
+      <dgm:t>
+        <a:bodyPr/>
+        <a:lstStyle/>
+        <a:p>
+          <a:endParaRPr lang="zh-CN" altLang="en-US"/>
+        </a:p>
+      </dgm:t>
+    </dgm:pt>
+    <dgm:pt modelId="{1936DB24-724A-4C27-AF10-CED52DC096E5}" type="pres">
+      <dgm:prSet presAssocID="{8FED1BBF-E3B1-46F4-B3C0-52F7419F9DF4}" presName="dummy" presStyleCnt="0"/>
+      <dgm:spPr/>
+    </dgm:pt>
+    <dgm:pt modelId="{6D2C6471-184A-42B5-862B-18126C283BE8}" type="pres">
+      <dgm:prSet presAssocID="{E197B5E4-4CF8-459F-A226-255DCA861BDB}" presName="sibTrans" presStyleLbl="sibTrans2D1" presStyleIdx="1" presStyleCnt="4"/>
+      <dgm:spPr/>
+      <dgm:t>
+        <a:bodyPr/>
+        <a:lstStyle/>
+        <a:p>
+          <a:endParaRPr lang="zh-CN" altLang="en-US"/>
+        </a:p>
+      </dgm:t>
+    </dgm:pt>
+    <dgm:pt modelId="{01D76B9C-3D0B-48C8-A480-6B66830D5693}" type="pres">
+      <dgm:prSet presAssocID="{AADF5917-574D-41E1-9A62-31FB23907C37}" presName="node" presStyleLbl="node1" presStyleIdx="2" presStyleCnt="4">
+        <dgm:presLayoutVars>
+          <dgm:bulletEnabled val="1"/>
+        </dgm:presLayoutVars>
+      </dgm:prSet>
+      <dgm:spPr/>
+      <dgm:t>
+        <a:bodyPr/>
+        <a:lstStyle/>
+        <a:p>
+          <a:endParaRPr lang="zh-CN" altLang="en-US"/>
+        </a:p>
+      </dgm:t>
+    </dgm:pt>
+    <dgm:pt modelId="{940272AC-F457-454B-AA5D-27F866BFDDB3}" type="pres">
+      <dgm:prSet presAssocID="{AADF5917-574D-41E1-9A62-31FB23907C37}" presName="dummy" presStyleCnt="0"/>
+      <dgm:spPr/>
+    </dgm:pt>
+    <dgm:pt modelId="{64573A8C-0BAE-46B3-996C-598D948EC569}" type="pres">
+      <dgm:prSet presAssocID="{BDB8EEFD-87FE-431E-A1B7-A6314E589D58}" presName="sibTrans" presStyleLbl="sibTrans2D1" presStyleIdx="2" presStyleCnt="4"/>
+      <dgm:spPr/>
+      <dgm:t>
+        <a:bodyPr/>
+        <a:lstStyle/>
+        <a:p>
+          <a:endParaRPr lang="zh-CN" altLang="en-US"/>
+        </a:p>
+      </dgm:t>
+    </dgm:pt>
+    <dgm:pt modelId="{ADFA35F2-EA04-4F8F-AE02-25EE6493E391}" type="pres">
+      <dgm:prSet presAssocID="{4593702B-629C-4757-9687-BF4D91129589}" presName="node" presStyleLbl="node1" presStyleIdx="3" presStyleCnt="4">
+        <dgm:presLayoutVars>
+          <dgm:bulletEnabled val="1"/>
+        </dgm:presLayoutVars>
+      </dgm:prSet>
+      <dgm:spPr/>
+      <dgm:t>
+        <a:bodyPr/>
+        <a:lstStyle/>
+        <a:p>
+          <a:endParaRPr lang="zh-CN" altLang="en-US"/>
+        </a:p>
+      </dgm:t>
+    </dgm:pt>
+    <dgm:pt modelId="{4D206CF0-D2AF-46BC-9692-C877FDA1C001}" type="pres">
+      <dgm:prSet presAssocID="{4593702B-629C-4757-9687-BF4D91129589}" presName="dummy" presStyleCnt="0"/>
+      <dgm:spPr/>
+    </dgm:pt>
+    <dgm:pt modelId="{DD921DB1-6CA7-459C-A636-3462F795BA88}" type="pres">
+      <dgm:prSet presAssocID="{F76E4E38-63D0-4301-8F46-EE339A9A90BD}" presName="sibTrans" presStyleLbl="sibTrans2D1" presStyleIdx="3" presStyleCnt="4"/>
+      <dgm:spPr/>
+      <dgm:t>
+        <a:bodyPr/>
+        <a:lstStyle/>
+        <a:p>
+          <a:endParaRPr lang="zh-CN" altLang="en-US"/>
+        </a:p>
+      </dgm:t>
+    </dgm:pt>
+  </dgm:ptLst>
+  <dgm:cxnLst>
+    <dgm:cxn modelId="{80C0F34D-34B2-4553-80D6-FE144DF7DCD2}" type="presOf" srcId="{13E414BE-0C8E-45AC-8045-02EC752CCFAF}" destId="{9928B137-1EBC-4A85-B901-2935216D7472}" srcOrd="0" destOrd="0" presId="urn:microsoft.com/office/officeart/2005/8/layout/radial6"/>
+    <dgm:cxn modelId="{487CC7C4-3619-47B2-8458-4C955642D5B2}" type="presOf" srcId="{8FED1BBF-E3B1-46F4-B3C0-52F7419F9DF4}" destId="{FC215842-BC45-47A1-A21E-FD1B281BAD87}" srcOrd="0" destOrd="0" presId="urn:microsoft.com/office/officeart/2005/8/layout/radial6"/>
+    <dgm:cxn modelId="{C8B4D7B7-E051-440E-BC96-BE8A46789111}" type="presOf" srcId="{F76E4E38-63D0-4301-8F46-EE339A9A90BD}" destId="{DD921DB1-6CA7-459C-A636-3462F795BA88}" srcOrd="0" destOrd="0" presId="urn:microsoft.com/office/officeart/2005/8/layout/radial6"/>
+    <dgm:cxn modelId="{DCF82B51-8523-4F46-8D9E-C53CFCF8943A}" srcId="{40A28ED5-C9E7-40F2-A7F5-6E205A40CD68}" destId="{13E414BE-0C8E-45AC-8045-02EC752CCFAF}" srcOrd="0" destOrd="0" parTransId="{DE759E43-91EB-454B-87CE-4B68ED1BA11B}" sibTransId="{3FB015EC-A6C2-44DA-9DFF-43DDD2666DAD}"/>
+    <dgm:cxn modelId="{4A16DDAD-EB13-4AAC-A313-2C12E2ABD554}" type="presOf" srcId="{E197B5E4-4CF8-459F-A226-255DCA861BDB}" destId="{6D2C6471-184A-42B5-862B-18126C283BE8}" srcOrd="0" destOrd="0" presId="urn:microsoft.com/office/officeart/2005/8/layout/radial6"/>
+    <dgm:cxn modelId="{B5A53ACC-B272-4379-A326-D0B03E4AB85F}" type="presOf" srcId="{3FB015EC-A6C2-44DA-9DFF-43DDD2666DAD}" destId="{7AC770F5-65CC-4EE5-B9A1-0AA3B4BD28AD}" srcOrd="0" destOrd="0" presId="urn:microsoft.com/office/officeart/2005/8/layout/radial6"/>
+    <dgm:cxn modelId="{57FE6754-1574-4212-9778-9470A9D0DFE9}" type="presOf" srcId="{40A28ED5-C9E7-40F2-A7F5-6E205A40CD68}" destId="{720CFA53-B4BE-4D4F-874F-168A05D2C0A0}" srcOrd="0" destOrd="0" presId="urn:microsoft.com/office/officeart/2005/8/layout/radial6"/>
+    <dgm:cxn modelId="{646EA461-CB96-48F8-A064-261E04559F9B}" srcId="{40A28ED5-C9E7-40F2-A7F5-6E205A40CD68}" destId="{4593702B-629C-4757-9687-BF4D91129589}" srcOrd="3" destOrd="0" parTransId="{05B57615-D218-4367-873F-CF3E34C05DBD}" sibTransId="{F76E4E38-63D0-4301-8F46-EE339A9A90BD}"/>
+    <dgm:cxn modelId="{FF3B3003-D5AB-4612-A804-5F5C42265A3C}" type="presOf" srcId="{4A68A0B9-D543-4719-AE92-7C74C0350F77}" destId="{959C3770-BEC8-4D33-A12B-6580B8F56A65}" srcOrd="0" destOrd="0" presId="urn:microsoft.com/office/officeart/2005/8/layout/radial6"/>
+    <dgm:cxn modelId="{ED43F981-E580-4AE4-9313-5A22620871F9}" srcId="{4A68A0B9-D543-4719-AE92-7C74C0350F77}" destId="{40A28ED5-C9E7-40F2-A7F5-6E205A40CD68}" srcOrd="0" destOrd="0" parTransId="{3884CD5F-59EE-48B3-9EAF-C045EEA97BCE}" sibTransId="{69A6916C-6F7F-4F10-B185-41C38A5AAD1A}"/>
+    <dgm:cxn modelId="{68928876-9028-4BAD-9C62-25BAB6874851}" srcId="{40A28ED5-C9E7-40F2-A7F5-6E205A40CD68}" destId="{AADF5917-574D-41E1-9A62-31FB23907C37}" srcOrd="2" destOrd="0" parTransId="{327744BE-BEDA-4AB6-96AB-00ED6AB5D4F8}" sibTransId="{BDB8EEFD-87FE-431E-A1B7-A6314E589D58}"/>
+    <dgm:cxn modelId="{4C09184D-93AB-4C4B-B4B3-7B2B9AB6B700}" type="presOf" srcId="{4593702B-629C-4757-9687-BF4D91129589}" destId="{ADFA35F2-EA04-4F8F-AE02-25EE6493E391}" srcOrd="0" destOrd="0" presId="urn:microsoft.com/office/officeart/2005/8/layout/radial6"/>
+    <dgm:cxn modelId="{B0E503A8-EB89-4387-9A9D-31552BB41099}" type="presOf" srcId="{AADF5917-574D-41E1-9A62-31FB23907C37}" destId="{01D76B9C-3D0B-48C8-A480-6B66830D5693}" srcOrd="0" destOrd="0" presId="urn:microsoft.com/office/officeart/2005/8/layout/radial6"/>
+    <dgm:cxn modelId="{135C0A11-0DC2-488C-8C6A-BF8C41E19ED4}" srcId="{40A28ED5-C9E7-40F2-A7F5-6E205A40CD68}" destId="{8FED1BBF-E3B1-46F4-B3C0-52F7419F9DF4}" srcOrd="1" destOrd="0" parTransId="{B23D9E3A-7679-48D4-A789-228A62F6B3F0}" sibTransId="{E197B5E4-4CF8-459F-A226-255DCA861BDB}"/>
+    <dgm:cxn modelId="{5A090816-D0A6-4FE4-903C-744C20137506}" type="presOf" srcId="{BDB8EEFD-87FE-431E-A1B7-A6314E589D58}" destId="{64573A8C-0BAE-46B3-996C-598D948EC569}" srcOrd="0" destOrd="0" presId="urn:microsoft.com/office/officeart/2005/8/layout/radial6"/>
+    <dgm:cxn modelId="{28655158-6A87-4C8E-836C-C74D371C28DB}" type="presParOf" srcId="{959C3770-BEC8-4D33-A12B-6580B8F56A65}" destId="{720CFA53-B4BE-4D4F-874F-168A05D2C0A0}" srcOrd="0" destOrd="0" presId="urn:microsoft.com/office/officeart/2005/8/layout/radial6"/>
+    <dgm:cxn modelId="{5CEDFBA9-200B-4786-81C5-9185E0ABCB76}" type="presParOf" srcId="{959C3770-BEC8-4D33-A12B-6580B8F56A65}" destId="{9928B137-1EBC-4A85-B901-2935216D7472}" srcOrd="1" destOrd="0" presId="urn:microsoft.com/office/officeart/2005/8/layout/radial6"/>
+    <dgm:cxn modelId="{1C6E2129-F942-4E80-A54B-F42267B3FE7C}" type="presParOf" srcId="{959C3770-BEC8-4D33-A12B-6580B8F56A65}" destId="{9367BDDE-5C18-4917-B77A-BCA5A2D993F8}" srcOrd="2" destOrd="0" presId="urn:microsoft.com/office/officeart/2005/8/layout/radial6"/>
+    <dgm:cxn modelId="{11A112C5-F0B4-4842-A448-2B4BFDE95E09}" type="presParOf" srcId="{959C3770-BEC8-4D33-A12B-6580B8F56A65}" destId="{7AC770F5-65CC-4EE5-B9A1-0AA3B4BD28AD}" srcOrd="3" destOrd="0" presId="urn:microsoft.com/office/officeart/2005/8/layout/radial6"/>
+    <dgm:cxn modelId="{9C7ABF04-563C-44C9-A151-C1FD32A9F6DA}" type="presParOf" srcId="{959C3770-BEC8-4D33-A12B-6580B8F56A65}" destId="{FC215842-BC45-47A1-A21E-FD1B281BAD87}" srcOrd="4" destOrd="0" presId="urn:microsoft.com/office/officeart/2005/8/layout/radial6"/>
+    <dgm:cxn modelId="{C5BD0150-9C14-4C8C-B5C9-FFB68F5BB887}" type="presParOf" srcId="{959C3770-BEC8-4D33-A12B-6580B8F56A65}" destId="{1936DB24-724A-4C27-AF10-CED52DC096E5}" srcOrd="5" destOrd="0" presId="urn:microsoft.com/office/officeart/2005/8/layout/radial6"/>
+    <dgm:cxn modelId="{B2BEF5AB-4961-4D19-AF5E-7CDDAA04B609}" type="presParOf" srcId="{959C3770-BEC8-4D33-A12B-6580B8F56A65}" destId="{6D2C6471-184A-42B5-862B-18126C283BE8}" srcOrd="6" destOrd="0" presId="urn:microsoft.com/office/officeart/2005/8/layout/radial6"/>
+    <dgm:cxn modelId="{6DA83439-CCE9-4828-9646-CA100876A56E}" type="presParOf" srcId="{959C3770-BEC8-4D33-A12B-6580B8F56A65}" destId="{01D76B9C-3D0B-48C8-A480-6B66830D5693}" srcOrd="7" destOrd="0" presId="urn:microsoft.com/office/officeart/2005/8/layout/radial6"/>
+    <dgm:cxn modelId="{FF682B0E-E4E7-4780-ACCB-CB7B95032766}" type="presParOf" srcId="{959C3770-BEC8-4D33-A12B-6580B8F56A65}" destId="{940272AC-F457-454B-AA5D-27F866BFDDB3}" srcOrd="8" destOrd="0" presId="urn:microsoft.com/office/officeart/2005/8/layout/radial6"/>
+    <dgm:cxn modelId="{AF900561-4277-4A68-8EC6-94D5796F46C3}" type="presParOf" srcId="{959C3770-BEC8-4D33-A12B-6580B8F56A65}" destId="{64573A8C-0BAE-46B3-996C-598D948EC569}" srcOrd="9" destOrd="0" presId="urn:microsoft.com/office/officeart/2005/8/layout/radial6"/>
+    <dgm:cxn modelId="{93DFB65B-3D08-46E8-9817-7A604C8916AD}" type="presParOf" srcId="{959C3770-BEC8-4D33-A12B-6580B8F56A65}" destId="{ADFA35F2-EA04-4F8F-AE02-25EE6493E391}" srcOrd="10" destOrd="0" presId="urn:microsoft.com/office/officeart/2005/8/layout/radial6"/>
+    <dgm:cxn modelId="{940F6FE2-AB5C-430A-91FB-EAC60F884BA3}" type="presParOf" srcId="{959C3770-BEC8-4D33-A12B-6580B8F56A65}" destId="{4D206CF0-D2AF-46BC-9692-C877FDA1C001}" srcOrd="11" destOrd="0" presId="urn:microsoft.com/office/officeart/2005/8/layout/radial6"/>
+    <dgm:cxn modelId="{2EC7168A-126B-42F4-B535-09C41DD0B9FA}" type="presParOf" srcId="{959C3770-BEC8-4D33-A12B-6580B8F56A65}" destId="{DD921DB1-6CA7-459C-A636-3462F795BA88}" srcOrd="12" destOrd="0" presId="urn:microsoft.com/office/officeart/2005/8/layout/radial6"/>
+  </dgm:cxnLst>
+  <dgm:bg/>
+  <dgm:whole/>
+  <dgm:extLst>
+    <a:ext uri="http://schemas.microsoft.com/office/drawing/2008/diagram">
+      <dsp:dataModelExt xmlns:dsp="http://schemas.microsoft.com/office/drawing/2008/diagram" relId="rId6" minVer="http://schemas.openxmlformats.org/drawingml/2006/diagram"/>
+    </a:ext>
+  </dgm:extLst>
+</dgm:dataModel>
+</file>
+
 <file path=ppt/diagrams/drawing1.xml><?xml version="1.0" encoding="utf-8"?>
 <dsp:drawing xmlns:dgm="http://schemas.openxmlformats.org/drawingml/2006/diagram" xmlns:dsp="http://schemas.microsoft.com/office/drawing/2008/diagram" xmlns:a="http://schemas.openxmlformats.org/drawingml/2006/main">
   <dsp:spTree>
@@ -2361,200 +3564,6 @@
       <dsp:cNvGrpSpPr/>
     </dsp:nvGrpSpPr>
     <dsp:grpSpPr/>
-    <dsp:sp modelId="{714582B2-78A8-44AB-98D3-D7961D7F19DC}">
-      <dsp:nvSpPr>
-        <dsp:cNvPr id="0" name=""/>
-        <dsp:cNvSpPr/>
-      </dsp:nvSpPr>
-      <dsp:spPr>
-        <a:xfrm>
-          <a:off x="357549" y="0"/>
-          <a:ext cx="4052222" cy="1754326"/>
-        </a:xfrm>
-        <a:prstGeom prst="rightArrow">
-          <a:avLst/>
-        </a:prstGeom>
-        <a:solidFill>
-          <a:schemeClr val="accent1">
-            <a:tint val="40000"/>
-            <a:hueOff val="0"/>
-            <a:satOff val="0"/>
-            <a:lumOff val="0"/>
-            <a:alphaOff val="0"/>
-          </a:schemeClr>
-        </a:solidFill>
-        <a:ln>
-          <a:noFill/>
-        </a:ln>
-        <a:effectLst/>
-      </dsp:spPr>
-      <dsp:style>
-        <a:lnRef idx="0">
-          <a:scrgbClr r="0" g="0" b="0"/>
-        </a:lnRef>
-        <a:fillRef idx="1">
-          <a:scrgbClr r="0" g="0" b="0"/>
-        </a:fillRef>
-        <a:effectRef idx="0">
-          <a:scrgbClr r="0" g="0" b="0"/>
-        </a:effectRef>
-        <a:fontRef idx="minor"/>
-      </dsp:style>
-    </dsp:sp>
-    <dsp:sp modelId="{8AABF899-9E34-4B09-BADE-46460411C26C}">
-      <dsp:nvSpPr>
-        <dsp:cNvPr id="0" name=""/>
-        <dsp:cNvSpPr/>
-      </dsp:nvSpPr>
-      <dsp:spPr>
-        <a:xfrm>
-          <a:off x="552385" y="526297"/>
-          <a:ext cx="1743051" cy="701730"/>
-        </a:xfrm>
-        <a:prstGeom prst="roundRect">
-          <a:avLst/>
-        </a:prstGeom>
-        <a:solidFill>
-          <a:schemeClr val="accent1">
-            <a:hueOff val="0"/>
-            <a:satOff val="0"/>
-            <a:lumOff val="0"/>
-            <a:alphaOff val="0"/>
-          </a:schemeClr>
-        </a:solidFill>
-        <a:ln w="15875" cap="flat" cmpd="sng" algn="ctr">
-          <a:solidFill>
-            <a:schemeClr val="lt1">
-              <a:hueOff val="0"/>
-              <a:satOff val="0"/>
-              <a:lumOff val="0"/>
-              <a:alphaOff val="0"/>
-            </a:schemeClr>
-          </a:solidFill>
-          <a:prstDash val="solid"/>
-        </a:ln>
-        <a:effectLst/>
-      </dsp:spPr>
-      <dsp:style>
-        <a:lnRef idx="2">
-          <a:scrgbClr r="0" g="0" b="0"/>
-        </a:lnRef>
-        <a:fillRef idx="1">
-          <a:scrgbClr r="0" g="0" b="0"/>
-        </a:fillRef>
-        <a:effectRef idx="0">
-          <a:scrgbClr r="0" g="0" b="0"/>
-        </a:effectRef>
-        <a:fontRef idx="minor">
-          <a:schemeClr val="lt1"/>
-        </a:fontRef>
-      </dsp:style>
-      <dsp:txBody>
-        <a:bodyPr spcFirstLastPara="0" vert="horz" wrap="square" lIns="106680" tIns="106680" rIns="106680" bIns="106680" numCol="1" spcCol="1270" anchor="ctr" anchorCtr="0">
-          <a:noAutofit/>
-        </a:bodyPr>
-        <a:lstStyle/>
-        <a:p>
-          <a:pPr lvl="0" algn="ctr" defTabSz="1244600" rtl="0">
-            <a:lnSpc>
-              <a:spcPct val="90000"/>
-            </a:lnSpc>
-            <a:spcBef>
-              <a:spcPct val="0"/>
-            </a:spcBef>
-            <a:spcAft>
-              <a:spcPct val="35000"/>
-            </a:spcAft>
-          </a:pPr>
-          <a:r>
-            <a:rPr lang="zh-CN" sz="2800" b="0" kern="1200" smtClean="0"/>
-            <a:t>好工具</a:t>
-          </a:r>
-          <a:endParaRPr lang="zh-CN" sz="2800" kern="1200"/>
-        </a:p>
-      </dsp:txBody>
-      <dsp:txXfrm>
-        <a:off x="586641" y="560553"/>
-        <a:ext cx="1674539" cy="633218"/>
-      </dsp:txXfrm>
-    </dsp:sp>
-    <dsp:sp modelId="{1568BD93-4D4B-4213-8B0D-D354CA0EFEB2}">
-      <dsp:nvSpPr>
-        <dsp:cNvPr id="0" name=""/>
-        <dsp:cNvSpPr/>
-      </dsp:nvSpPr>
-      <dsp:spPr>
-        <a:xfrm>
-          <a:off x="2471883" y="526297"/>
-          <a:ext cx="1743051" cy="701730"/>
-        </a:xfrm>
-        <a:prstGeom prst="roundRect">
-          <a:avLst/>
-        </a:prstGeom>
-        <a:solidFill>
-          <a:schemeClr val="accent1">
-            <a:hueOff val="0"/>
-            <a:satOff val="0"/>
-            <a:lumOff val="0"/>
-            <a:alphaOff val="0"/>
-          </a:schemeClr>
-        </a:solidFill>
-        <a:ln w="15875" cap="flat" cmpd="sng" algn="ctr">
-          <a:solidFill>
-            <a:schemeClr val="lt1">
-              <a:hueOff val="0"/>
-              <a:satOff val="0"/>
-              <a:lumOff val="0"/>
-              <a:alphaOff val="0"/>
-            </a:schemeClr>
-          </a:solidFill>
-          <a:prstDash val="solid"/>
-        </a:ln>
-        <a:effectLst/>
-      </dsp:spPr>
-      <dsp:style>
-        <a:lnRef idx="2">
-          <a:scrgbClr r="0" g="0" b="0"/>
-        </a:lnRef>
-        <a:fillRef idx="1">
-          <a:scrgbClr r="0" g="0" b="0"/>
-        </a:fillRef>
-        <a:effectRef idx="0">
-          <a:scrgbClr r="0" g="0" b="0"/>
-        </a:effectRef>
-        <a:fontRef idx="minor">
-          <a:schemeClr val="lt1"/>
-        </a:fontRef>
-      </dsp:style>
-      <dsp:txBody>
-        <a:bodyPr spcFirstLastPara="0" vert="horz" wrap="square" lIns="106680" tIns="106680" rIns="106680" bIns="106680" numCol="1" spcCol="1270" anchor="ctr" anchorCtr="0">
-          <a:noAutofit/>
-        </a:bodyPr>
-        <a:lstStyle/>
-        <a:p>
-          <a:pPr lvl="0" algn="ctr" defTabSz="1244600" rtl="0">
-            <a:lnSpc>
-              <a:spcPct val="90000"/>
-            </a:lnSpc>
-            <a:spcBef>
-              <a:spcPct val="0"/>
-            </a:spcBef>
-            <a:spcAft>
-              <a:spcPct val="35000"/>
-            </a:spcAft>
-          </a:pPr>
-          <a:r>
-            <a:rPr lang="zh-CN" sz="2800" b="0" kern="1200" smtClean="0"/>
-            <a:t>事半功倍</a:t>
-          </a:r>
-          <a:endParaRPr lang="zh-CN" sz="2800" kern="1200"/>
-        </a:p>
-      </dsp:txBody>
-      <dsp:txXfrm>
-        <a:off x="2506139" y="560553"/>
-        <a:ext cx="1674539" cy="633218"/>
-      </dsp:txXfrm>
-    </dsp:sp>
   </dsp:spTree>
 </dsp:drawing>
 </file>
@@ -3897,7 +4906,11 @@
           </a:pPr>
           <a:r>
             <a:rPr lang="zh-CN" altLang="en-US" sz="1800" kern="1200" dirty="0" smtClean="0"/>
-            <a:t>本 想是一下流程，但基础配置都没有对</a:t>
+            <a:t>本 想是一下流程，但基础配置</a:t>
+          </a:r>
+          <a:r>
+            <a:rPr lang="zh-CN" altLang="en-US" sz="1800" kern="1200" smtClean="0"/>
+            <a:t>都没有</a:t>
           </a:r>
           <a:endParaRPr lang="zh-CN" altLang="en-US" sz="1800" kern="1200" dirty="0"/>
         </a:p>
@@ -3971,6 +4984,587 @@
         </a:effectRef>
         <a:fontRef idx="minor"/>
       </dsp:style>
+    </dsp:sp>
+  </dsp:spTree>
+</dsp:drawing>
+</file>
+
+<file path=ppt/diagrams/drawing3.xml><?xml version="1.0" encoding="utf-8"?>
+<dsp:drawing xmlns:dgm="http://schemas.openxmlformats.org/drawingml/2006/diagram" xmlns:dsp="http://schemas.microsoft.com/office/drawing/2008/diagram" xmlns:a="http://schemas.openxmlformats.org/drawingml/2006/main">
+  <dsp:spTree>
+    <dsp:nvGrpSpPr>
+      <dsp:cNvPr id="0" name=""/>
+      <dsp:cNvGrpSpPr/>
+    </dsp:nvGrpSpPr>
+    <dsp:grpSpPr/>
+    <dsp:sp modelId="{DD921DB1-6CA7-459C-A636-3462F795BA88}">
+      <dsp:nvSpPr>
+        <dsp:cNvPr id="0" name=""/>
+        <dsp:cNvSpPr/>
+      </dsp:nvSpPr>
+      <dsp:spPr>
+        <a:xfrm>
+          <a:off x="616924" y="410449"/>
+          <a:ext cx="2738136" cy="2738136"/>
+        </a:xfrm>
+        <a:prstGeom prst="blockArc">
+          <a:avLst>
+            <a:gd name="adj1" fmla="val 10800000"/>
+            <a:gd name="adj2" fmla="val 16200000"/>
+            <a:gd name="adj3" fmla="val 4641"/>
+          </a:avLst>
+        </a:prstGeom>
+        <a:solidFill>
+          <a:schemeClr val="accent1">
+            <a:tint val="60000"/>
+            <a:hueOff val="0"/>
+            <a:satOff val="0"/>
+            <a:lumOff val="0"/>
+            <a:alphaOff val="0"/>
+          </a:schemeClr>
+        </a:solidFill>
+        <a:ln>
+          <a:noFill/>
+        </a:ln>
+        <a:effectLst/>
+      </dsp:spPr>
+      <dsp:style>
+        <a:lnRef idx="0">
+          <a:scrgbClr r="0" g="0" b="0"/>
+        </a:lnRef>
+        <a:fillRef idx="1">
+          <a:scrgbClr r="0" g="0" b="0"/>
+        </a:fillRef>
+        <a:effectRef idx="1">
+          <a:scrgbClr r="0" g="0" b="0"/>
+        </a:effectRef>
+        <a:fontRef idx="minor">
+          <a:schemeClr val="lt1"/>
+        </a:fontRef>
+      </dsp:style>
+    </dsp:sp>
+    <dsp:sp modelId="{64573A8C-0BAE-46B3-996C-598D948EC569}">
+      <dsp:nvSpPr>
+        <dsp:cNvPr id="0" name=""/>
+        <dsp:cNvSpPr/>
+      </dsp:nvSpPr>
+      <dsp:spPr>
+        <a:xfrm>
+          <a:off x="616924" y="410449"/>
+          <a:ext cx="2738136" cy="2738136"/>
+        </a:xfrm>
+        <a:prstGeom prst="blockArc">
+          <a:avLst>
+            <a:gd name="adj1" fmla="val 5400000"/>
+            <a:gd name="adj2" fmla="val 10800000"/>
+            <a:gd name="adj3" fmla="val 4641"/>
+          </a:avLst>
+        </a:prstGeom>
+        <a:solidFill>
+          <a:schemeClr val="accent1">
+            <a:tint val="60000"/>
+            <a:hueOff val="0"/>
+            <a:satOff val="0"/>
+            <a:lumOff val="0"/>
+            <a:alphaOff val="0"/>
+          </a:schemeClr>
+        </a:solidFill>
+        <a:ln>
+          <a:noFill/>
+        </a:ln>
+        <a:effectLst/>
+      </dsp:spPr>
+      <dsp:style>
+        <a:lnRef idx="0">
+          <a:scrgbClr r="0" g="0" b="0"/>
+        </a:lnRef>
+        <a:fillRef idx="1">
+          <a:scrgbClr r="0" g="0" b="0"/>
+        </a:fillRef>
+        <a:effectRef idx="1">
+          <a:scrgbClr r="0" g="0" b="0"/>
+        </a:effectRef>
+        <a:fontRef idx="minor">
+          <a:schemeClr val="lt1"/>
+        </a:fontRef>
+      </dsp:style>
+    </dsp:sp>
+    <dsp:sp modelId="{6D2C6471-184A-42B5-862B-18126C283BE8}">
+      <dsp:nvSpPr>
+        <dsp:cNvPr id="0" name=""/>
+        <dsp:cNvSpPr/>
+      </dsp:nvSpPr>
+      <dsp:spPr>
+        <a:xfrm>
+          <a:off x="616924" y="410449"/>
+          <a:ext cx="2738136" cy="2738136"/>
+        </a:xfrm>
+        <a:prstGeom prst="blockArc">
+          <a:avLst>
+            <a:gd name="adj1" fmla="val 0"/>
+            <a:gd name="adj2" fmla="val 5400000"/>
+            <a:gd name="adj3" fmla="val 4641"/>
+          </a:avLst>
+        </a:prstGeom>
+        <a:solidFill>
+          <a:schemeClr val="accent1">
+            <a:tint val="60000"/>
+            <a:hueOff val="0"/>
+            <a:satOff val="0"/>
+            <a:lumOff val="0"/>
+            <a:alphaOff val="0"/>
+          </a:schemeClr>
+        </a:solidFill>
+        <a:ln>
+          <a:noFill/>
+        </a:ln>
+        <a:effectLst/>
+      </dsp:spPr>
+      <dsp:style>
+        <a:lnRef idx="0">
+          <a:scrgbClr r="0" g="0" b="0"/>
+        </a:lnRef>
+        <a:fillRef idx="1">
+          <a:scrgbClr r="0" g="0" b="0"/>
+        </a:fillRef>
+        <a:effectRef idx="1">
+          <a:scrgbClr r="0" g="0" b="0"/>
+        </a:effectRef>
+        <a:fontRef idx="minor">
+          <a:schemeClr val="lt1"/>
+        </a:fontRef>
+      </dsp:style>
+    </dsp:sp>
+    <dsp:sp modelId="{7AC770F5-65CC-4EE5-B9A1-0AA3B4BD28AD}">
+      <dsp:nvSpPr>
+        <dsp:cNvPr id="0" name=""/>
+        <dsp:cNvSpPr/>
+      </dsp:nvSpPr>
+      <dsp:spPr>
+        <a:xfrm>
+          <a:off x="616924" y="410449"/>
+          <a:ext cx="2738136" cy="2738136"/>
+        </a:xfrm>
+        <a:prstGeom prst="blockArc">
+          <a:avLst>
+            <a:gd name="adj1" fmla="val 16200000"/>
+            <a:gd name="adj2" fmla="val 0"/>
+            <a:gd name="adj3" fmla="val 4641"/>
+          </a:avLst>
+        </a:prstGeom>
+        <a:solidFill>
+          <a:schemeClr val="accent1">
+            <a:tint val="60000"/>
+            <a:hueOff val="0"/>
+            <a:satOff val="0"/>
+            <a:lumOff val="0"/>
+            <a:alphaOff val="0"/>
+          </a:schemeClr>
+        </a:solidFill>
+        <a:ln>
+          <a:noFill/>
+        </a:ln>
+        <a:effectLst/>
+      </dsp:spPr>
+      <dsp:style>
+        <a:lnRef idx="0">
+          <a:scrgbClr r="0" g="0" b="0"/>
+        </a:lnRef>
+        <a:fillRef idx="1">
+          <a:scrgbClr r="0" g="0" b="0"/>
+        </a:fillRef>
+        <a:effectRef idx="1">
+          <a:scrgbClr r="0" g="0" b="0"/>
+        </a:effectRef>
+        <a:fontRef idx="minor">
+          <a:schemeClr val="lt1"/>
+        </a:fontRef>
+      </dsp:style>
+    </dsp:sp>
+    <dsp:sp modelId="{720CFA53-B4BE-4D4F-874F-168A05D2C0A0}">
+      <dsp:nvSpPr>
+        <dsp:cNvPr id="0" name=""/>
+        <dsp:cNvSpPr/>
+      </dsp:nvSpPr>
+      <dsp:spPr>
+        <a:xfrm>
+          <a:off x="1355672" y="1149197"/>
+          <a:ext cx="1260639" cy="1260639"/>
+        </a:xfrm>
+        <a:prstGeom prst="ellipse">
+          <a:avLst/>
+        </a:prstGeom>
+        <a:solidFill>
+          <a:schemeClr val="accent1">
+            <a:hueOff val="0"/>
+            <a:satOff val="0"/>
+            <a:lumOff val="0"/>
+            <a:alphaOff val="0"/>
+          </a:schemeClr>
+        </a:solidFill>
+        <a:ln w="25400" cap="flat" cmpd="sng" algn="ctr">
+          <a:solidFill>
+            <a:schemeClr val="lt1">
+              <a:hueOff val="0"/>
+              <a:satOff val="0"/>
+              <a:lumOff val="0"/>
+              <a:alphaOff val="0"/>
+            </a:schemeClr>
+          </a:solidFill>
+          <a:prstDash val="solid"/>
+        </a:ln>
+        <a:effectLst/>
+      </dsp:spPr>
+      <dsp:style>
+        <a:lnRef idx="3">
+          <a:scrgbClr r="0" g="0" b="0"/>
+        </a:lnRef>
+        <a:fillRef idx="1">
+          <a:scrgbClr r="0" g="0" b="0"/>
+        </a:fillRef>
+        <a:effectRef idx="1">
+          <a:scrgbClr r="0" g="0" b="0"/>
+        </a:effectRef>
+        <a:fontRef idx="minor">
+          <a:schemeClr val="lt1"/>
+        </a:fontRef>
+      </dsp:style>
+      <dsp:txBody>
+        <a:bodyPr spcFirstLastPara="0" vert="horz" wrap="square" lIns="30480" tIns="30480" rIns="30480" bIns="30480" numCol="1" spcCol="1270" anchor="ctr" anchorCtr="0">
+          <a:noAutofit/>
+        </a:bodyPr>
+        <a:lstStyle/>
+        <a:p>
+          <a:pPr lvl="0" algn="ctr" defTabSz="1066800">
+            <a:lnSpc>
+              <a:spcPct val="90000"/>
+            </a:lnSpc>
+            <a:spcBef>
+              <a:spcPct val="0"/>
+            </a:spcBef>
+            <a:spcAft>
+              <a:spcPct val="35000"/>
+            </a:spcAft>
+          </a:pPr>
+          <a:r>
+            <a:rPr lang="en-US" altLang="zh-CN" sz="2400" kern="1200" dirty="0" err="1" smtClean="0"/>
+            <a:t>CMApi</a:t>
+          </a:r>
+          <a:endParaRPr lang="zh-CN" altLang="en-US" sz="2400" kern="1200" dirty="0"/>
+        </a:p>
+      </dsp:txBody>
+      <dsp:txXfrm>
+        <a:off x="1540288" y="1333813"/>
+        <a:ext cx="891407" cy="891407"/>
+      </dsp:txXfrm>
+    </dsp:sp>
+    <dsp:sp modelId="{9928B137-1EBC-4A85-B901-2935216D7472}">
+      <dsp:nvSpPr>
+        <dsp:cNvPr id="0" name=""/>
+        <dsp:cNvSpPr/>
+      </dsp:nvSpPr>
+      <dsp:spPr>
+        <a:xfrm>
+          <a:off x="1544768" y="993"/>
+          <a:ext cx="882447" cy="882447"/>
+        </a:xfrm>
+        <a:prstGeom prst="ellipse">
+          <a:avLst/>
+        </a:prstGeom>
+        <a:solidFill>
+          <a:schemeClr val="accent1">
+            <a:hueOff val="0"/>
+            <a:satOff val="0"/>
+            <a:lumOff val="0"/>
+            <a:alphaOff val="0"/>
+          </a:schemeClr>
+        </a:solidFill>
+        <a:ln w="25400" cap="flat" cmpd="sng" algn="ctr">
+          <a:solidFill>
+            <a:schemeClr val="lt1">
+              <a:hueOff val="0"/>
+              <a:satOff val="0"/>
+              <a:lumOff val="0"/>
+              <a:alphaOff val="0"/>
+            </a:schemeClr>
+          </a:solidFill>
+          <a:prstDash val="solid"/>
+        </a:ln>
+        <a:effectLst/>
+      </dsp:spPr>
+      <dsp:style>
+        <a:lnRef idx="3">
+          <a:scrgbClr r="0" g="0" b="0"/>
+        </a:lnRef>
+        <a:fillRef idx="1">
+          <a:scrgbClr r="0" g="0" b="0"/>
+        </a:fillRef>
+        <a:effectRef idx="1">
+          <a:scrgbClr r="0" g="0" b="0"/>
+        </a:effectRef>
+        <a:fontRef idx="minor">
+          <a:schemeClr val="lt1"/>
+        </a:fontRef>
+      </dsp:style>
+      <dsp:txBody>
+        <a:bodyPr spcFirstLastPara="0" vert="horz" wrap="square" lIns="15240" tIns="15240" rIns="15240" bIns="15240" numCol="1" spcCol="1270" anchor="ctr" anchorCtr="0">
+          <a:noAutofit/>
+        </a:bodyPr>
+        <a:lstStyle/>
+        <a:p>
+          <a:pPr lvl="0" algn="ctr" defTabSz="533400">
+            <a:lnSpc>
+              <a:spcPct val="90000"/>
+            </a:lnSpc>
+            <a:spcBef>
+              <a:spcPct val="0"/>
+            </a:spcBef>
+            <a:spcAft>
+              <a:spcPct val="35000"/>
+            </a:spcAft>
+          </a:pPr>
+          <a:r>
+            <a:rPr lang="en-US" altLang="zh-CN" sz="1200" kern="1200" dirty="0" smtClean="0"/>
+            <a:t>MOS</a:t>
+          </a:r>
+          <a:endParaRPr lang="zh-CN" altLang="en-US" sz="1200" kern="1200" dirty="0"/>
+        </a:p>
+      </dsp:txBody>
+      <dsp:txXfrm>
+        <a:off x="1673999" y="130224"/>
+        <a:ext cx="623985" cy="623985"/>
+      </dsp:txXfrm>
+    </dsp:sp>
+    <dsp:sp modelId="{FC215842-BC45-47A1-A21E-FD1B281BAD87}">
+      <dsp:nvSpPr>
+        <dsp:cNvPr id="0" name=""/>
+        <dsp:cNvSpPr/>
+      </dsp:nvSpPr>
+      <dsp:spPr>
+        <a:xfrm>
+          <a:off x="2882068" y="1338293"/>
+          <a:ext cx="882447" cy="882447"/>
+        </a:xfrm>
+        <a:prstGeom prst="ellipse">
+          <a:avLst/>
+        </a:prstGeom>
+        <a:solidFill>
+          <a:schemeClr val="accent1">
+            <a:hueOff val="0"/>
+            <a:satOff val="0"/>
+            <a:lumOff val="0"/>
+            <a:alphaOff val="0"/>
+          </a:schemeClr>
+        </a:solidFill>
+        <a:ln w="25400" cap="flat" cmpd="sng" algn="ctr">
+          <a:solidFill>
+            <a:schemeClr val="lt1">
+              <a:hueOff val="0"/>
+              <a:satOff val="0"/>
+              <a:lumOff val="0"/>
+              <a:alphaOff val="0"/>
+            </a:schemeClr>
+          </a:solidFill>
+          <a:prstDash val="solid"/>
+        </a:ln>
+        <a:effectLst/>
+      </dsp:spPr>
+      <dsp:style>
+        <a:lnRef idx="3">
+          <a:scrgbClr r="0" g="0" b="0"/>
+        </a:lnRef>
+        <a:fillRef idx="1">
+          <a:scrgbClr r="0" g="0" b="0"/>
+        </a:fillRef>
+        <a:effectRef idx="1">
+          <a:scrgbClr r="0" g="0" b="0"/>
+        </a:effectRef>
+        <a:fontRef idx="minor">
+          <a:schemeClr val="lt1"/>
+        </a:fontRef>
+      </dsp:style>
+      <dsp:txBody>
+        <a:bodyPr spcFirstLastPara="0" vert="horz" wrap="square" lIns="15240" tIns="15240" rIns="15240" bIns="15240" numCol="1" spcCol="1270" anchor="ctr" anchorCtr="0">
+          <a:noAutofit/>
+        </a:bodyPr>
+        <a:lstStyle/>
+        <a:p>
+          <a:pPr lvl="0" algn="ctr" defTabSz="533400">
+            <a:lnSpc>
+              <a:spcPct val="90000"/>
+            </a:lnSpc>
+            <a:spcBef>
+              <a:spcPct val="0"/>
+            </a:spcBef>
+            <a:spcAft>
+              <a:spcPct val="35000"/>
+            </a:spcAft>
+          </a:pPr>
+          <a:r>
+            <a:rPr lang="en-US" altLang="zh-CN" sz="1200" kern="1200" dirty="0" smtClean="0"/>
+            <a:t>CM Web</a:t>
+          </a:r>
+          <a:endParaRPr lang="zh-CN" altLang="en-US" sz="1200" kern="1200" dirty="0"/>
+        </a:p>
+      </dsp:txBody>
+      <dsp:txXfrm>
+        <a:off x="3011299" y="1467524"/>
+        <a:ext cx="623985" cy="623985"/>
+      </dsp:txXfrm>
+    </dsp:sp>
+    <dsp:sp modelId="{01D76B9C-3D0B-48C8-A480-6B66830D5693}">
+      <dsp:nvSpPr>
+        <dsp:cNvPr id="0" name=""/>
+        <dsp:cNvSpPr/>
+      </dsp:nvSpPr>
+      <dsp:spPr>
+        <a:xfrm>
+          <a:off x="1544768" y="2675593"/>
+          <a:ext cx="882447" cy="882447"/>
+        </a:xfrm>
+        <a:prstGeom prst="ellipse">
+          <a:avLst/>
+        </a:prstGeom>
+        <a:solidFill>
+          <a:schemeClr val="accent1">
+            <a:hueOff val="0"/>
+            <a:satOff val="0"/>
+            <a:lumOff val="0"/>
+            <a:alphaOff val="0"/>
+          </a:schemeClr>
+        </a:solidFill>
+        <a:ln w="25400" cap="flat" cmpd="sng" algn="ctr">
+          <a:solidFill>
+            <a:schemeClr val="lt1">
+              <a:hueOff val="0"/>
+              <a:satOff val="0"/>
+              <a:lumOff val="0"/>
+              <a:alphaOff val="0"/>
+            </a:schemeClr>
+          </a:solidFill>
+          <a:prstDash val="solid"/>
+        </a:ln>
+        <a:effectLst/>
+      </dsp:spPr>
+      <dsp:style>
+        <a:lnRef idx="3">
+          <a:scrgbClr r="0" g="0" b="0"/>
+        </a:lnRef>
+        <a:fillRef idx="1">
+          <a:scrgbClr r="0" g="0" b="0"/>
+        </a:fillRef>
+        <a:effectRef idx="1">
+          <a:scrgbClr r="0" g="0" b="0"/>
+        </a:effectRef>
+        <a:fontRef idx="minor">
+          <a:schemeClr val="lt1"/>
+        </a:fontRef>
+      </dsp:style>
+      <dsp:txBody>
+        <a:bodyPr spcFirstLastPara="0" vert="horz" wrap="square" lIns="15240" tIns="15240" rIns="15240" bIns="15240" numCol="1" spcCol="1270" anchor="ctr" anchorCtr="0">
+          <a:noAutofit/>
+        </a:bodyPr>
+        <a:lstStyle/>
+        <a:p>
+          <a:pPr lvl="0" algn="ctr" defTabSz="533400">
+            <a:lnSpc>
+              <a:spcPct val="90000"/>
+            </a:lnSpc>
+            <a:spcBef>
+              <a:spcPct val="0"/>
+            </a:spcBef>
+            <a:spcAft>
+              <a:spcPct val="35000"/>
+            </a:spcAft>
+          </a:pPr>
+          <a:r>
+            <a:rPr lang="en-US" altLang="zh-CN" sz="1200" kern="1200" dirty="0" smtClean="0"/>
+            <a:t>Premiere</a:t>
+          </a:r>
+          <a:endParaRPr lang="zh-CN" altLang="en-US" sz="1200" kern="1200" dirty="0"/>
+        </a:p>
+      </dsp:txBody>
+      <dsp:txXfrm>
+        <a:off x="1673999" y="2804824"/>
+        <a:ext cx="623985" cy="623985"/>
+      </dsp:txXfrm>
+    </dsp:sp>
+    <dsp:sp modelId="{ADFA35F2-EA04-4F8F-AE02-25EE6493E391}">
+      <dsp:nvSpPr>
+        <dsp:cNvPr id="0" name=""/>
+        <dsp:cNvSpPr/>
+      </dsp:nvSpPr>
+      <dsp:spPr>
+        <a:xfrm>
+          <a:off x="207468" y="1338293"/>
+          <a:ext cx="882447" cy="882447"/>
+        </a:xfrm>
+        <a:prstGeom prst="ellipse">
+          <a:avLst/>
+        </a:prstGeom>
+        <a:solidFill>
+          <a:schemeClr val="accent1">
+            <a:hueOff val="0"/>
+            <a:satOff val="0"/>
+            <a:lumOff val="0"/>
+            <a:alphaOff val="0"/>
+          </a:schemeClr>
+        </a:solidFill>
+        <a:ln w="25400" cap="flat" cmpd="sng" algn="ctr">
+          <a:solidFill>
+            <a:schemeClr val="lt1">
+              <a:hueOff val="0"/>
+              <a:satOff val="0"/>
+              <a:lumOff val="0"/>
+              <a:alphaOff val="0"/>
+            </a:schemeClr>
+          </a:solidFill>
+          <a:prstDash val="solid"/>
+        </a:ln>
+        <a:effectLst/>
+      </dsp:spPr>
+      <dsp:style>
+        <a:lnRef idx="3">
+          <a:scrgbClr r="0" g="0" b="0"/>
+        </a:lnRef>
+        <a:fillRef idx="1">
+          <a:scrgbClr r="0" g="0" b="0"/>
+        </a:fillRef>
+        <a:effectRef idx="1">
+          <a:scrgbClr r="0" g="0" b="0"/>
+        </a:effectRef>
+        <a:fontRef idx="minor">
+          <a:schemeClr val="lt1"/>
+        </a:fontRef>
+      </dsp:style>
+      <dsp:txBody>
+        <a:bodyPr spcFirstLastPara="0" vert="horz" wrap="square" lIns="15240" tIns="15240" rIns="15240" bIns="15240" numCol="1" spcCol="1270" anchor="ctr" anchorCtr="0">
+          <a:noAutofit/>
+        </a:bodyPr>
+        <a:lstStyle/>
+        <a:p>
+          <a:pPr lvl="0" algn="ctr" defTabSz="533400">
+            <a:lnSpc>
+              <a:spcPct val="90000"/>
+            </a:lnSpc>
+            <a:spcBef>
+              <a:spcPct val="0"/>
+            </a:spcBef>
+            <a:spcAft>
+              <a:spcPct val="35000"/>
+            </a:spcAft>
+          </a:pPr>
+          <a:r>
+            <a:rPr lang="en-US" altLang="zh-CN" sz="1200" kern="1200" dirty="0" smtClean="0"/>
+            <a:t>JOVE</a:t>
+          </a:r>
+          <a:endParaRPr lang="zh-CN" altLang="en-US" sz="1200" kern="1200" dirty="0"/>
+        </a:p>
+      </dsp:txBody>
+      <dsp:txXfrm>
+        <a:off x="336699" y="1467524"/>
+        <a:ext cx="623985" cy="623985"/>
+      </dsp:txXfrm>
     </dsp:sp>
   </dsp:spTree>
 </dsp:drawing>
@@ -5408,6 +7002,413 @@
 </dgm:layoutDef>
 </file>
 
+<file path=ppt/diagrams/layout3.xml><?xml version="1.0" encoding="utf-8"?>
+<dgm:layoutDef xmlns:dgm="http://schemas.openxmlformats.org/drawingml/2006/diagram" xmlns:a="http://schemas.openxmlformats.org/drawingml/2006/main" uniqueId="urn:microsoft.com/office/officeart/2005/8/layout/radial6">
+  <dgm:title val=""/>
+  <dgm:desc val=""/>
+  <dgm:catLst>
+    <dgm:cat type="cycle" pri="9000"/>
+    <dgm:cat type="relationship" pri="21000"/>
+  </dgm:catLst>
+  <dgm:sampData>
+    <dgm:dataModel>
+      <dgm:ptLst>
+        <dgm:pt modelId="0" type="doc"/>
+        <dgm:pt modelId="1">
+          <dgm:prSet phldr="1"/>
+        </dgm:pt>
+        <dgm:pt modelId="11">
+          <dgm:prSet phldr="1"/>
+        </dgm:pt>
+        <dgm:pt modelId="12">
+          <dgm:prSet phldr="1"/>
+        </dgm:pt>
+        <dgm:pt modelId="13">
+          <dgm:prSet phldr="1"/>
+        </dgm:pt>
+        <dgm:pt modelId="14">
+          <dgm:prSet phldr="1"/>
+        </dgm:pt>
+      </dgm:ptLst>
+      <dgm:cxnLst>
+        <dgm:cxn modelId="2" srcId="0" destId="1" srcOrd="0" destOrd="0"/>
+        <dgm:cxn modelId="3" srcId="1" destId="11" srcOrd="0" destOrd="0"/>
+        <dgm:cxn modelId="4" srcId="1" destId="12" srcOrd="1" destOrd="0"/>
+        <dgm:cxn modelId="5" srcId="1" destId="13" srcOrd="2" destOrd="0"/>
+        <dgm:cxn modelId="6" srcId="1" destId="14" srcOrd="3" destOrd="0"/>
+      </dgm:cxnLst>
+      <dgm:bg/>
+      <dgm:whole/>
+    </dgm:dataModel>
+  </dgm:sampData>
+  <dgm:styleData>
+    <dgm:dataModel>
+      <dgm:ptLst>
+        <dgm:pt modelId="0" type="doc"/>
+        <dgm:pt modelId="1"/>
+        <dgm:pt modelId="11"/>
+        <dgm:pt modelId="12"/>
+        <dgm:pt modelId="13"/>
+      </dgm:ptLst>
+      <dgm:cxnLst>
+        <dgm:cxn modelId="2" srcId="0" destId="1" srcOrd="0" destOrd="0"/>
+        <dgm:cxn modelId="15" srcId="1" destId="11" srcOrd="0" destOrd="0"/>
+        <dgm:cxn modelId="16" srcId="1" destId="12" srcOrd="1" destOrd="0"/>
+        <dgm:cxn modelId="17" srcId="1" destId="13" srcOrd="2" destOrd="0"/>
+      </dgm:cxnLst>
+      <dgm:bg/>
+      <dgm:whole/>
+    </dgm:dataModel>
+  </dgm:styleData>
+  <dgm:clrData>
+    <dgm:dataModel>
+      <dgm:ptLst>
+        <dgm:pt modelId="0" type="doc"/>
+        <dgm:pt modelId="1"/>
+        <dgm:pt modelId="11"/>
+        <dgm:pt modelId="12"/>
+        <dgm:pt modelId="13"/>
+        <dgm:pt modelId="14"/>
+        <dgm:pt modelId="15"/>
+        <dgm:pt modelId="16"/>
+      </dgm:ptLst>
+      <dgm:cxnLst>
+        <dgm:cxn modelId="2" srcId="0" destId="1" srcOrd="0" destOrd="0"/>
+        <dgm:cxn modelId="16" srcId="1" destId="11" srcOrd="0" destOrd="0"/>
+        <dgm:cxn modelId="17" srcId="1" destId="12" srcOrd="1" destOrd="0"/>
+        <dgm:cxn modelId="18" srcId="1" destId="13" srcOrd="2" destOrd="0"/>
+        <dgm:cxn modelId="19" srcId="1" destId="14" srcOrd="3" destOrd="0"/>
+        <dgm:cxn modelId="20" srcId="1" destId="15" srcOrd="4" destOrd="0"/>
+        <dgm:cxn modelId="21" srcId="1" destId="16" srcOrd="5" destOrd="0"/>
+      </dgm:cxnLst>
+      <dgm:bg/>
+      <dgm:whole/>
+    </dgm:dataModel>
+  </dgm:clrData>
+  <dgm:layoutNode name="Name0">
+    <dgm:varLst>
+      <dgm:chMax val="1"/>
+      <dgm:dir/>
+      <dgm:animLvl val="ctr"/>
+      <dgm:resizeHandles val="exact"/>
+    </dgm:varLst>
+    <dgm:choose name="Name1">
+      <dgm:if name="Name2" func="var" arg="dir" op="equ" val="norm">
+        <dgm:choose name="Name3">
+          <dgm:if name="Name4" axis="ch ch" ptType="node node" st="1 1" cnt="1 0" func="cnt" op="lte" val="1">
+            <dgm:alg type="cycle">
+              <dgm:param type="stAng" val="90"/>
+              <dgm:param type="spanAng" val="360"/>
+              <dgm:param type="ctrShpMap" val="fNode"/>
+            </dgm:alg>
+          </dgm:if>
+          <dgm:else name="Name5">
+            <dgm:alg type="cycle">
+              <dgm:param type="stAng" val="0"/>
+              <dgm:param type="spanAng" val="360"/>
+              <dgm:param type="ctrShpMap" val="fNode"/>
+            </dgm:alg>
+          </dgm:else>
+        </dgm:choose>
+      </dgm:if>
+      <dgm:else name="Name6">
+        <dgm:choose name="Name7">
+          <dgm:if name="Name8" axis="ch ch" ptType="node node" st="1 1" cnt="1 0" func="cnt" op="lte" val="1">
+            <dgm:alg type="cycle">
+              <dgm:param type="stAng" val="-90"/>
+              <dgm:param type="spanAng" val="360"/>
+              <dgm:param type="ctrShpMap" val="fNode"/>
+            </dgm:alg>
+          </dgm:if>
+          <dgm:else name="Name9">
+            <dgm:alg type="cycle">
+              <dgm:param type="stAng" val="0"/>
+              <dgm:param type="spanAng" val="-360"/>
+              <dgm:param type="ctrShpMap" val="fNode"/>
+            </dgm:alg>
+          </dgm:else>
+        </dgm:choose>
+      </dgm:else>
+    </dgm:choose>
+    <dgm:shape xmlns:r="http://schemas.openxmlformats.org/officeDocument/2006/relationships" r:blip="">
+      <dgm:adjLst/>
+    </dgm:shape>
+    <dgm:presOf/>
+    <dgm:choose name="Name10">
+      <dgm:if name="Name11" func="var" arg="dir" op="equ" val="norm">
+        <dgm:choose name="Name12">
+          <dgm:if name="Name13" axis="ch ch" ptType="node node" st="1 1" cnt="1 0" func="cnt" op="equ" val="1">
+            <dgm:constrLst>
+              <dgm:constr type="diam" val="170"/>
+              <dgm:constr type="w" for="ch" forName="centerShape" refType="w"/>
+              <dgm:constr type="w" for="ch" forName="oneComp" refType="w" refFor="ch" refForName="centerShape" op="equ" fact="0.7"/>
+              <dgm:constr type="sp" refType="w" refFor="ch" refForName="oneComp" fact="0.3"/>
+              <dgm:constr type="sibSp" refType="w" refFor="ch" refForName="oneComp" fact="0.3"/>
+              <dgm:constr type="primFontSz" for="ch" forName="centerShape" val="65"/>
+              <dgm:constr type="primFontSz" for="des" forName="oneNode" refType="primFontSz" refFor="ch" refForName="centerShape" fact="0.95"/>
+              <dgm:constr type="primFontSz" for="des" forName="oneNode" refType="primFontSz" refFor="ch" refForName="centerShape" op="lte" fact="0.95"/>
+              <dgm:constr type="diam" for="ch" forName="singleconn" refType="diam" op="equ" fact="-1"/>
+              <dgm:constr type="h" for="ch" forName="singleconn" refType="w" refFor="ch" refForName="oneComp" fact="0.24"/>
+              <dgm:constr type="w" for="ch" forName="dummya" refType="w" refFor="ch" refForName="oneComp" op="equ"/>
+              <dgm:constr type="w" for="ch" forName="dummyb" refType="w" refFor="ch" refForName="oneComp" op="equ"/>
+              <dgm:constr type="w" for="ch" forName="dummyc" refType="w" refFor="ch" refForName="oneComp" op="equ"/>
+            </dgm:constrLst>
+          </dgm:if>
+          <dgm:else name="Name14">
+            <dgm:constrLst>
+              <dgm:constr type="diam" val="170"/>
+              <dgm:constr type="w" for="ch" forName="centerShape" refType="w"/>
+              <dgm:constr type="w" for="ch" forName="node" refType="w" refFor="ch" refForName="centerShape" op="equ" fact="0.7"/>
+              <dgm:constr type="sp" refType="w" refFor="ch" refForName="node" fact="0.3"/>
+              <dgm:constr type="sibSp" refType="w" refFor="ch" refForName="node" fact="0.3"/>
+              <dgm:constr type="primFontSz" for="ch" forName="centerShape" val="65"/>
+              <dgm:constr type="primFontSz" for="des" forName="node" refType="primFontSz" refFor="ch" refForName="centerShape" fact="0.78"/>
+              <dgm:constr type="primFontSz" for="ch" forName="node" refType="primFontSz" refFor="ch" refForName="centerShape" op="lte" fact="0.95"/>
+              <dgm:constr type="diam" for="ch" forName="sibTrans" refType="diam" op="equ"/>
+              <dgm:constr type="h" for="ch" forName="sibTrans" refType="w" refFor="ch" refForName="node" fact="0.24"/>
+              <dgm:constr type="w" for="ch" forName="dummy" val="1"/>
+            </dgm:constrLst>
+          </dgm:else>
+        </dgm:choose>
+      </dgm:if>
+      <dgm:else name="Name15">
+        <dgm:choose name="Name16">
+          <dgm:if name="Name17" axis="ch ch" ptType="node node" st="1 1" cnt="1 0" func="cnt" op="equ" val="1">
+            <dgm:constrLst>
+              <dgm:constr type="diam" val="170"/>
+              <dgm:constr type="w" for="ch" forName="centerShape" refType="w"/>
+              <dgm:constr type="w" for="ch" forName="oneComp" refType="w" refFor="ch" refForName="centerShape" op="equ" fact="0.7"/>
+              <dgm:constr type="sp" refType="w" refFor="ch" refForName="oneComp" fact="0.3"/>
+              <dgm:constr type="sibSp" refType="w" refFor="ch" refForName="oneComp" fact="0.3"/>
+              <dgm:constr type="primFontSz" for="ch" forName="centerShape" val="65"/>
+              <dgm:constr type="primFontSz" for="des" forName="oneNode" refType="primFontSz" refFor="ch" refForName="centerShape" fact="0.95"/>
+              <dgm:constr type="primFontSz" for="ch" forName="oneNode" refType="primFontSz" refFor="ch" refForName="centerShape" op="lte" fact="0.95"/>
+              <dgm:constr type="diam" for="ch" forName="singleconn" refType="diam"/>
+              <dgm:constr type="h" for="ch" forName="singleconn" refType="w" refFor="ch" refForName="oneComp" fact="0.24"/>
+              <dgm:constr type="diam" for="ch" refType="diam" op="equ"/>
+              <dgm:constr type="w" for="ch" forName="dummya" refType="w" refFor="ch" refForName="oneComp" op="equ"/>
+              <dgm:constr type="w" for="ch" forName="dummyb" refType="w" refFor="ch" refForName="oneComp" op="equ"/>
+              <dgm:constr type="w" for="ch" forName="dummyc" refType="w" refFor="ch" refForName="oneComp" op="equ"/>
+            </dgm:constrLst>
+          </dgm:if>
+          <dgm:else name="Name18">
+            <dgm:constrLst>
+              <dgm:constr type="diam" val="170"/>
+              <dgm:constr type="w" for="ch" forName="centerShape" refType="w"/>
+              <dgm:constr type="w" for="ch" forName="node" refType="w" refFor="ch" refForName="centerShape" op="equ" fact="0.7"/>
+              <dgm:constr type="sp" refType="w" refFor="ch" refForName="node" fact="0.3"/>
+              <dgm:constr type="sibSp" refType="w" refFor="ch" refForName="node" fact="0.3"/>
+              <dgm:constr type="primFontSz" for="ch" forName="centerShape" val="65"/>
+              <dgm:constr type="primFontSz" for="des" forName="node" refType="primFontSz" refFor="ch" refForName="centerShape" fact="0.78"/>
+              <dgm:constr type="primFontSz" for="ch" forName="node" refType="primFontSz" refFor="ch" refForName="centerShape" op="lte" fact="0.95"/>
+              <dgm:constr type="diam" for="ch" ptType="sibTrans" refType="diam" fact="-1"/>
+              <dgm:constr type="h" for="ch" forName="sibTrans" refType="w" refFor="ch" refForName="node" fact="0.24"/>
+              <dgm:constr type="diam" for="ch" refType="diam" op="equ" fact="-1"/>
+              <dgm:constr type="w" for="ch" forName="dummy" val="1"/>
+            </dgm:constrLst>
+          </dgm:else>
+        </dgm:choose>
+      </dgm:else>
+    </dgm:choose>
+    <dgm:ruleLst>
+      <dgm:rule type="diam" val="INF" fact="NaN" max="NaN"/>
+    </dgm:ruleLst>
+    <dgm:forEach name="Name19" axis="ch" ptType="node" cnt="1">
+      <dgm:layoutNode name="centerShape" styleLbl="node0">
+        <dgm:alg type="tx"/>
+        <dgm:shape xmlns:r="http://schemas.openxmlformats.org/officeDocument/2006/relationships" type="ellipse" r:blip="">
+          <dgm:adjLst/>
+        </dgm:shape>
+        <dgm:presOf axis="self"/>
+        <dgm:constrLst>
+          <dgm:constr type="h" refType="w"/>
+          <dgm:constr type="tMarg" refType="primFontSz" fact="0.1"/>
+          <dgm:constr type="bMarg" refType="primFontSz" fact="0.1"/>
+          <dgm:constr type="lMarg" refType="primFontSz" fact="0.1"/>
+          <dgm:constr type="rMarg" refType="primFontSz" fact="0.1"/>
+        </dgm:constrLst>
+        <dgm:ruleLst>
+          <dgm:rule type="primFontSz" val="5" fact="NaN" max="NaN"/>
+        </dgm:ruleLst>
+      </dgm:layoutNode>
+      <dgm:forEach name="Name20" axis="ch">
+        <dgm:forEach name="Name21" axis="self" ptType="node">
+          <dgm:choose name="Name22">
+            <dgm:if name="Name23" axis="par ch" ptType="node node" func="cnt" op="gt" val="1">
+              <dgm:layoutNode name="node" styleLbl="node1">
+                <dgm:varLst>
+                  <dgm:bulletEnabled val="1"/>
+                </dgm:varLst>
+                <dgm:alg type="tx">
+                  <dgm:param type="txAnchorVertCh" val="mid"/>
+                </dgm:alg>
+                <dgm:shape xmlns:r="http://schemas.openxmlformats.org/officeDocument/2006/relationships" type="ellipse" r:blip="">
+                  <dgm:adjLst/>
+                </dgm:shape>
+                <dgm:presOf axis="desOrSelf" ptType="node"/>
+                <dgm:constrLst>
+                  <dgm:constr type="h" refType="w"/>
+                  <dgm:constr type="tMarg" refType="primFontSz" fact="0.1"/>
+                  <dgm:constr type="bMarg" refType="primFontSz" fact="0.1"/>
+                  <dgm:constr type="lMarg" refType="primFontSz" fact="0.1"/>
+                  <dgm:constr type="rMarg" refType="primFontSz" fact="0.1"/>
+                </dgm:constrLst>
+                <dgm:ruleLst>
+                  <dgm:rule type="primFontSz" val="5" fact="NaN" max="NaN"/>
+                </dgm:ruleLst>
+              </dgm:layoutNode>
+              <dgm:layoutNode name="dummy">
+                <dgm:alg type="sp"/>
+                <dgm:shape xmlns:r="http://schemas.openxmlformats.org/officeDocument/2006/relationships" r:blip="">
+                  <dgm:adjLst/>
+                </dgm:shape>
+                <dgm:presOf/>
+                <dgm:constrLst>
+                  <dgm:constr type="h" refType="w"/>
+                </dgm:constrLst>
+                <dgm:ruleLst/>
+              </dgm:layoutNode>
+              <dgm:forEach name="sibTransForEach" axis="followSib" ptType="sibTrans" hideLastTrans="0" cnt="1">
+                <dgm:layoutNode name="sibTrans" styleLbl="sibTrans2D1">
+                  <dgm:alg type="conn">
+                    <dgm:param type="connRout" val="curve"/>
+                    <dgm:param type="begPts" val="ctr"/>
+                    <dgm:param type="endPts" val="ctr"/>
+                    <dgm:param type="begSty" val="noArr"/>
+                    <dgm:param type="endSty" val="noArr"/>
+                    <dgm:param type="dstNode" val="node"/>
+                  </dgm:alg>
+                  <dgm:shape xmlns:r="http://schemas.openxmlformats.org/officeDocument/2006/relationships" type="conn" r:blip="" zOrderOff="-999">
+                    <dgm:adjLst/>
+                  </dgm:shape>
+                  <dgm:presOf axis="self"/>
+                  <dgm:constrLst>
+                    <dgm:constr type="begPad"/>
+                    <dgm:constr type="endPad"/>
+                  </dgm:constrLst>
+                  <dgm:ruleLst/>
+                </dgm:layoutNode>
+              </dgm:forEach>
+            </dgm:if>
+            <dgm:if name="Name24" axis="par ch" ptType="node node" func="cnt" op="equ" val="1">
+              <dgm:layoutNode name="oneComp">
+                <dgm:alg type="composite">
+                  <dgm:param type="ar" val="1"/>
+                </dgm:alg>
+                <dgm:shape xmlns:r="http://schemas.openxmlformats.org/officeDocument/2006/relationships" r:blip="">
+                  <dgm:adjLst/>
+                </dgm:shape>
+                <dgm:presOf/>
+                <dgm:constrLst>
+                  <dgm:constr type="h" refType="w"/>
+                  <dgm:constr type="l" for="ch" forName="dummyConnPt" refType="w" fact="0.5"/>
+                  <dgm:constr type="t" for="ch" forName="dummyConnPt" refType="w" fact="0.5"/>
+                  <dgm:constr type="l" for="ch" forName="oneNode"/>
+                  <dgm:constr type="t" for="ch" forName="oneNode"/>
+                  <dgm:constr type="h" for="ch" forName="oneNode" refType="h"/>
+                  <dgm:constr type="w" for="ch" forName="oneNode" refType="w"/>
+                </dgm:constrLst>
+                <dgm:ruleLst/>
+                <dgm:layoutNode name="dummyConnPt" styleLbl="node1">
+                  <dgm:alg type="sp"/>
+                  <dgm:shape xmlns:r="http://schemas.openxmlformats.org/officeDocument/2006/relationships" r:blip="">
+                    <dgm:adjLst/>
+                  </dgm:shape>
+                  <dgm:presOf/>
+                  <dgm:constrLst>
+                    <dgm:constr type="w" val="1"/>
+                    <dgm:constr type="h" val="1"/>
+                  </dgm:constrLst>
+                  <dgm:ruleLst/>
+                </dgm:layoutNode>
+                <dgm:layoutNode name="oneNode" styleLbl="node1">
+                  <dgm:varLst>
+                    <dgm:bulletEnabled val="1"/>
+                  </dgm:varLst>
+                  <dgm:alg type="tx">
+                    <dgm:param type="txAnchorVertCh" val="mid"/>
+                  </dgm:alg>
+                  <dgm:shape xmlns:r="http://schemas.openxmlformats.org/officeDocument/2006/relationships" type="ellipse" r:blip="">
+                    <dgm:adjLst/>
+                  </dgm:shape>
+                  <dgm:presOf axis="desOrSelf" ptType="node"/>
+                  <dgm:constrLst>
+                    <dgm:constr type="h" refType="w"/>
+                    <dgm:constr type="tMarg" refType="primFontSz" fact="0.1"/>
+                    <dgm:constr type="bMarg" refType="primFontSz" fact="0.1"/>
+                    <dgm:constr type="lMarg" refType="primFontSz" fact="0.1"/>
+                    <dgm:constr type="rMarg" refType="primFontSz" fact="0.1"/>
+                  </dgm:constrLst>
+                  <dgm:ruleLst>
+                    <dgm:rule type="primFontSz" val="5" fact="NaN" max="NaN"/>
+                  </dgm:ruleLst>
+                </dgm:layoutNode>
+              </dgm:layoutNode>
+              <dgm:layoutNode name="dummya">
+                <dgm:alg type="sp"/>
+                <dgm:shape xmlns:r="http://schemas.openxmlformats.org/officeDocument/2006/relationships" r:blip="">
+                  <dgm:adjLst/>
+                </dgm:shape>
+                <dgm:presOf/>
+                <dgm:constrLst>
+                  <dgm:constr type="h" refType="w"/>
+                </dgm:constrLst>
+                <dgm:ruleLst/>
+              </dgm:layoutNode>
+              <dgm:layoutNode name="dummyb">
+                <dgm:alg type="sp"/>
+                <dgm:shape xmlns:r="http://schemas.openxmlformats.org/officeDocument/2006/relationships" r:blip="">
+                  <dgm:adjLst/>
+                </dgm:shape>
+                <dgm:presOf/>
+                <dgm:constrLst>
+                  <dgm:constr type="h" refType="w"/>
+                </dgm:constrLst>
+                <dgm:ruleLst/>
+              </dgm:layoutNode>
+              <dgm:layoutNode name="dummyc">
+                <dgm:alg type="sp"/>
+                <dgm:shape xmlns:r="http://schemas.openxmlformats.org/officeDocument/2006/relationships" r:blip="">
+                  <dgm:adjLst/>
+                </dgm:shape>
+                <dgm:presOf/>
+                <dgm:constrLst>
+                  <dgm:constr type="h" refType="w"/>
+                </dgm:constrLst>
+                <dgm:ruleLst/>
+              </dgm:layoutNode>
+              <dgm:forEach name="sibTransForEach1" axis="followSib" ptType="sibTrans" hideLastTrans="0" cnt="1">
+                <dgm:layoutNode name="singleconn" styleLbl="sibTrans2D1">
+                  <dgm:alg type="conn">
+                    <dgm:param type="connRout" val="longCurve"/>
+                    <dgm:param type="begPts" val="bCtr"/>
+                    <dgm:param type="endPts" val="tCtr"/>
+                    <dgm:param type="begSty" val="noArr"/>
+                    <dgm:param type="endSty" val="noArr"/>
+                    <dgm:param type="srcNode" val="dummyConnPt"/>
+                    <dgm:param type="dstNode" val="dummyConnPt"/>
+                  </dgm:alg>
+                  <dgm:shape xmlns:r="http://schemas.openxmlformats.org/officeDocument/2006/relationships" type="conn" r:blip="" zOrderOff="-999">
+                    <dgm:adjLst/>
+                  </dgm:shape>
+                  <dgm:presOf axis="self"/>
+                  <dgm:constrLst>
+                    <dgm:constr type="begPad"/>
+                    <dgm:constr type="endPad"/>
+                  </dgm:constrLst>
+                  <dgm:ruleLst/>
+                </dgm:layoutNode>
+              </dgm:forEach>
+            </dgm:if>
+            <dgm:else name="Name25"/>
+          </dgm:choose>
+        </dgm:forEach>
+      </dgm:forEach>
+    </dgm:forEach>
+  </dgm:layoutNode>
+</dgm:layoutDef>
+</file>
+
 <file path=ppt/diagrams/quickStyle1.xml><?xml version="1.0" encoding="utf-8"?>
 <dgm:styleDef xmlns:dgm="http://schemas.openxmlformats.org/drawingml/2006/diagram" xmlns:a="http://schemas.openxmlformats.org/drawingml/2006/main" uniqueId="urn:microsoft.com/office/officeart/2005/8/quickstyle/simple1">
   <dgm:title val=""/>
@@ -7679,6 +9680,1040 @@
       <a:fontRef idx="minor">
         <a:schemeClr val="lt1"/>
       </a:fontRef>
+    </dgm:style>
+  </dgm:styleLbl>
+  <dgm:styleLbl name="revTx">
+    <dgm:scene3d>
+      <a:camera prst="orthographicFront"/>
+      <a:lightRig rig="threePt" dir="t"/>
+    </dgm:scene3d>
+    <dgm:sp3d/>
+    <dgm:txPr/>
+    <dgm:style>
+      <a:lnRef idx="0">
+        <a:scrgbClr r="0" g="0" b="0"/>
+      </a:lnRef>
+      <a:fillRef idx="0">
+        <a:scrgbClr r="0" g="0" b="0"/>
+      </a:fillRef>
+      <a:effectRef idx="0">
+        <a:scrgbClr r="0" g="0" b="0"/>
+      </a:effectRef>
+      <a:fontRef idx="minor"/>
+    </dgm:style>
+  </dgm:styleLbl>
+</dgm:styleDef>
+</file>
+
+<file path=ppt/diagrams/quickStyle3.xml><?xml version="1.0" encoding="utf-8"?>
+<dgm:styleDef xmlns:dgm="http://schemas.openxmlformats.org/drawingml/2006/diagram" xmlns:a="http://schemas.openxmlformats.org/drawingml/2006/main" uniqueId="urn:microsoft.com/office/officeart/2005/8/quickstyle/simple2">
+  <dgm:title val=""/>
+  <dgm:desc val=""/>
+  <dgm:catLst>
+    <dgm:cat type="simple" pri="10200"/>
+  </dgm:catLst>
+  <dgm:scene3d>
+    <a:camera prst="orthographicFront"/>
+    <a:lightRig rig="threePt" dir="t"/>
+  </dgm:scene3d>
+  <dgm:styleLbl name="node0">
+    <dgm:scene3d>
+      <a:camera prst="orthographicFront"/>
+      <a:lightRig rig="threePt" dir="t"/>
+    </dgm:scene3d>
+    <dgm:sp3d/>
+    <dgm:txPr/>
+    <dgm:style>
+      <a:lnRef idx="3">
+        <a:scrgbClr r="0" g="0" b="0"/>
+      </a:lnRef>
+      <a:fillRef idx="1">
+        <a:scrgbClr r="0" g="0" b="0"/>
+      </a:fillRef>
+      <a:effectRef idx="1">
+        <a:scrgbClr r="0" g="0" b="0"/>
+      </a:effectRef>
+      <a:fontRef idx="minor">
+        <a:schemeClr val="lt1"/>
+      </a:fontRef>
+    </dgm:style>
+  </dgm:styleLbl>
+  <dgm:styleLbl name="lnNode1">
+    <dgm:scene3d>
+      <a:camera prst="orthographicFront"/>
+      <a:lightRig rig="threePt" dir="t"/>
+    </dgm:scene3d>
+    <dgm:sp3d/>
+    <dgm:txPr/>
+    <dgm:style>
+      <a:lnRef idx="3">
+        <a:scrgbClr r="0" g="0" b="0"/>
+      </a:lnRef>
+      <a:fillRef idx="1">
+        <a:scrgbClr r="0" g="0" b="0"/>
+      </a:fillRef>
+      <a:effectRef idx="1">
+        <a:scrgbClr r="0" g="0" b="0"/>
+      </a:effectRef>
+      <a:fontRef idx="minor">
+        <a:schemeClr val="lt1"/>
+      </a:fontRef>
+    </dgm:style>
+  </dgm:styleLbl>
+  <dgm:styleLbl name="vennNode1">
+    <dgm:scene3d>
+      <a:camera prst="orthographicFront"/>
+      <a:lightRig rig="threePt" dir="t"/>
+    </dgm:scene3d>
+    <dgm:sp3d/>
+    <dgm:txPr/>
+    <dgm:style>
+      <a:lnRef idx="3">
+        <a:scrgbClr r="0" g="0" b="0"/>
+      </a:lnRef>
+      <a:fillRef idx="1">
+        <a:scrgbClr r="0" g="0" b="0"/>
+      </a:fillRef>
+      <a:effectRef idx="0">
+        <a:scrgbClr r="0" g="0" b="0"/>
+      </a:effectRef>
+      <a:fontRef idx="minor">
+        <a:schemeClr val="tx1"/>
+      </a:fontRef>
+    </dgm:style>
+  </dgm:styleLbl>
+  <dgm:styleLbl name="alignNode1">
+    <dgm:scene3d>
+      <a:camera prst="orthographicFront"/>
+      <a:lightRig rig="threePt" dir="t"/>
+    </dgm:scene3d>
+    <dgm:sp3d/>
+    <dgm:txPr/>
+    <dgm:style>
+      <a:lnRef idx="2">
+        <a:scrgbClr r="0" g="0" b="0"/>
+      </a:lnRef>
+      <a:fillRef idx="1">
+        <a:scrgbClr r="0" g="0" b="0"/>
+      </a:fillRef>
+      <a:effectRef idx="1">
+        <a:scrgbClr r="0" g="0" b="0"/>
+      </a:effectRef>
+      <a:fontRef idx="minor">
+        <a:schemeClr val="lt1"/>
+      </a:fontRef>
+    </dgm:style>
+  </dgm:styleLbl>
+  <dgm:styleLbl name="node1">
+    <dgm:scene3d>
+      <a:camera prst="orthographicFront"/>
+      <a:lightRig rig="threePt" dir="t"/>
+    </dgm:scene3d>
+    <dgm:sp3d/>
+    <dgm:txPr/>
+    <dgm:style>
+      <a:lnRef idx="3">
+        <a:scrgbClr r="0" g="0" b="0"/>
+      </a:lnRef>
+      <a:fillRef idx="1">
+        <a:scrgbClr r="0" g="0" b="0"/>
+      </a:fillRef>
+      <a:effectRef idx="1">
+        <a:scrgbClr r="0" g="0" b="0"/>
+      </a:effectRef>
+      <a:fontRef idx="minor">
+        <a:schemeClr val="lt1"/>
+      </a:fontRef>
+    </dgm:style>
+  </dgm:styleLbl>
+  <dgm:styleLbl name="node2">
+    <dgm:scene3d>
+      <a:camera prst="orthographicFront"/>
+      <a:lightRig rig="threePt" dir="t"/>
+    </dgm:scene3d>
+    <dgm:sp3d/>
+    <dgm:txPr/>
+    <dgm:style>
+      <a:lnRef idx="3">
+        <a:scrgbClr r="0" g="0" b="0"/>
+      </a:lnRef>
+      <a:fillRef idx="1">
+        <a:scrgbClr r="0" g="0" b="0"/>
+      </a:fillRef>
+      <a:effectRef idx="1">
+        <a:scrgbClr r="0" g="0" b="0"/>
+      </a:effectRef>
+      <a:fontRef idx="minor">
+        <a:schemeClr val="lt1"/>
+      </a:fontRef>
+    </dgm:style>
+  </dgm:styleLbl>
+  <dgm:styleLbl name="node3">
+    <dgm:scene3d>
+      <a:camera prst="orthographicFront"/>
+      <a:lightRig rig="threePt" dir="t"/>
+    </dgm:scene3d>
+    <dgm:sp3d/>
+    <dgm:txPr/>
+    <dgm:style>
+      <a:lnRef idx="3">
+        <a:scrgbClr r="0" g="0" b="0"/>
+      </a:lnRef>
+      <a:fillRef idx="1">
+        <a:scrgbClr r="0" g="0" b="0"/>
+      </a:fillRef>
+      <a:effectRef idx="1">
+        <a:scrgbClr r="0" g="0" b="0"/>
+      </a:effectRef>
+      <a:fontRef idx="minor">
+        <a:schemeClr val="lt1"/>
+      </a:fontRef>
+    </dgm:style>
+  </dgm:styleLbl>
+  <dgm:styleLbl name="node4">
+    <dgm:scene3d>
+      <a:camera prst="orthographicFront"/>
+      <a:lightRig rig="threePt" dir="t"/>
+    </dgm:scene3d>
+    <dgm:sp3d/>
+    <dgm:txPr/>
+    <dgm:style>
+      <a:lnRef idx="3">
+        <a:scrgbClr r="0" g="0" b="0"/>
+      </a:lnRef>
+      <a:fillRef idx="1">
+        <a:scrgbClr r="0" g="0" b="0"/>
+      </a:fillRef>
+      <a:effectRef idx="1">
+        <a:scrgbClr r="0" g="0" b="0"/>
+      </a:effectRef>
+      <a:fontRef idx="minor">
+        <a:schemeClr val="lt1"/>
+      </a:fontRef>
+    </dgm:style>
+  </dgm:styleLbl>
+  <dgm:styleLbl name="fgImgPlace1">
+    <dgm:scene3d>
+      <a:camera prst="orthographicFront"/>
+      <a:lightRig rig="threePt" dir="t"/>
+    </dgm:scene3d>
+    <dgm:sp3d/>
+    <dgm:txPr/>
+    <dgm:style>
+      <a:lnRef idx="3">
+        <a:scrgbClr r="0" g="0" b="0"/>
+      </a:lnRef>
+      <a:fillRef idx="1">
+        <a:scrgbClr r="0" g="0" b="0"/>
+      </a:fillRef>
+      <a:effectRef idx="1">
+        <a:scrgbClr r="0" g="0" b="0"/>
+      </a:effectRef>
+      <a:fontRef idx="minor"/>
+    </dgm:style>
+  </dgm:styleLbl>
+  <dgm:styleLbl name="alignImgPlace1">
+    <dgm:scene3d>
+      <a:camera prst="orthographicFront"/>
+      <a:lightRig rig="threePt" dir="t"/>
+    </dgm:scene3d>
+    <dgm:sp3d/>
+    <dgm:txPr/>
+    <dgm:style>
+      <a:lnRef idx="3">
+        <a:scrgbClr r="0" g="0" b="0"/>
+      </a:lnRef>
+      <a:fillRef idx="1">
+        <a:scrgbClr r="0" g="0" b="0"/>
+      </a:fillRef>
+      <a:effectRef idx="1">
+        <a:scrgbClr r="0" g="0" b="0"/>
+      </a:effectRef>
+      <a:fontRef idx="minor"/>
+    </dgm:style>
+  </dgm:styleLbl>
+  <dgm:styleLbl name="bgImgPlace1">
+    <dgm:scene3d>
+      <a:camera prst="orthographicFront"/>
+      <a:lightRig rig="threePt" dir="t"/>
+    </dgm:scene3d>
+    <dgm:sp3d/>
+    <dgm:txPr/>
+    <dgm:style>
+      <a:lnRef idx="3">
+        <a:scrgbClr r="0" g="0" b="0"/>
+      </a:lnRef>
+      <a:fillRef idx="1">
+        <a:scrgbClr r="0" g="0" b="0"/>
+      </a:fillRef>
+      <a:effectRef idx="1">
+        <a:scrgbClr r="0" g="0" b="0"/>
+      </a:effectRef>
+      <a:fontRef idx="minor"/>
+    </dgm:style>
+  </dgm:styleLbl>
+  <dgm:styleLbl name="sibTrans2D1">
+    <dgm:scene3d>
+      <a:camera prst="orthographicFront"/>
+      <a:lightRig rig="threePt" dir="t"/>
+    </dgm:scene3d>
+    <dgm:sp3d/>
+    <dgm:txPr/>
+    <dgm:style>
+      <a:lnRef idx="0">
+        <a:scrgbClr r="0" g="0" b="0"/>
+      </a:lnRef>
+      <a:fillRef idx="1">
+        <a:scrgbClr r="0" g="0" b="0"/>
+      </a:fillRef>
+      <a:effectRef idx="1">
+        <a:scrgbClr r="0" g="0" b="0"/>
+      </a:effectRef>
+      <a:fontRef idx="minor">
+        <a:schemeClr val="lt1"/>
+      </a:fontRef>
+    </dgm:style>
+  </dgm:styleLbl>
+  <dgm:styleLbl name="fgSibTrans2D1">
+    <dgm:scene3d>
+      <a:camera prst="orthographicFront"/>
+      <a:lightRig rig="threePt" dir="t"/>
+    </dgm:scene3d>
+    <dgm:sp3d/>
+    <dgm:txPr/>
+    <dgm:style>
+      <a:lnRef idx="0">
+        <a:scrgbClr r="0" g="0" b="0"/>
+      </a:lnRef>
+      <a:fillRef idx="1">
+        <a:scrgbClr r="0" g="0" b="0"/>
+      </a:fillRef>
+      <a:effectRef idx="1">
+        <a:scrgbClr r="0" g="0" b="0"/>
+      </a:effectRef>
+      <a:fontRef idx="minor">
+        <a:schemeClr val="lt1"/>
+      </a:fontRef>
+    </dgm:style>
+  </dgm:styleLbl>
+  <dgm:styleLbl name="bgSibTrans2D1">
+    <dgm:scene3d>
+      <a:camera prst="orthographicFront"/>
+      <a:lightRig rig="threePt" dir="t"/>
+    </dgm:scene3d>
+    <dgm:sp3d/>
+    <dgm:txPr/>
+    <dgm:style>
+      <a:lnRef idx="0">
+        <a:scrgbClr r="0" g="0" b="0"/>
+      </a:lnRef>
+      <a:fillRef idx="1">
+        <a:scrgbClr r="0" g="0" b="0"/>
+      </a:fillRef>
+      <a:effectRef idx="1">
+        <a:scrgbClr r="0" g="0" b="0"/>
+      </a:effectRef>
+      <a:fontRef idx="minor">
+        <a:schemeClr val="lt1"/>
+      </a:fontRef>
+    </dgm:style>
+  </dgm:styleLbl>
+  <dgm:styleLbl name="sibTrans1D1">
+    <dgm:scene3d>
+      <a:camera prst="orthographicFront"/>
+      <a:lightRig rig="threePt" dir="t"/>
+    </dgm:scene3d>
+    <dgm:sp3d/>
+    <dgm:txPr/>
+    <dgm:style>
+      <a:lnRef idx="1">
+        <a:scrgbClr r="0" g="0" b="0"/>
+      </a:lnRef>
+      <a:fillRef idx="0">
+        <a:scrgbClr r="0" g="0" b="0"/>
+      </a:fillRef>
+      <a:effectRef idx="0">
+        <a:scrgbClr r="0" g="0" b="0"/>
+      </a:effectRef>
+      <a:fontRef idx="minor"/>
+    </dgm:style>
+  </dgm:styleLbl>
+  <dgm:styleLbl name="callout">
+    <dgm:scene3d>
+      <a:camera prst="orthographicFront"/>
+      <a:lightRig rig="threePt" dir="t"/>
+    </dgm:scene3d>
+    <dgm:sp3d/>
+    <dgm:txPr/>
+    <dgm:style>
+      <a:lnRef idx="2">
+        <a:scrgbClr r="0" g="0" b="0"/>
+      </a:lnRef>
+      <a:fillRef idx="1">
+        <a:scrgbClr r="0" g="0" b="0"/>
+      </a:fillRef>
+      <a:effectRef idx="1">
+        <a:scrgbClr r="0" g="0" b="0"/>
+      </a:effectRef>
+      <a:fontRef idx="minor"/>
+    </dgm:style>
+  </dgm:styleLbl>
+  <dgm:styleLbl name="asst0">
+    <dgm:scene3d>
+      <a:camera prst="orthographicFront"/>
+      <a:lightRig rig="threePt" dir="t"/>
+    </dgm:scene3d>
+    <dgm:sp3d/>
+    <dgm:txPr/>
+    <dgm:style>
+      <a:lnRef idx="3">
+        <a:scrgbClr r="0" g="0" b="0"/>
+      </a:lnRef>
+      <a:fillRef idx="1">
+        <a:scrgbClr r="0" g="0" b="0"/>
+      </a:fillRef>
+      <a:effectRef idx="1">
+        <a:scrgbClr r="0" g="0" b="0"/>
+      </a:effectRef>
+      <a:fontRef idx="minor">
+        <a:schemeClr val="lt1"/>
+      </a:fontRef>
+    </dgm:style>
+  </dgm:styleLbl>
+  <dgm:styleLbl name="asst1">
+    <dgm:scene3d>
+      <a:camera prst="orthographicFront"/>
+      <a:lightRig rig="threePt" dir="t"/>
+    </dgm:scene3d>
+    <dgm:sp3d/>
+    <dgm:txPr/>
+    <dgm:style>
+      <a:lnRef idx="3">
+        <a:scrgbClr r="0" g="0" b="0"/>
+      </a:lnRef>
+      <a:fillRef idx="1">
+        <a:scrgbClr r="0" g="0" b="0"/>
+      </a:fillRef>
+      <a:effectRef idx="1">
+        <a:scrgbClr r="0" g="0" b="0"/>
+      </a:effectRef>
+      <a:fontRef idx="minor">
+        <a:schemeClr val="lt1"/>
+      </a:fontRef>
+    </dgm:style>
+  </dgm:styleLbl>
+  <dgm:styleLbl name="asst2">
+    <dgm:scene3d>
+      <a:camera prst="orthographicFront"/>
+      <a:lightRig rig="threePt" dir="t"/>
+    </dgm:scene3d>
+    <dgm:sp3d/>
+    <dgm:txPr/>
+    <dgm:style>
+      <a:lnRef idx="3">
+        <a:scrgbClr r="0" g="0" b="0"/>
+      </a:lnRef>
+      <a:fillRef idx="1">
+        <a:scrgbClr r="0" g="0" b="0"/>
+      </a:fillRef>
+      <a:effectRef idx="1">
+        <a:scrgbClr r="0" g="0" b="0"/>
+      </a:effectRef>
+      <a:fontRef idx="minor">
+        <a:schemeClr val="lt1"/>
+      </a:fontRef>
+    </dgm:style>
+  </dgm:styleLbl>
+  <dgm:styleLbl name="asst3">
+    <dgm:scene3d>
+      <a:camera prst="orthographicFront"/>
+      <a:lightRig rig="threePt" dir="t"/>
+    </dgm:scene3d>
+    <dgm:sp3d/>
+    <dgm:txPr/>
+    <dgm:style>
+      <a:lnRef idx="3">
+        <a:scrgbClr r="0" g="0" b="0"/>
+      </a:lnRef>
+      <a:fillRef idx="1">
+        <a:scrgbClr r="0" g="0" b="0"/>
+      </a:fillRef>
+      <a:effectRef idx="1">
+        <a:scrgbClr r="0" g="0" b="0"/>
+      </a:effectRef>
+      <a:fontRef idx="minor">
+        <a:schemeClr val="lt1"/>
+      </a:fontRef>
+    </dgm:style>
+  </dgm:styleLbl>
+  <dgm:styleLbl name="asst4">
+    <dgm:scene3d>
+      <a:camera prst="orthographicFront"/>
+      <a:lightRig rig="threePt" dir="t"/>
+    </dgm:scene3d>
+    <dgm:sp3d/>
+    <dgm:txPr/>
+    <dgm:style>
+      <a:lnRef idx="3">
+        <a:scrgbClr r="0" g="0" b="0"/>
+      </a:lnRef>
+      <a:fillRef idx="1">
+        <a:scrgbClr r="0" g="0" b="0"/>
+      </a:fillRef>
+      <a:effectRef idx="1">
+        <a:scrgbClr r="0" g="0" b="0"/>
+      </a:effectRef>
+      <a:fontRef idx="minor">
+        <a:schemeClr val="lt1"/>
+      </a:fontRef>
+    </dgm:style>
+  </dgm:styleLbl>
+  <dgm:styleLbl name="parChTrans2D1">
+    <dgm:scene3d>
+      <a:camera prst="orthographicFront"/>
+      <a:lightRig rig="threePt" dir="t"/>
+    </dgm:scene3d>
+    <dgm:sp3d/>
+    <dgm:txPr/>
+    <dgm:style>
+      <a:lnRef idx="3">
+        <a:scrgbClr r="0" g="0" b="0"/>
+      </a:lnRef>
+      <a:fillRef idx="1">
+        <a:scrgbClr r="0" g="0" b="0"/>
+      </a:fillRef>
+      <a:effectRef idx="1">
+        <a:scrgbClr r="0" g="0" b="0"/>
+      </a:effectRef>
+      <a:fontRef idx="minor">
+        <a:schemeClr val="lt1"/>
+      </a:fontRef>
+    </dgm:style>
+  </dgm:styleLbl>
+  <dgm:styleLbl name="parChTrans2D2">
+    <dgm:scene3d>
+      <a:camera prst="orthographicFront"/>
+      <a:lightRig rig="threePt" dir="t"/>
+    </dgm:scene3d>
+    <dgm:sp3d/>
+    <dgm:txPr/>
+    <dgm:style>
+      <a:lnRef idx="3">
+        <a:scrgbClr r="0" g="0" b="0"/>
+      </a:lnRef>
+      <a:fillRef idx="1">
+        <a:scrgbClr r="0" g="0" b="0"/>
+      </a:fillRef>
+      <a:effectRef idx="1">
+        <a:scrgbClr r="0" g="0" b="0"/>
+      </a:effectRef>
+      <a:fontRef idx="minor">
+        <a:schemeClr val="lt1"/>
+      </a:fontRef>
+    </dgm:style>
+  </dgm:styleLbl>
+  <dgm:styleLbl name="parChTrans2D3">
+    <dgm:scene3d>
+      <a:camera prst="orthographicFront"/>
+      <a:lightRig rig="threePt" dir="t"/>
+    </dgm:scene3d>
+    <dgm:sp3d/>
+    <dgm:txPr/>
+    <dgm:style>
+      <a:lnRef idx="3">
+        <a:scrgbClr r="0" g="0" b="0"/>
+      </a:lnRef>
+      <a:fillRef idx="1">
+        <a:scrgbClr r="0" g="0" b="0"/>
+      </a:fillRef>
+      <a:effectRef idx="1">
+        <a:scrgbClr r="0" g="0" b="0"/>
+      </a:effectRef>
+      <a:fontRef idx="minor">
+        <a:schemeClr val="lt1"/>
+      </a:fontRef>
+    </dgm:style>
+  </dgm:styleLbl>
+  <dgm:styleLbl name="parChTrans2D4">
+    <dgm:scene3d>
+      <a:camera prst="orthographicFront"/>
+      <a:lightRig rig="threePt" dir="t"/>
+    </dgm:scene3d>
+    <dgm:sp3d/>
+    <dgm:txPr/>
+    <dgm:style>
+      <a:lnRef idx="3">
+        <a:scrgbClr r="0" g="0" b="0"/>
+      </a:lnRef>
+      <a:fillRef idx="1">
+        <a:scrgbClr r="0" g="0" b="0"/>
+      </a:fillRef>
+      <a:effectRef idx="1">
+        <a:scrgbClr r="0" g="0" b="0"/>
+      </a:effectRef>
+      <a:fontRef idx="minor">
+        <a:schemeClr val="lt1"/>
+      </a:fontRef>
+    </dgm:style>
+  </dgm:styleLbl>
+  <dgm:styleLbl name="parChTrans1D1">
+    <dgm:scene3d>
+      <a:camera prst="orthographicFront"/>
+      <a:lightRig rig="threePt" dir="t"/>
+    </dgm:scene3d>
+    <dgm:sp3d/>
+    <dgm:txPr/>
+    <dgm:style>
+      <a:lnRef idx="2">
+        <a:scrgbClr r="0" g="0" b="0"/>
+      </a:lnRef>
+      <a:fillRef idx="0">
+        <a:scrgbClr r="0" g="0" b="0"/>
+      </a:fillRef>
+      <a:effectRef idx="0">
+        <a:scrgbClr r="0" g="0" b="0"/>
+      </a:effectRef>
+      <a:fontRef idx="minor"/>
+    </dgm:style>
+  </dgm:styleLbl>
+  <dgm:styleLbl name="parChTrans1D2">
+    <dgm:scene3d>
+      <a:camera prst="orthographicFront"/>
+      <a:lightRig rig="threePt" dir="t"/>
+    </dgm:scene3d>
+    <dgm:sp3d/>
+    <dgm:txPr/>
+    <dgm:style>
+      <a:lnRef idx="2">
+        <a:scrgbClr r="0" g="0" b="0"/>
+      </a:lnRef>
+      <a:fillRef idx="0">
+        <a:scrgbClr r="0" g="0" b="0"/>
+      </a:fillRef>
+      <a:effectRef idx="0">
+        <a:scrgbClr r="0" g="0" b="0"/>
+      </a:effectRef>
+      <a:fontRef idx="minor"/>
+    </dgm:style>
+  </dgm:styleLbl>
+  <dgm:styleLbl name="parChTrans1D3">
+    <dgm:scene3d>
+      <a:camera prst="orthographicFront"/>
+      <a:lightRig rig="threePt" dir="t"/>
+    </dgm:scene3d>
+    <dgm:sp3d/>
+    <dgm:txPr/>
+    <dgm:style>
+      <a:lnRef idx="2">
+        <a:scrgbClr r="0" g="0" b="0"/>
+      </a:lnRef>
+      <a:fillRef idx="0">
+        <a:scrgbClr r="0" g="0" b="0"/>
+      </a:fillRef>
+      <a:effectRef idx="0">
+        <a:scrgbClr r="0" g="0" b="0"/>
+      </a:effectRef>
+      <a:fontRef idx="minor"/>
+    </dgm:style>
+  </dgm:styleLbl>
+  <dgm:styleLbl name="parChTrans1D4">
+    <dgm:scene3d>
+      <a:camera prst="orthographicFront"/>
+      <a:lightRig rig="threePt" dir="t"/>
+    </dgm:scene3d>
+    <dgm:sp3d/>
+    <dgm:txPr/>
+    <dgm:style>
+      <a:lnRef idx="2">
+        <a:scrgbClr r="0" g="0" b="0"/>
+      </a:lnRef>
+      <a:fillRef idx="0">
+        <a:scrgbClr r="0" g="0" b="0"/>
+      </a:fillRef>
+      <a:effectRef idx="0">
+        <a:scrgbClr r="0" g="0" b="0"/>
+      </a:effectRef>
+      <a:fontRef idx="minor"/>
+    </dgm:style>
+  </dgm:styleLbl>
+  <dgm:styleLbl name="fgAcc1">
+    <dgm:scene3d>
+      <a:camera prst="orthographicFront"/>
+      <a:lightRig rig="threePt" dir="t"/>
+    </dgm:scene3d>
+    <dgm:sp3d/>
+    <dgm:txPr/>
+    <dgm:style>
+      <a:lnRef idx="2">
+        <a:scrgbClr r="0" g="0" b="0"/>
+      </a:lnRef>
+      <a:fillRef idx="1">
+        <a:scrgbClr r="0" g="0" b="0"/>
+      </a:fillRef>
+      <a:effectRef idx="0">
+        <a:scrgbClr r="0" g="0" b="0"/>
+      </a:effectRef>
+      <a:fontRef idx="minor"/>
+    </dgm:style>
+  </dgm:styleLbl>
+  <dgm:styleLbl name="conFgAcc1">
+    <dgm:scene3d>
+      <a:camera prst="orthographicFront"/>
+      <a:lightRig rig="threePt" dir="t"/>
+    </dgm:scene3d>
+    <dgm:sp3d/>
+    <dgm:txPr/>
+    <dgm:style>
+      <a:lnRef idx="2">
+        <a:scrgbClr r="0" g="0" b="0"/>
+      </a:lnRef>
+      <a:fillRef idx="1">
+        <a:scrgbClr r="0" g="0" b="0"/>
+      </a:fillRef>
+      <a:effectRef idx="0">
+        <a:scrgbClr r="0" g="0" b="0"/>
+      </a:effectRef>
+      <a:fontRef idx="minor"/>
+    </dgm:style>
+  </dgm:styleLbl>
+  <dgm:styleLbl name="alignAcc1">
+    <dgm:scene3d>
+      <a:camera prst="orthographicFront"/>
+      <a:lightRig rig="threePt" dir="t"/>
+    </dgm:scene3d>
+    <dgm:sp3d/>
+    <dgm:txPr/>
+    <dgm:style>
+      <a:lnRef idx="2">
+        <a:scrgbClr r="0" g="0" b="0"/>
+      </a:lnRef>
+      <a:fillRef idx="1">
+        <a:scrgbClr r="0" g="0" b="0"/>
+      </a:fillRef>
+      <a:effectRef idx="0">
+        <a:scrgbClr r="0" g="0" b="0"/>
+      </a:effectRef>
+      <a:fontRef idx="minor"/>
+    </dgm:style>
+  </dgm:styleLbl>
+  <dgm:styleLbl name="trAlignAcc1">
+    <dgm:scene3d>
+      <a:camera prst="orthographicFront"/>
+      <a:lightRig rig="threePt" dir="t"/>
+    </dgm:scene3d>
+    <dgm:sp3d/>
+    <dgm:txPr/>
+    <dgm:style>
+      <a:lnRef idx="1">
+        <a:scrgbClr r="0" g="0" b="0"/>
+      </a:lnRef>
+      <a:fillRef idx="1">
+        <a:scrgbClr r="0" g="0" b="0"/>
+      </a:fillRef>
+      <a:effectRef idx="0">
+        <a:scrgbClr r="0" g="0" b="0"/>
+      </a:effectRef>
+      <a:fontRef idx="minor"/>
+    </dgm:style>
+  </dgm:styleLbl>
+  <dgm:styleLbl name="bgAcc1">
+    <dgm:scene3d>
+      <a:camera prst="orthographicFront"/>
+      <a:lightRig rig="threePt" dir="t"/>
+    </dgm:scene3d>
+    <dgm:sp3d/>
+    <dgm:txPr/>
+    <dgm:style>
+      <a:lnRef idx="2">
+        <a:scrgbClr r="0" g="0" b="0"/>
+      </a:lnRef>
+      <a:fillRef idx="1">
+        <a:scrgbClr r="0" g="0" b="0"/>
+      </a:fillRef>
+      <a:effectRef idx="0">
+        <a:scrgbClr r="0" g="0" b="0"/>
+      </a:effectRef>
+      <a:fontRef idx="minor"/>
+    </dgm:style>
+  </dgm:styleLbl>
+  <dgm:styleLbl name="solidFgAcc1">
+    <dgm:scene3d>
+      <a:camera prst="orthographicFront"/>
+      <a:lightRig rig="threePt" dir="t"/>
+    </dgm:scene3d>
+    <dgm:sp3d/>
+    <dgm:txPr/>
+    <dgm:style>
+      <a:lnRef idx="2">
+        <a:scrgbClr r="0" g="0" b="0"/>
+      </a:lnRef>
+      <a:fillRef idx="1">
+        <a:scrgbClr r="0" g="0" b="0"/>
+      </a:fillRef>
+      <a:effectRef idx="0">
+        <a:scrgbClr r="0" g="0" b="0"/>
+      </a:effectRef>
+      <a:fontRef idx="minor"/>
+    </dgm:style>
+  </dgm:styleLbl>
+  <dgm:styleLbl name="solidAlignAcc1">
+    <dgm:scene3d>
+      <a:camera prst="orthographicFront"/>
+      <a:lightRig rig="threePt" dir="t"/>
+    </dgm:scene3d>
+    <dgm:sp3d/>
+    <dgm:txPr/>
+    <dgm:style>
+      <a:lnRef idx="2">
+        <a:scrgbClr r="0" g="0" b="0"/>
+      </a:lnRef>
+      <a:fillRef idx="1">
+        <a:scrgbClr r="0" g="0" b="0"/>
+      </a:fillRef>
+      <a:effectRef idx="0">
+        <a:scrgbClr r="0" g="0" b="0"/>
+      </a:effectRef>
+      <a:fontRef idx="minor"/>
+    </dgm:style>
+  </dgm:styleLbl>
+  <dgm:styleLbl name="solidBgAcc1">
+    <dgm:scene3d>
+      <a:camera prst="orthographicFront"/>
+      <a:lightRig rig="threePt" dir="t"/>
+    </dgm:scene3d>
+    <dgm:sp3d/>
+    <dgm:txPr/>
+    <dgm:style>
+      <a:lnRef idx="2">
+        <a:scrgbClr r="0" g="0" b="0"/>
+      </a:lnRef>
+      <a:fillRef idx="1">
+        <a:scrgbClr r="0" g="0" b="0"/>
+      </a:fillRef>
+      <a:effectRef idx="0">
+        <a:scrgbClr r="0" g="0" b="0"/>
+      </a:effectRef>
+      <a:fontRef idx="minor"/>
+    </dgm:style>
+  </dgm:styleLbl>
+  <dgm:styleLbl name="fgAccFollowNode1">
+    <dgm:scene3d>
+      <a:camera prst="orthographicFront"/>
+      <a:lightRig rig="threePt" dir="t"/>
+    </dgm:scene3d>
+    <dgm:sp3d/>
+    <dgm:txPr/>
+    <dgm:style>
+      <a:lnRef idx="2">
+        <a:scrgbClr r="0" g="0" b="0"/>
+      </a:lnRef>
+      <a:fillRef idx="1">
+        <a:scrgbClr r="0" g="0" b="0"/>
+      </a:fillRef>
+      <a:effectRef idx="0">
+        <a:scrgbClr r="0" g="0" b="0"/>
+      </a:effectRef>
+      <a:fontRef idx="minor"/>
+    </dgm:style>
+  </dgm:styleLbl>
+  <dgm:styleLbl name="alignAccFollowNode1">
+    <dgm:scene3d>
+      <a:camera prst="orthographicFront"/>
+      <a:lightRig rig="threePt" dir="t"/>
+    </dgm:scene3d>
+    <dgm:sp3d/>
+    <dgm:txPr/>
+    <dgm:style>
+      <a:lnRef idx="2">
+        <a:scrgbClr r="0" g="0" b="0"/>
+      </a:lnRef>
+      <a:fillRef idx="1">
+        <a:scrgbClr r="0" g="0" b="0"/>
+      </a:fillRef>
+      <a:effectRef idx="0">
+        <a:scrgbClr r="0" g="0" b="0"/>
+      </a:effectRef>
+      <a:fontRef idx="minor"/>
+    </dgm:style>
+  </dgm:styleLbl>
+  <dgm:styleLbl name="bgAccFollowNode1">
+    <dgm:scene3d>
+      <a:camera prst="orthographicFront"/>
+      <a:lightRig rig="threePt" dir="t"/>
+    </dgm:scene3d>
+    <dgm:sp3d/>
+    <dgm:txPr/>
+    <dgm:style>
+      <a:lnRef idx="2">
+        <a:scrgbClr r="0" g="0" b="0"/>
+      </a:lnRef>
+      <a:fillRef idx="1">
+        <a:scrgbClr r="0" g="0" b="0"/>
+      </a:fillRef>
+      <a:effectRef idx="0">
+        <a:scrgbClr r="0" g="0" b="0"/>
+      </a:effectRef>
+      <a:fontRef idx="minor"/>
+    </dgm:style>
+  </dgm:styleLbl>
+  <dgm:styleLbl name="fgAcc0">
+    <dgm:scene3d>
+      <a:camera prst="orthographicFront"/>
+      <a:lightRig rig="threePt" dir="t"/>
+    </dgm:scene3d>
+    <dgm:sp3d/>
+    <dgm:txPr/>
+    <dgm:style>
+      <a:lnRef idx="2">
+        <a:scrgbClr r="0" g="0" b="0"/>
+      </a:lnRef>
+      <a:fillRef idx="1">
+        <a:scrgbClr r="0" g="0" b="0"/>
+      </a:fillRef>
+      <a:effectRef idx="0">
+        <a:scrgbClr r="0" g="0" b="0"/>
+      </a:effectRef>
+      <a:fontRef idx="minor"/>
+    </dgm:style>
+  </dgm:styleLbl>
+  <dgm:styleLbl name="fgAcc2">
+    <dgm:scene3d>
+      <a:camera prst="orthographicFront"/>
+      <a:lightRig rig="threePt" dir="t"/>
+    </dgm:scene3d>
+    <dgm:sp3d/>
+    <dgm:txPr/>
+    <dgm:style>
+      <a:lnRef idx="2">
+        <a:scrgbClr r="0" g="0" b="0"/>
+      </a:lnRef>
+      <a:fillRef idx="1">
+        <a:scrgbClr r="0" g="0" b="0"/>
+      </a:fillRef>
+      <a:effectRef idx="0">
+        <a:scrgbClr r="0" g="0" b="0"/>
+      </a:effectRef>
+      <a:fontRef idx="minor"/>
+    </dgm:style>
+  </dgm:styleLbl>
+  <dgm:styleLbl name="fgAcc3">
+    <dgm:scene3d>
+      <a:camera prst="orthographicFront"/>
+      <a:lightRig rig="threePt" dir="t"/>
+    </dgm:scene3d>
+    <dgm:sp3d/>
+    <dgm:txPr/>
+    <dgm:style>
+      <a:lnRef idx="2">
+        <a:scrgbClr r="0" g="0" b="0"/>
+      </a:lnRef>
+      <a:fillRef idx="1">
+        <a:scrgbClr r="0" g="0" b="0"/>
+      </a:fillRef>
+      <a:effectRef idx="0">
+        <a:scrgbClr r="0" g="0" b="0"/>
+      </a:effectRef>
+      <a:fontRef idx="minor"/>
+    </dgm:style>
+  </dgm:styleLbl>
+  <dgm:styleLbl name="fgAcc4">
+    <dgm:scene3d>
+      <a:camera prst="orthographicFront"/>
+      <a:lightRig rig="threePt" dir="t"/>
+    </dgm:scene3d>
+    <dgm:sp3d/>
+    <dgm:txPr/>
+    <dgm:style>
+      <a:lnRef idx="2">
+        <a:scrgbClr r="0" g="0" b="0"/>
+      </a:lnRef>
+      <a:fillRef idx="1">
+        <a:scrgbClr r="0" g="0" b="0"/>
+      </a:fillRef>
+      <a:effectRef idx="0">
+        <a:scrgbClr r="0" g="0" b="0"/>
+      </a:effectRef>
+      <a:fontRef idx="minor"/>
+    </dgm:style>
+  </dgm:styleLbl>
+  <dgm:styleLbl name="bgShp">
+    <dgm:scene3d>
+      <a:camera prst="orthographicFront"/>
+      <a:lightRig rig="threePt" dir="t"/>
+    </dgm:scene3d>
+    <dgm:sp3d/>
+    <dgm:txPr/>
+    <dgm:style>
+      <a:lnRef idx="0">
+        <a:scrgbClr r="0" g="0" b="0"/>
+      </a:lnRef>
+      <a:fillRef idx="1">
+        <a:scrgbClr r="0" g="0" b="0"/>
+      </a:fillRef>
+      <a:effectRef idx="0">
+        <a:scrgbClr r="0" g="0" b="0"/>
+      </a:effectRef>
+      <a:fontRef idx="minor"/>
+    </dgm:style>
+  </dgm:styleLbl>
+  <dgm:styleLbl name="dkBgShp">
+    <dgm:scene3d>
+      <a:camera prst="orthographicFront"/>
+      <a:lightRig rig="threePt" dir="t"/>
+    </dgm:scene3d>
+    <dgm:sp3d/>
+    <dgm:txPr/>
+    <dgm:style>
+      <a:lnRef idx="0">
+        <a:scrgbClr r="0" g="0" b="0"/>
+      </a:lnRef>
+      <a:fillRef idx="1">
+        <a:scrgbClr r="0" g="0" b="0"/>
+      </a:fillRef>
+      <a:effectRef idx="0">
+        <a:scrgbClr r="0" g="0" b="0"/>
+      </a:effectRef>
+      <a:fontRef idx="minor"/>
+    </dgm:style>
+  </dgm:styleLbl>
+  <dgm:styleLbl name="trBgShp">
+    <dgm:scene3d>
+      <a:camera prst="orthographicFront"/>
+      <a:lightRig rig="threePt" dir="t"/>
+    </dgm:scene3d>
+    <dgm:sp3d/>
+    <dgm:txPr/>
+    <dgm:style>
+      <a:lnRef idx="0">
+        <a:scrgbClr r="0" g="0" b="0"/>
+      </a:lnRef>
+      <a:fillRef idx="1">
+        <a:scrgbClr r="0" g="0" b="0"/>
+      </a:fillRef>
+      <a:effectRef idx="0">
+        <a:scrgbClr r="0" g="0" b="0"/>
+      </a:effectRef>
+      <a:fontRef idx="minor"/>
+    </dgm:style>
+  </dgm:styleLbl>
+  <dgm:styleLbl name="fgShp">
+    <dgm:scene3d>
+      <a:camera prst="orthographicFront"/>
+      <a:lightRig rig="threePt" dir="t"/>
+    </dgm:scene3d>
+    <dgm:sp3d/>
+    <dgm:txPr/>
+    <dgm:style>
+      <a:lnRef idx="3">
+        <a:scrgbClr r="0" g="0" b="0"/>
+      </a:lnRef>
+      <a:fillRef idx="1">
+        <a:scrgbClr r="0" g="0" b="0"/>
+      </a:fillRef>
+      <a:effectRef idx="1">
+        <a:scrgbClr r="0" g="0" b="0"/>
+      </a:effectRef>
+      <a:fontRef idx="minor"/>
     </dgm:style>
   </dgm:styleLbl>
   <dgm:styleLbl name="revTx">
@@ -7930,7 +10965,7 @@
           <a:p>
             <a:fld id="{DDA51639-B2D6-4652-B8C3-1B4C224A7BAF}" type="datetimeFigureOut">
               <a:rPr lang="en-US" smtClean="0"/>
-              <a:t>4/1/2016</a:t>
+              <a:t>4/2/2016</a:t>
             </a:fld>
             <a:endParaRPr lang="en-US" dirty="0"/>
           </a:p>
@@ -8139,7 +11174,7 @@
           <a:p>
             <a:fld id="{D11A6AA8-A04B-4104-9AE2-BD48D340E27F}" type="datetimeFigureOut">
               <a:rPr lang="en-US" smtClean="0"/>
-              <a:t>4/1/2016</a:t>
+              <a:t>4/2/2016</a:t>
             </a:fld>
             <a:endParaRPr lang="en-US" dirty="0"/>
           </a:p>
@@ -8395,7 +11430,7 @@
           <a:p>
             <a:fld id="{B4E0BF79-FAC6-4A96-8DE1-F7B82E2E1652}" type="datetimeFigureOut">
               <a:rPr lang="en-US" smtClean="0"/>
-              <a:t>4/1/2016</a:t>
+              <a:t>4/2/2016</a:t>
             </a:fld>
             <a:endParaRPr lang="en-US" dirty="0"/>
           </a:p>
@@ -8569,7 +11604,7 @@
           <a:p>
             <a:fld id="{82FF5DD9-2C52-442D-92E2-8072C0C3D7CD}" type="datetimeFigureOut">
               <a:rPr lang="en-US" smtClean="0"/>
-              <a:t>4/1/2016</a:t>
+              <a:t>4/2/2016</a:t>
             </a:fld>
             <a:endParaRPr lang="en-US" dirty="0"/>
           </a:p>
@@ -8913,7 +11948,7 @@
           <a:p>
             <a:fld id="{C44961B7-6B89-48AB-966F-622E2788EECC}" type="datetimeFigureOut">
               <a:rPr lang="en-US" smtClean="0"/>
-              <a:t>4/1/2016</a:t>
+              <a:t>4/2/2016</a:t>
             </a:fld>
             <a:endParaRPr lang="en-US" dirty="0"/>
           </a:p>
@@ -9188,7 +12223,7 @@
           <a:p>
             <a:fld id="{DBD3D6FB-79CC-4683-A046-BBE785BA1BED}" type="datetimeFigureOut">
               <a:rPr lang="en-US" smtClean="0"/>
-              <a:t>4/1/2016</a:t>
+              <a:t>4/2/2016</a:t>
             </a:fld>
             <a:endParaRPr lang="en-US" dirty="0"/>
           </a:p>
@@ -9567,7 +12602,7 @@
           <a:p>
             <a:fld id="{9512B3E8-48F1-4B23-8498-D8A04A81EC9C}" type="datetimeFigureOut">
               <a:rPr lang="en-US" smtClean="0"/>
-              <a:t>4/1/2016</a:t>
+              <a:t>4/2/2016</a:t>
             </a:fld>
             <a:endParaRPr lang="en-US" dirty="0"/>
           </a:p>
@@ -9685,7 +12720,7 @@
           <a:p>
             <a:fld id="{10B90D90-AA62-404D-A741-635B4370F9CB}" type="datetimeFigureOut">
               <a:rPr lang="en-US" smtClean="0"/>
-              <a:t>4/1/2016</a:t>
+              <a:t>4/2/2016</a:t>
             </a:fld>
             <a:endParaRPr lang="en-US" dirty="0"/>
           </a:p>
@@ -9856,7 +12891,7 @@
           <a:p>
             <a:fld id="{A57002E4-6836-46D1-9DBB-3C27C0DD3A89}" type="datetimeFigureOut">
               <a:rPr lang="en-US" smtClean="0"/>
-              <a:t>4/1/2016</a:t>
+              <a:t>4/2/2016</a:t>
             </a:fld>
             <a:endParaRPr lang="en-US" dirty="0"/>
           </a:p>
@@ -10210,7 +13245,7 @@
           <a:p>
             <a:fld id="{1CF131DD-A141-4471-BCF9-C6073EDD7E20}" type="datetimeFigureOut">
               <a:rPr lang="en-US" smtClean="0"/>
-              <a:t>4/1/2016</a:t>
+              <a:t>4/2/2016</a:t>
             </a:fld>
             <a:endParaRPr lang="en-US" dirty="0"/>
           </a:p>
@@ -10593,7 +13628,7 @@
           <a:p>
             <a:fld id="{AB334A90-EB03-42F3-8859-2C2B2724C058}" type="datetimeFigureOut">
               <a:rPr lang="en-US" smtClean="0"/>
-              <a:t>4/1/2016</a:t>
+              <a:t>4/2/2016</a:t>
             </a:fld>
             <a:endParaRPr lang="en-US" dirty="0"/>
           </a:p>
@@ -10881,7 +13916,7 @@
           <a:p>
             <a:fld id="{CBC48EC7-AF6A-48D3-8284-14BACBEBDD84}" type="datetimeFigureOut">
               <a:rPr lang="en-US" smtClean="0"/>
-              <a:t>4/1/2016</a:t>
+              <a:t>4/2/2016</a:t>
             </a:fld>
             <a:endParaRPr lang="en-US" dirty="0"/>
           </a:p>
@@ -11457,20 +14492,12 @@
             </a:r>
             <a:r>
               <a:rPr lang="zh-CN" altLang="en-US" dirty="0" smtClean="0"/>
-              <a:t>工具</a:t>
-            </a:r>
-            <a:r>
-              <a:rPr lang="zh-CN" altLang="en-US" dirty="0" smtClean="0"/>
-              <a:t>篇</a:t>
+              <a:t>工具篇</a:t>
             </a:r>
             <a:endParaRPr lang="en-US" altLang="zh-CN" dirty="0" smtClean="0"/>
           </a:p>
           <a:p>
             <a:pPr algn="r"/>
-            <a:r>
-              <a:rPr lang="zh-CN" altLang="en-US" dirty="0" smtClean="0"/>
-              <a:t>王富贵</a:t>
-            </a:r>
             <a:endParaRPr lang="en-US" altLang="zh-CN" dirty="0" smtClean="0"/>
           </a:p>
         </p:txBody>
@@ -11797,6 +14824,274 @@
       </p:sp>
       <p:sp>
         <p:nvSpPr>
+          <p:cNvPr id="6" name="文本框 5"/>
+          <p:cNvSpPr txBox="1"/>
+          <p:nvPr/>
+        </p:nvSpPr>
+        <p:spPr>
+          <a:xfrm>
+            <a:off x="1224951" y="1915064"/>
+            <a:ext cx="9930729" cy="2031325"/>
+          </a:xfrm>
+          <a:prstGeom prst="rect">
+            <a:avLst/>
+          </a:prstGeom>
+          <a:solidFill>
+            <a:schemeClr val="bg1"/>
+          </a:solidFill>
+        </p:spPr>
+        <p:txBody>
+          <a:bodyPr wrap="square" rtlCol="0">
+            <a:spAutoFit/>
+          </a:bodyPr>
+          <a:lstStyle/>
+          <a:p>
+            <a:r>
+              <a:rPr lang="en-US" altLang="zh-CN" dirty="0" err="1" smtClean="0"/>
+              <a:t>Nunit</a:t>
+            </a:r>
+            <a:r>
+              <a:rPr lang="en-US" altLang="zh-CN" dirty="0" smtClean="0"/>
+              <a:t>		</a:t>
+            </a:r>
+            <a:r>
+              <a:rPr lang="en-US" altLang="zh-CN" dirty="0" err="1" smtClean="0"/>
+              <a:t>Xunit</a:t>
+            </a:r>
+            <a:r>
+              <a:rPr lang="en-US" altLang="zh-CN" dirty="0" smtClean="0"/>
+              <a:t>		</a:t>
+            </a:r>
+            <a:r>
+              <a:rPr lang="en-US" altLang="zh-CN" dirty="0" err="1" smtClean="0"/>
+              <a:t>Smartsniffer</a:t>
+            </a:r>
+            <a:r>
+              <a:rPr lang="en-US" altLang="zh-CN" dirty="0" smtClean="0"/>
+              <a:t>		Wireshark	Ping		</a:t>
+            </a:r>
+            <a:r>
+              <a:rPr lang="en-US" altLang="zh-CN" dirty="0" err="1" smtClean="0"/>
+              <a:t>Netstat</a:t>
+            </a:r>
+            <a:r>
+              <a:rPr lang="en-US" altLang="zh-CN" dirty="0"/>
+              <a:t>	</a:t>
+            </a:r>
+            <a:r>
+              <a:rPr lang="en-US" altLang="zh-CN" dirty="0" smtClean="0"/>
+              <a:t>Telnet	</a:t>
+            </a:r>
+            <a:r>
+              <a:rPr lang="en-US" altLang="zh-CN" dirty="0" err="1" smtClean="0"/>
+              <a:t>Tracert</a:t>
+            </a:r>
+            <a:r>
+              <a:rPr lang="en-US" altLang="zh-CN" dirty="0" smtClean="0"/>
+              <a:t> Process Monitor		Process Explorer		File Monitor		</a:t>
+            </a:r>
+            <a:r>
+              <a:rPr lang="en-US" altLang="zh-CN" dirty="0" err="1" smtClean="0"/>
+              <a:t>WinDbg</a:t>
+            </a:r>
+            <a:r>
+              <a:rPr lang="en-US" altLang="zh-CN" dirty="0" smtClean="0"/>
+              <a:t>		Debug </a:t>
+            </a:r>
+            <a:r>
+              <a:rPr lang="en-US" altLang="zh-CN" dirty="0"/>
+              <a:t>View </a:t>
+            </a:r>
+            <a:r>
+              <a:rPr lang="en-US" altLang="zh-CN" dirty="0" smtClean="0"/>
+              <a:t>Dependency		Spy++		</a:t>
+            </a:r>
+            <a:r>
+              <a:rPr lang="en-US" altLang="zh-CN" dirty="0" err="1" smtClean="0"/>
+              <a:t>Flashfxp</a:t>
+            </a:r>
+            <a:r>
+              <a:rPr lang="en-US" altLang="zh-CN" dirty="0" smtClean="0"/>
+              <a:t>		</a:t>
+            </a:r>
+            <a:r>
+              <a:rPr lang="en-US" altLang="zh-CN" dirty="0" err="1" smtClean="0"/>
+              <a:t>Winscp</a:t>
+            </a:r>
+            <a:r>
+              <a:rPr lang="en-US" altLang="zh-CN" dirty="0" smtClean="0"/>
+              <a:t>		</a:t>
+            </a:r>
+            <a:r>
+              <a:rPr lang="en-US" altLang="zh-CN" dirty="0" err="1" smtClean="0"/>
+              <a:t>Editplus</a:t>
+            </a:r>
+            <a:r>
+              <a:rPr lang="en-US" altLang="zh-CN" dirty="0" smtClean="0"/>
+              <a:t>		Notepad++	Sublime </a:t>
+            </a:r>
+            <a:r>
+              <a:rPr lang="en-US" altLang="zh-CN" dirty="0" err="1" smtClean="0"/>
+              <a:t>UtraEdit</a:t>
+            </a:r>
+            <a:r>
+              <a:rPr lang="en-US" altLang="zh-CN" dirty="0" smtClean="0"/>
+              <a:t>		Vim		Postman		</a:t>
+            </a:r>
+            <a:r>
+              <a:rPr lang="en-US" altLang="zh-CN" dirty="0" err="1" smtClean="0"/>
+              <a:t>Soapui</a:t>
+            </a:r>
+            <a:r>
+              <a:rPr lang="en-US" altLang="zh-CN" dirty="0" smtClean="0"/>
+              <a:t>		</a:t>
+            </a:r>
+            <a:r>
+              <a:rPr lang="en-US" altLang="zh-CN" dirty="0" err="1" smtClean="0"/>
+              <a:t>XmlSpy</a:t>
+            </a:r>
+            <a:r>
+              <a:rPr lang="en-US" altLang="zh-CN" dirty="0" smtClean="0"/>
+              <a:t>		Putty		</a:t>
+            </a:r>
+            <a:r>
+              <a:rPr lang="en-US" altLang="zh-CN" dirty="0" err="1" smtClean="0"/>
+              <a:t>Xshell</a:t>
+            </a:r>
+            <a:r>
+              <a:rPr lang="en-US" altLang="zh-CN" dirty="0" smtClean="0"/>
+              <a:t>		GitHub		SVN		reflector		</a:t>
+            </a:r>
+            <a:r>
+              <a:rPr lang="zh-CN" altLang="en-US" dirty="0" smtClean="0"/>
+              <a:t>百</a:t>
+            </a:r>
+            <a:r>
+              <a:rPr lang="zh-CN" altLang="en-US" dirty="0"/>
+              <a:t>度云</a:t>
+            </a:r>
+            <a:r>
+              <a:rPr lang="zh-CN" altLang="en-US" dirty="0" smtClean="0"/>
+              <a:t>盘</a:t>
+            </a:r>
+            <a:r>
+              <a:rPr lang="en-US" altLang="zh-CN" dirty="0" smtClean="0"/>
+              <a:t>		</a:t>
+            </a:r>
+            <a:r>
+              <a:rPr lang="zh-CN" altLang="en-US" dirty="0" smtClean="0"/>
+              <a:t>腾</a:t>
+            </a:r>
+            <a:r>
+              <a:rPr lang="zh-CN" altLang="en-US" dirty="0"/>
+              <a:t>讯云</a:t>
+            </a:r>
+            <a:r>
+              <a:rPr lang="zh-CN" altLang="en-US" dirty="0" smtClean="0"/>
+              <a:t>盘</a:t>
+            </a:r>
+            <a:r>
+              <a:rPr lang="en-US" altLang="zh-CN" dirty="0" smtClean="0"/>
+              <a:t>		Free </a:t>
+            </a:r>
+            <a:r>
+              <a:rPr lang="en-US" altLang="zh-CN" dirty="0"/>
+              <a:t>commander </a:t>
+            </a:r>
+            <a:r>
+              <a:rPr lang="en-US" altLang="zh-CN" dirty="0" smtClean="0"/>
+              <a:t>Everything		</a:t>
+            </a:r>
+            <a:r>
+              <a:rPr lang="en-US" altLang="zh-CN" dirty="0" err="1" smtClean="0"/>
+              <a:t>Unlocker</a:t>
+            </a:r>
+            <a:r>
+              <a:rPr lang="en-US" altLang="zh-CN" dirty="0" smtClean="0"/>
+              <a:t>		TeamViewer		</a:t>
+            </a:r>
+            <a:r>
+              <a:rPr lang="zh-CN" altLang="en-US" dirty="0" smtClean="0"/>
+              <a:t>向日葵</a:t>
+            </a:r>
+            <a:r>
+              <a:rPr lang="en-US" altLang="zh-CN" dirty="0" smtClean="0"/>
+              <a:t>		RDC		</a:t>
+            </a:r>
+            <a:r>
+              <a:rPr lang="en-US" altLang="zh-CN" dirty="0" err="1" smtClean="0"/>
+              <a:t>Cnblog</a:t>
+            </a:r>
+            <a:r>
+              <a:rPr lang="en-US" altLang="zh-CN" dirty="0" smtClean="0"/>
+              <a:t>		CSDN		Code project	stack overflow		webcast </a:t>
+            </a:r>
+            <a:endParaRPr lang="zh-CN" altLang="en-US" dirty="0"/>
+          </a:p>
+        </p:txBody>
+      </p:sp>
+    </p:spTree>
+    <p:extLst>
+      <p:ext uri="{BB962C8B-B14F-4D97-AF65-F5344CB8AC3E}">
+        <p14:creationId xmlns:p14="http://schemas.microsoft.com/office/powerpoint/2010/main" val="1918762190"/>
+      </p:ext>
+    </p:extLst>
+  </p:cSld>
+  <p:clrMapOvr>
+    <a:masterClrMapping/>
+  </p:clrMapOvr>
+  <p:timing>
+    <p:tnLst>
+      <p:par>
+        <p:cTn id="1" dur="indefinite" restart="never" nodeType="tmRoot"/>
+      </p:par>
+    </p:tnLst>
+  </p:timing>
+</p:sld>
+</file>
+
+<file path=ppt/slides/slide5.xml><?xml version="1.0" encoding="utf-8"?>
+<p:sld xmlns:a="http://schemas.openxmlformats.org/drawingml/2006/main" xmlns:r="http://schemas.openxmlformats.org/officeDocument/2006/relationships" xmlns:p="http://schemas.openxmlformats.org/presentationml/2006/main">
+  <p:cSld>
+    <p:spTree>
+      <p:nvGrpSpPr>
+        <p:cNvPr id="1" name=""/>
+        <p:cNvGrpSpPr/>
+        <p:nvPr/>
+      </p:nvGrpSpPr>
+      <p:grpSpPr>
+        <a:xfrm>
+          <a:off x="0" y="0"/>
+          <a:ext cx="0" cy="0"/>
+          <a:chOff x="0" y="0"/>
+          <a:chExt cx="0" cy="0"/>
+        </a:xfrm>
+      </p:grpSpPr>
+      <p:sp>
+        <p:nvSpPr>
+          <p:cNvPr id="2" name="标题 1"/>
+          <p:cNvSpPr>
+            <a:spLocks noGrp="1"/>
+          </p:cNvSpPr>
+          <p:nvPr>
+            <p:ph type="title"/>
+          </p:nvPr>
+        </p:nvSpPr>
+        <p:spPr/>
+        <p:txBody>
+          <a:bodyPr/>
+          <a:lstStyle/>
+          <a:p>
+            <a:r>
+              <a:rPr lang="zh-CN" altLang="en-US" dirty="0" smtClean="0"/>
+              <a:t>工具列表</a:t>
+            </a:r>
+            <a:endParaRPr lang="zh-CN" altLang="en-US" dirty="0"/>
+          </a:p>
+        </p:txBody>
+      </p:sp>
+      <p:sp>
+        <p:nvSpPr>
           <p:cNvPr id="3" name="内容占位符 2"/>
           <p:cNvSpPr>
             <a:spLocks noGrp="1"/>
@@ -11810,6 +15105,9 @@
             <a:off x="799381" y="1842603"/>
             <a:ext cx="3154393" cy="4340812"/>
           </a:xfrm>
+          <a:solidFill>
+            <a:schemeClr val="bg2"/>
+          </a:solidFill>
           <a:effectLst>
             <a:reflection blurRad="6350" stA="52000" endA="300" endPos="35000" dir="5400000" sy="-100000" algn="bl" rotWithShape="0"/>
           </a:effectLst>
@@ -11830,15 +15128,44 @@
         </p:style>
         <p:txBody>
           <a:bodyPr>
-            <a:normAutofit fontScale="70000" lnSpcReduction="20000"/>
+            <a:normAutofit fontScale="55000" lnSpcReduction="20000"/>
           </a:bodyPr>
           <a:lstStyle/>
           <a:p>
-            <a:r>
-              <a:rPr lang="zh-CN" altLang="en-US" dirty="0" smtClean="0"/>
+            <a:pPr marL="182880" indent="-182880">
+              <a:lnSpc>
+                <a:spcPct val="100000"/>
+              </a:lnSpc>
+              <a:spcBef>
+                <a:spcPts val="900"/>
+              </a:spcBef>
+              <a:spcAft>
+                <a:spcPts val="0"/>
+              </a:spcAft>
+              <a:buClr>
+                <a:schemeClr val="tx1">
+                  <a:lumMod val="85000"/>
+                  <a:lumOff val="15000"/>
+                </a:schemeClr>
+              </a:buClr>
+              <a:buFont typeface="Garamond" pitchFamily="18" charset="0"/>
+              <a:buChar char="◦"/>
+            </a:pPr>
+            <a:r>
+              <a:rPr lang="zh-CN" altLang="en-US" sz="2400" dirty="0" smtClean="0">
+                <a:latin typeface="+mj-lt"/>
+              </a:rPr>
               <a:t>单元测试</a:t>
             </a:r>
-            <a:endParaRPr lang="en-US" altLang="zh-CN" dirty="0" smtClean="0"/>
+            <a:r>
+              <a:rPr lang="en-US" altLang="zh-CN" sz="2400" dirty="0" smtClean="0">
+                <a:latin typeface="+mj-lt"/>
+              </a:rPr>
+              <a:t>(2)</a:t>
+            </a:r>
+            <a:endParaRPr lang="en-US" altLang="zh-CN" sz="2400" dirty="0">
+              <a:latin typeface="+mj-lt"/>
+            </a:endParaRPr>
           </a:p>
           <a:p>
             <a:pPr lvl="1"/>
@@ -11857,11 +15184,40 @@
             <a:endParaRPr lang="en-US" altLang="zh-CN" dirty="0" smtClean="0"/>
           </a:p>
           <a:p>
-            <a:r>
-              <a:rPr lang="zh-CN" altLang="en-US" dirty="0" smtClean="0"/>
+            <a:pPr marL="182880" indent="-182880">
+              <a:lnSpc>
+                <a:spcPct val="100000"/>
+              </a:lnSpc>
+              <a:spcBef>
+                <a:spcPts val="900"/>
+              </a:spcBef>
+              <a:spcAft>
+                <a:spcPts val="0"/>
+              </a:spcAft>
+              <a:buClr>
+                <a:schemeClr val="tx1">
+                  <a:lumMod val="85000"/>
+                  <a:lumOff val="15000"/>
+                </a:schemeClr>
+              </a:buClr>
+              <a:buFont typeface="Garamond" pitchFamily="18" charset="0"/>
+              <a:buChar char="◦"/>
+            </a:pPr>
+            <a:r>
+              <a:rPr lang="zh-CN" altLang="en-US" sz="2400" dirty="0" smtClean="0">
+                <a:latin typeface="+mj-lt"/>
+              </a:rPr>
               <a:t>网络分析</a:t>
             </a:r>
-            <a:endParaRPr lang="en-US" altLang="zh-CN" dirty="0" smtClean="0"/>
+            <a:r>
+              <a:rPr lang="en-US" altLang="zh-CN" sz="2400" dirty="0" smtClean="0">
+                <a:latin typeface="+mj-lt"/>
+              </a:rPr>
+              <a:t>(6)</a:t>
+            </a:r>
+            <a:endParaRPr lang="en-US" altLang="zh-CN" sz="2400" dirty="0">
+              <a:latin typeface="+mj-lt"/>
+            </a:endParaRPr>
           </a:p>
           <a:p>
             <a:pPr lvl="1"/>
@@ -11896,17 +15252,59 @@
           <a:p>
             <a:pPr lvl="1"/>
             <a:r>
+              <a:rPr lang="en-US" altLang="zh-CN" dirty="0" smtClean="0"/>
+              <a:t>Telnet</a:t>
+            </a:r>
+          </a:p>
+          <a:p>
+            <a:pPr lvl="1"/>
+            <a:r>
               <a:rPr lang="en-US" altLang="zh-CN" dirty="0" err="1" smtClean="0"/>
               <a:t>Tracert</a:t>
             </a:r>
             <a:endParaRPr lang="en-US" altLang="zh-CN" dirty="0" smtClean="0"/>
           </a:p>
           <a:p>
-            <a:r>
-              <a:rPr lang="zh-CN" altLang="en-US" dirty="0" smtClean="0"/>
-              <a:t>调试相关</a:t>
-            </a:r>
-            <a:endParaRPr lang="en-US" altLang="zh-CN" dirty="0"/>
+            <a:pPr marL="182880" indent="-182880">
+              <a:lnSpc>
+                <a:spcPct val="100000"/>
+              </a:lnSpc>
+              <a:spcBef>
+                <a:spcPts val="900"/>
+              </a:spcBef>
+              <a:spcAft>
+                <a:spcPts val="0"/>
+              </a:spcAft>
+              <a:buClr>
+                <a:schemeClr val="tx1">
+                  <a:lumMod val="85000"/>
+                  <a:lumOff val="15000"/>
+                </a:schemeClr>
+              </a:buClr>
+              <a:buFont typeface="Garamond" pitchFamily="18" charset="0"/>
+              <a:buChar char="◦"/>
+            </a:pPr>
+            <a:r>
+              <a:rPr lang="zh-CN" altLang="en-US" sz="2400" dirty="0">
+                <a:latin typeface="+mj-lt"/>
+              </a:rPr>
+              <a:t>调试</a:t>
+            </a:r>
+            <a:r>
+              <a:rPr lang="zh-CN" altLang="en-US" sz="2400" dirty="0" smtClean="0">
+                <a:latin typeface="+mj-lt"/>
+              </a:rPr>
+              <a:t>相关</a:t>
+            </a:r>
+            <a:r>
+              <a:rPr lang="en-US" altLang="zh-CN" sz="2400" dirty="0" smtClean="0">
+                <a:latin typeface="+mj-lt"/>
+              </a:rPr>
+              <a:t>(7)</a:t>
+            </a:r>
+            <a:endParaRPr lang="en-US" altLang="zh-CN" sz="2400" dirty="0">
+              <a:latin typeface="+mj-lt"/>
+            </a:endParaRPr>
           </a:p>
           <a:p>
             <a:pPr lvl="1"/>
@@ -11945,15 +15343,60 @@
             </a:r>
           </a:p>
           <a:p>
+            <a:pPr lvl="1"/>
             <a:r>
               <a:rPr lang="en-US" altLang="zh-CN" dirty="0" smtClean="0"/>
+              <a:t>Dependency</a:t>
+            </a:r>
+          </a:p>
+          <a:p>
+            <a:pPr lvl="1"/>
+            <a:r>
+              <a:rPr lang="en-US" altLang="zh-CN" dirty="0" smtClean="0"/>
+              <a:t>Spy++</a:t>
+            </a:r>
+          </a:p>
+          <a:p>
+            <a:pPr marL="182880" indent="-182880">
+              <a:lnSpc>
+                <a:spcPct val="100000"/>
+              </a:lnSpc>
+              <a:spcBef>
+                <a:spcPts val="900"/>
+              </a:spcBef>
+              <a:spcAft>
+                <a:spcPts val="0"/>
+              </a:spcAft>
+              <a:buClr>
+                <a:schemeClr val="tx1">
+                  <a:lumMod val="85000"/>
+                  <a:lumOff val="15000"/>
+                </a:schemeClr>
+              </a:buClr>
+              <a:buFont typeface="Garamond" pitchFamily="18" charset="0"/>
+              <a:buChar char="◦"/>
+            </a:pPr>
+            <a:r>
+              <a:rPr lang="en-US" altLang="zh-CN" sz="2400" dirty="0">
+                <a:latin typeface="+mj-lt"/>
+              </a:rPr>
               <a:t>FTP</a:t>
             </a:r>
             <a:r>
-              <a:rPr lang="zh-CN" altLang="en-US" dirty="0" smtClean="0"/>
+              <a:rPr lang="zh-CN" altLang="en-US" sz="2400" dirty="0" smtClean="0">
+                <a:latin typeface="+mj-lt"/>
+              </a:rPr>
               <a:t>工具</a:t>
             </a:r>
-            <a:endParaRPr lang="en-US" altLang="zh-CN" dirty="0" smtClean="0"/>
+            <a:r>
+              <a:rPr lang="en-US" altLang="zh-CN" sz="2400" dirty="0" smtClean="0">
+                <a:latin typeface="+mj-lt"/>
+              </a:rPr>
+              <a:t>(2)</a:t>
+            </a:r>
+            <a:endParaRPr lang="en-US" altLang="zh-CN" sz="2400" dirty="0">
+              <a:latin typeface="+mj-lt"/>
+            </a:endParaRPr>
           </a:p>
           <a:p>
             <a:pPr lvl="1"/>
@@ -11969,6 +15412,10 @@
               <a:rPr lang="en-US" altLang="zh-CN" dirty="0" err="1" smtClean="0"/>
               <a:t>Winscp</a:t>
             </a:r>
+            <a:endParaRPr lang="en-US" altLang="zh-CN" dirty="0"/>
+          </a:p>
+          <a:p>
+            <a:pPr lvl="1"/>
             <a:endParaRPr lang="en-US" altLang="zh-CN" dirty="0" smtClean="0"/>
           </a:p>
           <a:p>
@@ -11992,6 +15439,426 @@
           <a:prstGeom prst="rect">
             <a:avLst/>
           </a:prstGeom>
+          <a:effectLst>
+            <a:reflection blurRad="6350" stA="52000" endA="300" endPos="35000" dir="5400000" sy="-100000" algn="bl" rotWithShape="0"/>
+          </a:effectLst>
+        </p:spPr>
+        <p:style>
+          <a:lnRef idx="1">
+            <a:schemeClr val="accent2"/>
+          </a:lnRef>
+          <a:fillRef idx="2">
+            <a:schemeClr val="accent2"/>
+          </a:fillRef>
+          <a:effectRef idx="1">
+            <a:schemeClr val="accent2"/>
+          </a:effectRef>
+          <a:fontRef idx="minor">
+            <a:schemeClr val="dk1"/>
+          </a:fontRef>
+        </p:style>
+        <p:txBody>
+          <a:bodyPr vert="horz" lIns="91440" tIns="45720" rIns="91440" bIns="45720" rtlCol="0">
+            <a:noAutofit/>
+          </a:bodyPr>
+          <a:lstStyle>
+            <a:defPPr>
+              <a:defRPr lang="en-US"/>
+            </a:defPPr>
+            <a:lvl1pPr marL="182880" indent="-182880" defTabSz="914400">
+              <a:lnSpc>
+                <a:spcPct val="100000"/>
+              </a:lnSpc>
+              <a:spcBef>
+                <a:spcPts val="900"/>
+              </a:spcBef>
+              <a:spcAft>
+                <a:spcPts val="0"/>
+              </a:spcAft>
+              <a:buClr>
+                <a:schemeClr val="tx1">
+                  <a:lumMod val="85000"/>
+                  <a:lumOff val="15000"/>
+                </a:schemeClr>
+              </a:buClr>
+              <a:buFont typeface="Garamond" pitchFamily="18" charset="0"/>
+              <a:buChar char="◦"/>
+            </a:lvl1pPr>
+            <a:lvl2pPr lvl="1" indent="-182880" defTabSz="914400">
+              <a:lnSpc>
+                <a:spcPct val="100000"/>
+              </a:lnSpc>
+              <a:spcBef>
+                <a:spcPts val="500"/>
+              </a:spcBef>
+              <a:buClr>
+                <a:schemeClr val="tx1">
+                  <a:lumMod val="85000"/>
+                  <a:lumOff val="15000"/>
+                </a:schemeClr>
+              </a:buClr>
+              <a:buFont typeface="Garamond" pitchFamily="18" charset="0"/>
+              <a:buChar char="◦"/>
+              <a:defRPr sz="1600"/>
+            </a:lvl2pPr>
+            <a:lvl3pPr marL="731520" indent="-182880" defTabSz="914400">
+              <a:lnSpc>
+                <a:spcPct val="100000"/>
+              </a:lnSpc>
+              <a:spcBef>
+                <a:spcPts val="500"/>
+              </a:spcBef>
+              <a:buClr>
+                <a:schemeClr val="tx1">
+                  <a:lumMod val="85000"/>
+                  <a:lumOff val="15000"/>
+                </a:schemeClr>
+              </a:buClr>
+              <a:buFont typeface="Garamond" pitchFamily="18" charset="0"/>
+              <a:buChar char="◦"/>
+              <a:defRPr sz="1400"/>
+            </a:lvl3pPr>
+            <a:lvl4pPr marL="1005840" indent="-182880" defTabSz="914400">
+              <a:lnSpc>
+                <a:spcPct val="100000"/>
+              </a:lnSpc>
+              <a:spcBef>
+                <a:spcPts val="500"/>
+              </a:spcBef>
+              <a:buClr>
+                <a:schemeClr val="tx1">
+                  <a:lumMod val="85000"/>
+                  <a:lumOff val="15000"/>
+                </a:schemeClr>
+              </a:buClr>
+              <a:buFont typeface="Garamond" pitchFamily="18" charset="0"/>
+              <a:buChar char="◦"/>
+              <a:defRPr sz="1400"/>
+            </a:lvl4pPr>
+            <a:lvl5pPr marL="1280160" indent="-182880" defTabSz="914400">
+              <a:lnSpc>
+                <a:spcPct val="100000"/>
+              </a:lnSpc>
+              <a:spcBef>
+                <a:spcPts val="500"/>
+              </a:spcBef>
+              <a:buClr>
+                <a:schemeClr val="tx1">
+                  <a:lumMod val="85000"/>
+                  <a:lumOff val="15000"/>
+                </a:schemeClr>
+              </a:buClr>
+              <a:buFont typeface="Garamond" pitchFamily="18" charset="0"/>
+              <a:buChar char="◦"/>
+              <a:defRPr sz="1400"/>
+            </a:lvl5pPr>
+            <a:lvl6pPr marL="1600000" indent="-228600" defTabSz="914400">
+              <a:lnSpc>
+                <a:spcPct val="100000"/>
+              </a:lnSpc>
+              <a:spcBef>
+                <a:spcPts val="500"/>
+              </a:spcBef>
+              <a:buClr>
+                <a:schemeClr val="tx1">
+                  <a:lumMod val="85000"/>
+                  <a:lumOff val="15000"/>
+                </a:schemeClr>
+              </a:buClr>
+              <a:buFont typeface="Garamond" pitchFamily="18" charset="0"/>
+              <a:buChar char="◦"/>
+              <a:defRPr sz="1400"/>
+            </a:lvl6pPr>
+            <a:lvl7pPr marL="1900000" indent="-228600" defTabSz="914400">
+              <a:lnSpc>
+                <a:spcPct val="100000"/>
+              </a:lnSpc>
+              <a:spcBef>
+                <a:spcPts val="500"/>
+              </a:spcBef>
+              <a:buClr>
+                <a:schemeClr val="tx1">
+                  <a:lumMod val="85000"/>
+                  <a:lumOff val="15000"/>
+                </a:schemeClr>
+              </a:buClr>
+              <a:buFont typeface="Garamond" pitchFamily="18" charset="0"/>
+              <a:buChar char="◦"/>
+              <a:defRPr sz="1400"/>
+            </a:lvl7pPr>
+            <a:lvl8pPr marL="2200000" indent="-228600" defTabSz="914400">
+              <a:lnSpc>
+                <a:spcPct val="100000"/>
+              </a:lnSpc>
+              <a:spcBef>
+                <a:spcPts val="500"/>
+              </a:spcBef>
+              <a:buClr>
+                <a:schemeClr val="tx1">
+                  <a:lumMod val="85000"/>
+                  <a:lumOff val="15000"/>
+                </a:schemeClr>
+              </a:buClr>
+              <a:buFont typeface="Garamond" pitchFamily="18" charset="0"/>
+              <a:buChar char="◦"/>
+              <a:defRPr sz="1400"/>
+            </a:lvl8pPr>
+            <a:lvl9pPr marL="2500000" indent="-228600" defTabSz="914400">
+              <a:lnSpc>
+                <a:spcPct val="100000"/>
+              </a:lnSpc>
+              <a:spcBef>
+                <a:spcPts val="500"/>
+              </a:spcBef>
+              <a:buClr>
+                <a:schemeClr val="tx1">
+                  <a:lumMod val="85000"/>
+                  <a:lumOff val="15000"/>
+                </a:schemeClr>
+              </a:buClr>
+              <a:buFont typeface="Garamond" pitchFamily="18" charset="0"/>
+              <a:buChar char="◦"/>
+              <a:defRPr sz="1400"/>
+            </a:lvl9pPr>
+          </a:lstStyle>
+          <a:p>
+            <a:r>
+              <a:rPr lang="zh-CN" altLang="en-US" sz="1200" dirty="0" smtClean="0">
+                <a:latin typeface="+mj-lt"/>
+              </a:rPr>
+              <a:t>文本编辑</a:t>
+            </a:r>
+            <a:r>
+              <a:rPr lang="en-US" altLang="zh-CN" sz="1200" dirty="0" smtClean="0">
+                <a:latin typeface="+mj-lt"/>
+              </a:rPr>
+              <a:t>(5)</a:t>
+            </a:r>
+          </a:p>
+          <a:p>
+            <a:pPr lvl="1"/>
+            <a:r>
+              <a:rPr lang="en-US" altLang="zh-CN" sz="1200" dirty="0" err="1" smtClean="0">
+                <a:latin typeface="+mj-lt"/>
+              </a:rPr>
+              <a:t>Editplus</a:t>
+            </a:r>
+            <a:endParaRPr lang="en-US" altLang="zh-CN" sz="1200" dirty="0">
+              <a:latin typeface="+mj-lt"/>
+            </a:endParaRPr>
+          </a:p>
+          <a:p>
+            <a:pPr lvl="1"/>
+            <a:r>
+              <a:rPr lang="en-US" altLang="zh-CN" sz="1200" dirty="0">
+                <a:latin typeface="+mj-lt"/>
+              </a:rPr>
+              <a:t>Notepad++</a:t>
+            </a:r>
+          </a:p>
+          <a:p>
+            <a:pPr lvl="1"/>
+            <a:r>
+              <a:rPr lang="en-US" altLang="zh-CN" sz="1200" dirty="0">
+                <a:latin typeface="+mj-lt"/>
+              </a:rPr>
+              <a:t>Sublime</a:t>
+            </a:r>
+          </a:p>
+          <a:p>
+            <a:pPr lvl="1"/>
+            <a:r>
+              <a:rPr lang="en-US" altLang="zh-CN" sz="1200" dirty="0" err="1" smtClean="0">
+                <a:latin typeface="+mj-lt"/>
+              </a:rPr>
+              <a:t>UtraEdit</a:t>
+            </a:r>
+            <a:endParaRPr lang="en-US" altLang="zh-CN" sz="1200" dirty="0">
+              <a:latin typeface="+mj-lt"/>
+            </a:endParaRPr>
+          </a:p>
+          <a:p>
+            <a:pPr lvl="1"/>
+            <a:r>
+              <a:rPr lang="en-US" altLang="zh-CN" sz="1200" dirty="0">
+                <a:latin typeface="+mj-lt"/>
+              </a:rPr>
+              <a:t>Vim</a:t>
+            </a:r>
+          </a:p>
+          <a:p>
+            <a:r>
+              <a:rPr lang="en-US" altLang="zh-CN" sz="1200" dirty="0" smtClean="0">
+                <a:latin typeface="+mj-lt"/>
+              </a:rPr>
+              <a:t>HTTP</a:t>
+            </a:r>
+            <a:r>
+              <a:rPr lang="zh-CN" altLang="en-US" sz="1200" dirty="0" smtClean="0">
+                <a:latin typeface="+mj-lt"/>
+              </a:rPr>
+              <a:t>分析</a:t>
+            </a:r>
+            <a:r>
+              <a:rPr lang="en-US" altLang="zh-CN" sz="1200" dirty="0" smtClean="0">
+                <a:latin typeface="+mj-lt"/>
+              </a:rPr>
+              <a:t>(3)</a:t>
+            </a:r>
+            <a:endParaRPr lang="en-US" altLang="zh-CN" sz="1200" dirty="0">
+              <a:latin typeface="+mj-lt"/>
+            </a:endParaRPr>
+          </a:p>
+          <a:p>
+            <a:pPr lvl="1"/>
+            <a:r>
+              <a:rPr lang="en-US" altLang="zh-CN" sz="1200" dirty="0">
+                <a:latin typeface="+mj-lt"/>
+              </a:rPr>
+              <a:t>Postman</a:t>
+            </a:r>
+          </a:p>
+          <a:p>
+            <a:pPr lvl="1"/>
+            <a:r>
+              <a:rPr lang="en-US" altLang="zh-CN" sz="1200" dirty="0" err="1" smtClean="0">
+                <a:latin typeface="+mj-lt"/>
+              </a:rPr>
+              <a:t>Soapui</a:t>
+            </a:r>
+            <a:endParaRPr lang="en-US" altLang="zh-CN" sz="1200" dirty="0" smtClean="0">
+              <a:latin typeface="+mj-lt"/>
+            </a:endParaRPr>
+          </a:p>
+          <a:p>
+            <a:pPr lvl="1"/>
+            <a:r>
+              <a:rPr lang="en-US" altLang="zh-CN" sz="1200" dirty="0" err="1" smtClean="0">
+                <a:latin typeface="+mj-lt"/>
+              </a:rPr>
+              <a:t>XmlSpy</a:t>
+            </a:r>
+            <a:endParaRPr lang="en-US" altLang="zh-CN" sz="1200" dirty="0">
+              <a:latin typeface="+mj-lt"/>
+            </a:endParaRPr>
+          </a:p>
+          <a:p>
+            <a:r>
+              <a:rPr lang="en-US" altLang="zh-CN" sz="1200" dirty="0">
+                <a:latin typeface="+mj-lt"/>
+              </a:rPr>
+              <a:t>Unix</a:t>
+            </a:r>
+            <a:r>
+              <a:rPr lang="zh-CN" altLang="en-US" sz="1200" dirty="0" smtClean="0">
+                <a:latin typeface="+mj-lt"/>
+              </a:rPr>
+              <a:t>工具</a:t>
+            </a:r>
+            <a:r>
+              <a:rPr lang="en-US" altLang="zh-CN" sz="1200" dirty="0" smtClean="0">
+                <a:latin typeface="+mj-lt"/>
+              </a:rPr>
+              <a:t>(2)</a:t>
+            </a:r>
+            <a:endParaRPr lang="en-US" altLang="zh-CN" sz="1200" dirty="0">
+              <a:latin typeface="+mj-lt"/>
+            </a:endParaRPr>
+          </a:p>
+          <a:p>
+            <a:pPr lvl="1"/>
+            <a:r>
+              <a:rPr lang="en-US" altLang="zh-CN" sz="1200" dirty="0">
+                <a:latin typeface="+mj-lt"/>
+              </a:rPr>
+              <a:t>Putty</a:t>
+            </a:r>
+          </a:p>
+          <a:p>
+            <a:pPr lvl="1"/>
+            <a:r>
+              <a:rPr lang="en-US" altLang="zh-CN" sz="1200" dirty="0" err="1">
+                <a:latin typeface="+mj-lt"/>
+              </a:rPr>
+              <a:t>Xshell</a:t>
+            </a:r>
+            <a:r>
+              <a:rPr lang="en-US" altLang="zh-CN" sz="1200" dirty="0">
+                <a:latin typeface="+mj-lt"/>
+              </a:rPr>
+              <a:t>	</a:t>
+            </a:r>
+          </a:p>
+          <a:p>
+            <a:r>
+              <a:rPr lang="zh-CN" altLang="en-US" sz="1200" dirty="0" smtClean="0">
+                <a:latin typeface="+mj-lt"/>
+              </a:rPr>
+              <a:t>源代码</a:t>
+            </a:r>
+            <a:r>
+              <a:rPr lang="en-US" altLang="zh-CN" sz="1200" dirty="0" smtClean="0">
+                <a:latin typeface="+mj-lt"/>
+              </a:rPr>
+              <a:t>(2)</a:t>
+            </a:r>
+          </a:p>
+          <a:p>
+            <a:pPr lvl="1"/>
+            <a:r>
+              <a:rPr lang="en-US" altLang="zh-CN" sz="1200" dirty="0" smtClean="0">
+                <a:latin typeface="+mj-lt"/>
+              </a:rPr>
+              <a:t>GitHub</a:t>
+            </a:r>
+          </a:p>
+          <a:p>
+            <a:pPr lvl="1"/>
+            <a:r>
+              <a:rPr lang="en-US" altLang="zh-CN" sz="1200" dirty="0" smtClean="0">
+                <a:latin typeface="+mj-lt"/>
+              </a:rPr>
+              <a:t>SVN</a:t>
+            </a:r>
+          </a:p>
+          <a:p>
+            <a:pPr marL="274320" lvl="1" indent="0">
+              <a:buNone/>
+            </a:pPr>
+            <a:r>
+              <a:rPr lang="en-US" altLang="zh-CN" sz="1200" dirty="0">
+                <a:latin typeface="+mj-lt"/>
+              </a:rPr>
+              <a:t>	</a:t>
+            </a:r>
+            <a:endParaRPr lang="zh-CN" altLang="en-US" sz="1200" dirty="0">
+              <a:latin typeface="+mj-lt"/>
+            </a:endParaRPr>
+          </a:p>
+        </p:txBody>
+      </p:sp>
+      <p:sp>
+        <p:nvSpPr>
+          <p:cNvPr id="5" name="内容占位符 2"/>
+          <p:cNvSpPr txBox="1">
+            <a:spLocks/>
+          </p:cNvSpPr>
+          <p:nvPr/>
+        </p:nvSpPr>
+        <p:spPr>
+          <a:xfrm>
+            <a:off x="8094453" y="1842603"/>
+            <a:ext cx="3462067" cy="4340812"/>
+          </a:xfrm>
+          <a:prstGeom prst="rect">
+            <a:avLst/>
+          </a:prstGeom>
+          <a:solidFill>
+            <a:schemeClr val="accent1">
+              <a:lumMod val="40000"/>
+              <a:lumOff val="60000"/>
+            </a:schemeClr>
+          </a:solidFill>
           <a:effectLst>
             <a:reflection blurRad="6350" stA="52000" endA="300" endPos="35000" dir="5400000" sy="-100000" algn="bl" rotWithShape="0"/>
           </a:effectLst>
@@ -12175,425 +16042,61 @@
             </a:lvl9pPr>
           </a:lstStyle>
           <a:p>
-            <a:r>
-              <a:rPr lang="zh-CN" altLang="en-US" sz="1400" dirty="0">
-                <a:latin typeface="+mj-lt"/>
-              </a:rPr>
-              <a:t>文本编辑</a:t>
-            </a:r>
-            <a:endParaRPr lang="en-US" altLang="zh-CN" sz="1400" dirty="0">
-              <a:latin typeface="+mj-lt"/>
-            </a:endParaRPr>
+            <a:pPr>
+              <a:lnSpc>
+                <a:spcPct val="110000"/>
+              </a:lnSpc>
+            </a:pPr>
+            <a:r>
+              <a:rPr lang="zh-CN" altLang="en-US" sz="1200" dirty="0"/>
+              <a:t>反编译</a:t>
+            </a:r>
+            <a:r>
+              <a:rPr lang="en-US" altLang="zh-CN" sz="1200" dirty="0"/>
+              <a:t>(1)</a:t>
+            </a:r>
           </a:p>
           <a:p>
             <a:pPr lvl="1"/>
             <a:r>
-              <a:rPr lang="en-US" altLang="zh-CN" sz="1200" dirty="0">
-                <a:latin typeface="+mj-lt"/>
-              </a:rPr>
-              <a:t>Notepad++</a:t>
+              <a:rPr lang="en-US" altLang="zh-CN" sz="1200" dirty="0"/>
+              <a:t>reflector</a:t>
+            </a:r>
+          </a:p>
+          <a:p>
+            <a:r>
+              <a:rPr lang="zh-CN" altLang="en-US" sz="1200" dirty="0"/>
+              <a:t>网络硬盘</a:t>
+            </a:r>
+            <a:r>
+              <a:rPr lang="en-US" altLang="zh-CN" sz="1200" dirty="0"/>
+              <a:t>(2)</a:t>
             </a:r>
           </a:p>
           <a:p>
             <a:pPr lvl="1"/>
             <a:r>
-              <a:rPr lang="en-US" altLang="zh-CN" sz="1200" dirty="0">
-                <a:latin typeface="+mj-lt"/>
-              </a:rPr>
-              <a:t>Sublime</a:t>
-            </a:r>
+              <a:rPr lang="zh-CN" altLang="en-US" sz="1200" dirty="0"/>
+              <a:t>百度云盘</a:t>
+            </a:r>
+            <a:endParaRPr lang="en-US" altLang="zh-CN" sz="1200" dirty="0"/>
           </a:p>
           <a:p>
             <a:pPr lvl="1"/>
             <a:r>
-              <a:rPr lang="en-US" altLang="zh-CN" sz="1200" dirty="0" err="1" smtClean="0">
-                <a:latin typeface="+mj-lt"/>
-              </a:rPr>
-              <a:t>UtraEdit</a:t>
-            </a:r>
-            <a:endParaRPr lang="en-US" altLang="zh-CN" sz="1200" dirty="0">
-              <a:latin typeface="+mj-lt"/>
-            </a:endParaRPr>
-          </a:p>
-          <a:p>
-            <a:pPr lvl="1"/>
-            <a:r>
-              <a:rPr lang="en-US" altLang="zh-CN" sz="1200" dirty="0">
-                <a:latin typeface="+mj-lt"/>
-              </a:rPr>
-              <a:t>Vim</a:t>
-            </a:r>
-          </a:p>
-          <a:p>
-            <a:r>
-              <a:rPr lang="en-US" altLang="zh-CN" sz="1200" dirty="0" smtClean="0">
-                <a:latin typeface="+mj-lt"/>
-              </a:rPr>
-              <a:t>HTTP</a:t>
-            </a:r>
-            <a:r>
-              <a:rPr lang="zh-CN" altLang="en-US" sz="1200" dirty="0">
-                <a:latin typeface="+mj-lt"/>
-              </a:rPr>
-              <a:t>分析</a:t>
-            </a:r>
-            <a:endParaRPr lang="en-US" altLang="zh-CN" sz="1200" dirty="0">
-              <a:latin typeface="+mj-lt"/>
-            </a:endParaRPr>
-          </a:p>
-          <a:p>
-            <a:pPr lvl="1"/>
-            <a:r>
-              <a:rPr lang="en-US" altLang="zh-CN" sz="1200" dirty="0">
-                <a:latin typeface="+mj-lt"/>
-              </a:rPr>
-              <a:t>Postman</a:t>
-            </a:r>
-          </a:p>
-          <a:p>
-            <a:pPr lvl="1"/>
-            <a:r>
-              <a:rPr lang="en-US" altLang="zh-CN" sz="1200" dirty="0" err="1">
-                <a:latin typeface="+mj-lt"/>
-              </a:rPr>
-              <a:t>Soapui</a:t>
-            </a:r>
-            <a:endParaRPr lang="en-US" altLang="zh-CN" sz="1200" dirty="0">
-              <a:latin typeface="+mj-lt"/>
-            </a:endParaRPr>
-          </a:p>
-          <a:p>
-            <a:r>
-              <a:rPr lang="en-US" altLang="zh-CN" sz="1200" dirty="0">
-                <a:latin typeface="+mj-lt"/>
-              </a:rPr>
-              <a:t>Unix</a:t>
-            </a:r>
-            <a:r>
-              <a:rPr lang="zh-CN" altLang="en-US" sz="1200" dirty="0">
-                <a:latin typeface="+mj-lt"/>
-              </a:rPr>
-              <a:t>工具</a:t>
-            </a:r>
-            <a:endParaRPr lang="en-US" altLang="zh-CN" sz="1200" dirty="0">
-              <a:latin typeface="+mj-lt"/>
-            </a:endParaRPr>
-          </a:p>
-          <a:p>
-            <a:pPr lvl="1"/>
-            <a:r>
-              <a:rPr lang="en-US" altLang="zh-CN" sz="1200" dirty="0">
-                <a:latin typeface="+mj-lt"/>
-              </a:rPr>
-              <a:t>Putty</a:t>
-            </a:r>
-          </a:p>
-          <a:p>
-            <a:pPr lvl="1"/>
-            <a:r>
-              <a:rPr lang="en-US" altLang="zh-CN" sz="1200" dirty="0" err="1">
-                <a:latin typeface="+mj-lt"/>
-              </a:rPr>
-              <a:t>Xshell</a:t>
-            </a:r>
-            <a:r>
-              <a:rPr lang="en-US" altLang="zh-CN" sz="1200" dirty="0">
-                <a:latin typeface="+mj-lt"/>
-              </a:rPr>
-              <a:t>	</a:t>
-            </a:r>
-          </a:p>
-          <a:p>
-            <a:r>
-              <a:rPr lang="zh-CN" altLang="en-US" sz="1400" dirty="0" smtClean="0">
-                <a:latin typeface="+mj-lt"/>
-              </a:rPr>
-              <a:t>源代码</a:t>
-            </a:r>
-            <a:endParaRPr lang="en-US" altLang="zh-CN" sz="1400" dirty="0" smtClean="0">
-              <a:latin typeface="+mj-lt"/>
-            </a:endParaRPr>
-          </a:p>
-          <a:p>
-            <a:pPr lvl="1"/>
-            <a:r>
-              <a:rPr lang="en-US" altLang="zh-CN" sz="1200" dirty="0" smtClean="0">
-                <a:latin typeface="+mj-lt"/>
-              </a:rPr>
-              <a:t>GitHub</a:t>
-            </a:r>
-          </a:p>
-          <a:p>
-            <a:pPr lvl="1"/>
-            <a:r>
-              <a:rPr lang="en-US" altLang="zh-CN" sz="1200" dirty="0" smtClean="0">
-                <a:latin typeface="+mj-lt"/>
-              </a:rPr>
-              <a:t>SVN</a:t>
-            </a:r>
-            <a:endParaRPr lang="en-US" altLang="zh-CN" sz="1200" dirty="0">
-              <a:latin typeface="+mj-lt"/>
-            </a:endParaRPr>
-          </a:p>
-          <a:p>
-            <a:r>
-              <a:rPr lang="zh-CN" altLang="en-US" sz="1200" dirty="0" smtClean="0">
-                <a:latin typeface="+mj-lt"/>
-              </a:rPr>
-              <a:t>网络硬盘</a:t>
-            </a:r>
-            <a:endParaRPr lang="en-US" altLang="zh-CN" sz="1200" dirty="0">
-              <a:latin typeface="+mj-lt"/>
-            </a:endParaRPr>
-          </a:p>
-          <a:p>
-            <a:pPr lvl="1"/>
-            <a:r>
-              <a:rPr lang="zh-CN" altLang="en-US" sz="1000" dirty="0" smtClean="0">
-                <a:latin typeface="+mj-lt"/>
-              </a:rPr>
-              <a:t>百度云盘</a:t>
-            </a:r>
-            <a:endParaRPr lang="en-US" altLang="zh-CN" sz="1000" dirty="0">
-              <a:latin typeface="+mj-lt"/>
-            </a:endParaRPr>
-          </a:p>
-          <a:p>
-            <a:pPr lvl="1"/>
-            <a:r>
-              <a:rPr lang="zh-CN" altLang="en-US" sz="1000" dirty="0" smtClean="0">
-                <a:latin typeface="+mj-lt"/>
-              </a:rPr>
+              <a:rPr lang="zh-CN" altLang="en-US" sz="1200" dirty="0"/>
               <a:t>腾讯云盘</a:t>
             </a:r>
-            <a:endParaRPr lang="en-US" altLang="zh-CN" sz="1000" dirty="0" smtClean="0">
-              <a:latin typeface="+mj-lt"/>
-            </a:endParaRPr>
-          </a:p>
-          <a:p>
-            <a:pPr lvl="1"/>
-            <a:endParaRPr lang="en-US" altLang="zh-CN" sz="1000" dirty="0" smtClean="0">
-              <a:latin typeface="+mj-lt"/>
-            </a:endParaRPr>
-          </a:p>
-          <a:p>
-            <a:pPr marL="274320" lvl="1" indent="0">
-              <a:buNone/>
-            </a:pPr>
-            <a:r>
-              <a:rPr lang="en-US" altLang="zh-CN" sz="1200" dirty="0">
-                <a:latin typeface="+mj-lt"/>
-              </a:rPr>
-              <a:t>	</a:t>
-            </a:r>
-            <a:endParaRPr lang="zh-CN" altLang="en-US" sz="1200" dirty="0">
-              <a:latin typeface="+mj-lt"/>
-            </a:endParaRPr>
-          </a:p>
-        </p:txBody>
-      </p:sp>
-      <p:sp>
-        <p:nvSpPr>
-          <p:cNvPr id="5" name="内容占位符 2"/>
-          <p:cNvSpPr txBox="1">
-            <a:spLocks/>
-          </p:cNvSpPr>
-          <p:nvPr/>
-        </p:nvSpPr>
-        <p:spPr>
-          <a:xfrm>
-            <a:off x="8094453" y="1842603"/>
-            <a:ext cx="3462067" cy="4340812"/>
-          </a:xfrm>
-          <a:prstGeom prst="rect">
-            <a:avLst/>
-          </a:prstGeom>
-          <a:effectLst>
-            <a:reflection blurRad="6350" stA="52000" endA="300" endPos="35000" dir="5400000" sy="-100000" algn="bl" rotWithShape="0"/>
-          </a:effectLst>
-        </p:spPr>
-        <p:style>
-          <a:lnRef idx="1">
-            <a:schemeClr val="accent2"/>
-          </a:lnRef>
-          <a:fillRef idx="2">
-            <a:schemeClr val="accent2"/>
-          </a:fillRef>
-          <a:effectRef idx="1">
-            <a:schemeClr val="accent2"/>
-          </a:effectRef>
-          <a:fontRef idx="minor">
-            <a:schemeClr val="dk1"/>
-          </a:fontRef>
-        </p:style>
-        <p:txBody>
-          <a:bodyPr vert="horz" lIns="91440" tIns="45720" rIns="91440" bIns="45720" rtlCol="0">
-            <a:normAutofit/>
-          </a:bodyPr>
-          <a:lstStyle>
-            <a:defPPr>
-              <a:defRPr lang="en-US"/>
-            </a:defPPr>
-            <a:lvl1pPr marL="182880" indent="-182880" defTabSz="914400">
-              <a:lnSpc>
-                <a:spcPct val="100000"/>
-              </a:lnSpc>
-              <a:spcBef>
-                <a:spcPts val="900"/>
-              </a:spcBef>
-              <a:spcAft>
-                <a:spcPts val="0"/>
-              </a:spcAft>
-              <a:buClr>
-                <a:schemeClr val="tx1">
-                  <a:lumMod val="85000"/>
-                  <a:lumOff val="15000"/>
-                </a:schemeClr>
-              </a:buClr>
-              <a:buFont typeface="Garamond" pitchFamily="18" charset="0"/>
-              <a:buChar char="◦"/>
-            </a:lvl1pPr>
-            <a:lvl2pPr lvl="1" indent="-182880" defTabSz="914400">
-              <a:lnSpc>
-                <a:spcPct val="100000"/>
-              </a:lnSpc>
-              <a:spcBef>
-                <a:spcPts val="500"/>
-              </a:spcBef>
-              <a:buClr>
-                <a:schemeClr val="tx1">
-                  <a:lumMod val="85000"/>
-                  <a:lumOff val="15000"/>
-                </a:schemeClr>
-              </a:buClr>
-              <a:buFont typeface="Garamond" pitchFamily="18" charset="0"/>
-              <a:buChar char="◦"/>
-              <a:defRPr sz="1600"/>
-            </a:lvl2pPr>
-            <a:lvl3pPr marL="731520" indent="-182880" defTabSz="914400">
-              <a:lnSpc>
-                <a:spcPct val="100000"/>
-              </a:lnSpc>
-              <a:spcBef>
-                <a:spcPts val="500"/>
-              </a:spcBef>
-              <a:buClr>
-                <a:schemeClr val="tx1">
-                  <a:lumMod val="85000"/>
-                  <a:lumOff val="15000"/>
-                </a:schemeClr>
-              </a:buClr>
-              <a:buFont typeface="Garamond" pitchFamily="18" charset="0"/>
-              <a:buChar char="◦"/>
-              <a:defRPr sz="1400"/>
-            </a:lvl3pPr>
-            <a:lvl4pPr marL="1005840" indent="-182880" defTabSz="914400">
-              <a:lnSpc>
-                <a:spcPct val="100000"/>
-              </a:lnSpc>
-              <a:spcBef>
-                <a:spcPts val="500"/>
-              </a:spcBef>
-              <a:buClr>
-                <a:schemeClr val="tx1">
-                  <a:lumMod val="85000"/>
-                  <a:lumOff val="15000"/>
-                </a:schemeClr>
-              </a:buClr>
-              <a:buFont typeface="Garamond" pitchFamily="18" charset="0"/>
-              <a:buChar char="◦"/>
-              <a:defRPr sz="1400"/>
-            </a:lvl4pPr>
-            <a:lvl5pPr marL="1280160" indent="-182880" defTabSz="914400">
-              <a:lnSpc>
-                <a:spcPct val="100000"/>
-              </a:lnSpc>
-              <a:spcBef>
-                <a:spcPts val="500"/>
-              </a:spcBef>
-              <a:buClr>
-                <a:schemeClr val="tx1">
-                  <a:lumMod val="85000"/>
-                  <a:lumOff val="15000"/>
-                </a:schemeClr>
-              </a:buClr>
-              <a:buFont typeface="Garamond" pitchFamily="18" charset="0"/>
-              <a:buChar char="◦"/>
-              <a:defRPr sz="1400"/>
-            </a:lvl5pPr>
-            <a:lvl6pPr marL="1600000" indent="-228600" defTabSz="914400">
-              <a:lnSpc>
-                <a:spcPct val="100000"/>
-              </a:lnSpc>
-              <a:spcBef>
-                <a:spcPts val="500"/>
-              </a:spcBef>
-              <a:buClr>
-                <a:schemeClr val="tx1">
-                  <a:lumMod val="85000"/>
-                  <a:lumOff val="15000"/>
-                </a:schemeClr>
-              </a:buClr>
-              <a:buFont typeface="Garamond" pitchFamily="18" charset="0"/>
-              <a:buChar char="◦"/>
-              <a:defRPr sz="1400"/>
-            </a:lvl6pPr>
-            <a:lvl7pPr marL="1900000" indent="-228600" defTabSz="914400">
-              <a:lnSpc>
-                <a:spcPct val="100000"/>
-              </a:lnSpc>
-              <a:spcBef>
-                <a:spcPts val="500"/>
-              </a:spcBef>
-              <a:buClr>
-                <a:schemeClr val="tx1">
-                  <a:lumMod val="85000"/>
-                  <a:lumOff val="15000"/>
-                </a:schemeClr>
-              </a:buClr>
-              <a:buFont typeface="Garamond" pitchFamily="18" charset="0"/>
-              <a:buChar char="◦"/>
-              <a:defRPr sz="1400"/>
-            </a:lvl7pPr>
-            <a:lvl8pPr marL="2200000" indent="-228600" defTabSz="914400">
-              <a:lnSpc>
-                <a:spcPct val="100000"/>
-              </a:lnSpc>
-              <a:spcBef>
-                <a:spcPts val="500"/>
-              </a:spcBef>
-              <a:buClr>
-                <a:schemeClr val="tx1">
-                  <a:lumMod val="85000"/>
-                  <a:lumOff val="15000"/>
-                </a:schemeClr>
-              </a:buClr>
-              <a:buFont typeface="Garamond" pitchFamily="18" charset="0"/>
-              <a:buChar char="◦"/>
-              <a:defRPr sz="1400"/>
-            </a:lvl8pPr>
-            <a:lvl9pPr marL="2500000" indent="-228600" defTabSz="914400">
-              <a:lnSpc>
-                <a:spcPct val="100000"/>
-              </a:lnSpc>
-              <a:spcBef>
-                <a:spcPts val="500"/>
-              </a:spcBef>
-              <a:buClr>
-                <a:schemeClr val="tx1">
-                  <a:lumMod val="85000"/>
-                  <a:lumOff val="15000"/>
-                </a:schemeClr>
-              </a:buClr>
-              <a:buFont typeface="Garamond" pitchFamily="18" charset="0"/>
-              <a:buChar char="◦"/>
-              <a:defRPr sz="1400"/>
-            </a:lvl9pPr>
-          </a:lstStyle>
-          <a:p>
-            <a:r>
-              <a:rPr lang="zh-CN" altLang="en-US" sz="1200" dirty="0"/>
+            <a:endParaRPr lang="en-US" altLang="zh-CN" sz="1200" dirty="0"/>
+          </a:p>
+          <a:p>
+            <a:r>
+              <a:rPr lang="zh-CN" altLang="en-US" sz="1200" dirty="0" smtClean="0"/>
               <a:t>资源管理</a:t>
+            </a:r>
+            <a:r>
+              <a:rPr lang="en-US" altLang="zh-CN" sz="1200" dirty="0" smtClean="0"/>
+              <a:t>(3)</a:t>
             </a:r>
             <a:endParaRPr lang="en-US" altLang="zh-CN" sz="1200" dirty="0"/>
           </a:p>
@@ -12615,19 +16118,60 @@
           <a:p>
             <a:pPr lvl="1"/>
             <a:r>
-              <a:rPr lang="en-US" altLang="zh-CN" sz="1000" dirty="0" err="1"/>
+              <a:rPr lang="en-US" altLang="zh-CN" sz="1000" dirty="0" err="1" smtClean="0"/>
               <a:t>Unlocker</a:t>
             </a:r>
+            <a:endParaRPr lang="en-US" altLang="zh-CN" sz="1000" dirty="0" smtClean="0"/>
+          </a:p>
+          <a:p>
+            <a:pPr lvl="1"/>
+            <a:r>
+              <a:rPr lang="en-US" altLang="zh-CN" sz="1000" dirty="0" err="1" smtClean="0"/>
+              <a:t>BeyondCompare</a:t>
+            </a:r>
+            <a:endParaRPr lang="en-US" altLang="zh-CN" sz="1000" dirty="0" smtClean="0"/>
+          </a:p>
+          <a:p>
+            <a:r>
+              <a:rPr lang="zh-CN" altLang="en-US" sz="1200" dirty="0" smtClean="0"/>
+              <a:t>远程桌面</a:t>
+            </a:r>
+            <a:r>
+              <a:rPr lang="en-US" altLang="zh-CN" sz="1200" dirty="0" smtClean="0"/>
+              <a:t>(3)</a:t>
+            </a:r>
+          </a:p>
+          <a:p>
+            <a:pPr lvl="1"/>
+            <a:r>
+              <a:rPr lang="en-US" altLang="zh-CN" sz="1000" dirty="0" smtClean="0"/>
+              <a:t>TeamViewer</a:t>
+            </a:r>
+          </a:p>
+          <a:p>
+            <a:pPr lvl="1"/>
+            <a:r>
+              <a:rPr lang="zh-CN" altLang="en-US" sz="1000" dirty="0" smtClean="0"/>
+              <a:t>向日葵</a:t>
+            </a:r>
+            <a:endParaRPr lang="en-US" altLang="zh-CN" sz="1000" dirty="0" smtClean="0"/>
+          </a:p>
+          <a:p>
+            <a:pPr lvl="1"/>
+            <a:r>
+              <a:rPr lang="en-US" altLang="zh-CN" sz="1000" dirty="0" smtClean="0"/>
+              <a:t>RDC</a:t>
+            </a:r>
             <a:endParaRPr lang="en-US" altLang="zh-CN" sz="1000" dirty="0"/>
           </a:p>
           <a:p>
             <a:r>
               <a:rPr lang="zh-CN" altLang="en-US" sz="1200" dirty="0" smtClean="0"/>
-              <a:t>技术</a:t>
-            </a:r>
-            <a:r>
-              <a:rPr lang="zh-CN" altLang="en-US" sz="1200" dirty="0"/>
-              <a:t>论坛</a:t>
+              <a:t>技术论坛</a:t>
+            </a:r>
+            <a:r>
+              <a:rPr lang="en-US" altLang="zh-CN" sz="1200" dirty="0" smtClean="0"/>
+              <a:t>(5)</a:t>
             </a:r>
             <a:endParaRPr lang="en-US" altLang="zh-CN" sz="1200" dirty="0"/>
           </a:p>
@@ -12681,7 +16225,7 @@
     </p:spTree>
     <p:extLst>
       <p:ext uri="{BB962C8B-B14F-4D97-AF65-F5344CB8AC3E}">
-        <p14:creationId xmlns:p14="http://schemas.microsoft.com/office/powerpoint/2010/main" val="1918762190"/>
+        <p14:creationId xmlns:p14="http://schemas.microsoft.com/office/powerpoint/2010/main" val="2599118563"/>
       </p:ext>
     </p:extLst>
   </p:cSld>
@@ -12695,100 +16239,6 @@
       </p:par>
     </p:tnLst>
   </p:timing>
-</p:sld>
-</file>
-
-<file path=ppt/slides/slide5.xml><?xml version="1.0" encoding="utf-8"?>
-<p:sld xmlns:a="http://schemas.openxmlformats.org/drawingml/2006/main" xmlns:r="http://schemas.openxmlformats.org/officeDocument/2006/relationships" xmlns:p="http://schemas.openxmlformats.org/presentationml/2006/main">
-  <p:cSld>
-    <p:spTree>
-      <p:nvGrpSpPr>
-        <p:cNvPr id="1" name=""/>
-        <p:cNvGrpSpPr/>
-        <p:nvPr/>
-      </p:nvGrpSpPr>
-      <p:grpSpPr>
-        <a:xfrm>
-          <a:off x="0" y="0"/>
-          <a:ext cx="0" cy="0"/>
-          <a:chOff x="0" y="0"/>
-          <a:chExt cx="0" cy="0"/>
-        </a:xfrm>
-      </p:grpSpPr>
-      <p:sp>
-        <p:nvSpPr>
-          <p:cNvPr id="2" name="标题 1"/>
-          <p:cNvSpPr>
-            <a:spLocks noGrp="1"/>
-          </p:cNvSpPr>
-          <p:nvPr>
-            <p:ph type="title"/>
-          </p:nvPr>
-        </p:nvSpPr>
-        <p:spPr/>
-        <p:txBody>
-          <a:bodyPr/>
-          <a:lstStyle/>
-          <a:p>
-            <a:r>
-              <a:rPr lang="en-US" altLang="zh-CN" dirty="0" err="1"/>
-              <a:t>Nunit</a:t>
-            </a:r>
-            <a:r>
-              <a:rPr lang="zh-CN" altLang="en-US" dirty="0"/>
-              <a:t>单元测试</a:t>
-            </a:r>
-            <a:r>
-              <a:rPr lang="zh-CN" altLang="en-US" dirty="0" smtClean="0"/>
-              <a:t>篇</a:t>
-            </a:r>
-            <a:r>
-              <a:rPr lang="en-US" altLang="zh-CN" dirty="0" smtClean="0"/>
-              <a:t>------</a:t>
-            </a:r>
-            <a:r>
-              <a:rPr lang="zh-CN" altLang="en-US" sz="3200" dirty="0" smtClean="0"/>
-              <a:t>我们的现状</a:t>
-            </a:r>
-            <a:endParaRPr lang="zh-CN" altLang="en-US" sz="3200" dirty="0"/>
-          </a:p>
-        </p:txBody>
-      </p:sp>
-      <p:graphicFrame>
-        <p:nvGraphicFramePr>
-          <p:cNvPr id="6" name="内容占位符 5"/>
-          <p:cNvGraphicFramePr>
-            <a:graphicFrameLocks noGrp="1"/>
-          </p:cNvGraphicFramePr>
-          <p:nvPr>
-            <p:ph idx="1"/>
-            <p:extLst>
-              <p:ext uri="{D42A27DB-BD31-4B8C-83A1-F6EECF244321}">
-                <p14:modId xmlns:p14="http://schemas.microsoft.com/office/powerpoint/2010/main" val="2721908596"/>
-              </p:ext>
-            </p:extLst>
-          </p:nvPr>
-        </p:nvGraphicFramePr>
-        <p:xfrm>
-          <a:off x="1097279" y="1871932"/>
-          <a:ext cx="10058083" cy="3997056"/>
-        </p:xfrm>
-        <a:graphic>
-          <a:graphicData uri="http://schemas.openxmlformats.org/drawingml/2006/diagram">
-            <dgm:relIds xmlns:dgm="http://schemas.openxmlformats.org/drawingml/2006/diagram" xmlns:r="http://schemas.openxmlformats.org/officeDocument/2006/relationships" r:dm="rId2" r:lo="rId3" r:qs="rId4" r:cs="rId5"/>
-          </a:graphicData>
-        </a:graphic>
-      </p:graphicFrame>
-    </p:spTree>
-    <p:extLst>
-      <p:ext uri="{BB962C8B-B14F-4D97-AF65-F5344CB8AC3E}">
-        <p14:creationId xmlns:p14="http://schemas.microsoft.com/office/powerpoint/2010/main" val="998703063"/>
-      </p:ext>
-    </p:extLst>
-  </p:cSld>
-  <p:clrMapOvr>
-    <a:masterClrMapping/>
-  </p:clrMapOvr>
 </p:sld>
 </file>
 
@@ -12825,16 +16275,113 @@
           <a:lstStyle/>
           <a:p>
             <a:r>
+              <a:rPr lang="en-US" altLang="zh-CN" dirty="0" err="1"/>
+              <a:t>Nunit</a:t>
+            </a:r>
+            <a:r>
+              <a:rPr lang="zh-CN" altLang="en-US" dirty="0"/>
+              <a:t>单元测试</a:t>
+            </a:r>
+            <a:r>
+              <a:rPr lang="zh-CN" altLang="en-US" dirty="0" smtClean="0"/>
+              <a:t>篇</a:t>
+            </a:r>
+            <a:r>
+              <a:rPr lang="en-US" altLang="zh-CN" dirty="0" smtClean="0"/>
+              <a:t>------</a:t>
+            </a:r>
+            <a:r>
+              <a:rPr lang="zh-CN" altLang="en-US" sz="3200" dirty="0" smtClean="0"/>
+              <a:t>我们的现状</a:t>
+            </a:r>
+            <a:endParaRPr lang="zh-CN" altLang="en-US" sz="3200" dirty="0"/>
+          </a:p>
+        </p:txBody>
+      </p:sp>
+      <p:graphicFrame>
+        <p:nvGraphicFramePr>
+          <p:cNvPr id="6" name="内容占位符 5"/>
+          <p:cNvGraphicFramePr>
+            <a:graphicFrameLocks noGrp="1"/>
+          </p:cNvGraphicFramePr>
+          <p:nvPr>
+            <p:ph idx="1"/>
+            <p:extLst>
+              <p:ext uri="{D42A27DB-BD31-4B8C-83A1-F6EECF244321}">
+                <p14:modId xmlns:p14="http://schemas.microsoft.com/office/powerpoint/2010/main" val="660415223"/>
+              </p:ext>
+            </p:extLst>
+          </p:nvPr>
+        </p:nvGraphicFramePr>
+        <p:xfrm>
+          <a:off x="1097279" y="1871932"/>
+          <a:ext cx="10058083" cy="3997056"/>
+        </p:xfrm>
+        <a:graphic>
+          <a:graphicData uri="http://schemas.openxmlformats.org/drawingml/2006/diagram">
+            <dgm:relIds xmlns:dgm="http://schemas.openxmlformats.org/drawingml/2006/diagram" xmlns:r="http://schemas.openxmlformats.org/officeDocument/2006/relationships" r:dm="rId2" r:lo="rId3" r:qs="rId4" r:cs="rId5"/>
+          </a:graphicData>
+        </a:graphic>
+      </p:graphicFrame>
+    </p:spTree>
+    <p:extLst>
+      <p:ext uri="{BB962C8B-B14F-4D97-AF65-F5344CB8AC3E}">
+        <p14:creationId xmlns:p14="http://schemas.microsoft.com/office/powerpoint/2010/main" val="998703063"/>
+      </p:ext>
+    </p:extLst>
+  </p:cSld>
+  <p:clrMapOvr>
+    <a:masterClrMapping/>
+  </p:clrMapOvr>
+  <p:timing>
+    <p:tnLst>
+      <p:par>
+        <p:cTn id="1" dur="indefinite" restart="never" nodeType="tmRoot"/>
+      </p:par>
+    </p:tnLst>
+  </p:timing>
+</p:sld>
+</file>
+
+<file path=ppt/slides/slide7.xml><?xml version="1.0" encoding="utf-8"?>
+<p:sld xmlns:a="http://schemas.openxmlformats.org/drawingml/2006/main" xmlns:r="http://schemas.openxmlformats.org/officeDocument/2006/relationships" xmlns:p="http://schemas.openxmlformats.org/presentationml/2006/main">
+  <p:cSld>
+    <p:spTree>
+      <p:nvGrpSpPr>
+        <p:cNvPr id="1" name=""/>
+        <p:cNvGrpSpPr/>
+        <p:nvPr/>
+      </p:nvGrpSpPr>
+      <p:grpSpPr>
+        <a:xfrm>
+          <a:off x="0" y="0"/>
+          <a:ext cx="0" cy="0"/>
+          <a:chOff x="0" y="0"/>
+          <a:chExt cx="0" cy="0"/>
+        </a:xfrm>
+      </p:grpSpPr>
+      <p:sp>
+        <p:nvSpPr>
+          <p:cNvPr id="2" name="标题 1"/>
+          <p:cNvSpPr>
+            <a:spLocks noGrp="1"/>
+          </p:cNvSpPr>
+          <p:nvPr>
+            <p:ph type="title"/>
+          </p:nvPr>
+        </p:nvSpPr>
+        <p:spPr/>
+        <p:txBody>
+          <a:bodyPr/>
+          <a:lstStyle/>
+          <a:p>
+            <a:r>
               <a:rPr lang="en-US" altLang="zh-CN" dirty="0" err="1" smtClean="0"/>
               <a:t>Nunit</a:t>
             </a:r>
             <a:r>
               <a:rPr lang="zh-CN" altLang="en-US" dirty="0" smtClean="0"/>
-              <a:t>单元测试</a:t>
-            </a:r>
-            <a:r>
-              <a:rPr lang="zh-CN" altLang="en-US" dirty="0" smtClean="0"/>
-              <a:t>篇</a:t>
+              <a:t>单元测试篇</a:t>
             </a:r>
             <a:r>
               <a:rPr lang="en-US" altLang="zh-CN" dirty="0" smtClean="0"/>
@@ -13124,7 +16671,7 @@
 </p:sld>
 </file>
 
-<file path=ppt/slides/slide7.xml><?xml version="1.0" encoding="utf-8"?>
+<file path=ppt/slides/slide8.xml><?xml version="1.0" encoding="utf-8"?>
 <p:sld xmlns:a="http://schemas.openxmlformats.org/drawingml/2006/main" xmlns:r="http://schemas.openxmlformats.org/officeDocument/2006/relationships" xmlns:p="http://schemas.openxmlformats.org/presentationml/2006/main">
   <p:cSld>
     <p:spTree>
@@ -13225,12 +16772,86 @@
           <a:p>
             <a:endParaRPr lang="en-US" altLang="zh-CN" dirty="0" smtClean="0"/>
           </a:p>
-          <a:p>
-            <a:r>
-              <a:rPr lang="en-US" altLang="zh-CN" dirty="0" smtClean="0"/>
+        </p:txBody>
+      </p:sp>
+      <p:graphicFrame>
+        <p:nvGraphicFramePr>
+          <p:cNvPr id="7" name="图示 6"/>
+          <p:cNvGraphicFramePr/>
+          <p:nvPr>
+            <p:extLst>
+              <p:ext uri="{D42A27DB-BD31-4B8C-83A1-F6EECF244321}">
+                <p14:modId xmlns:p14="http://schemas.microsoft.com/office/powerpoint/2010/main" val="3362071838"/>
+              </p:ext>
+            </p:extLst>
+          </p:nvPr>
+        </p:nvGraphicFramePr>
+        <p:xfrm>
+          <a:off x="5379049" y="2717321"/>
+          <a:ext cx="3971985" cy="3559035"/>
+        </p:xfrm>
+        <a:graphic>
+          <a:graphicData uri="http://schemas.openxmlformats.org/drawingml/2006/diagram">
+            <dgm:relIds xmlns:dgm="http://schemas.openxmlformats.org/drawingml/2006/diagram" xmlns:r="http://schemas.openxmlformats.org/officeDocument/2006/relationships" r:dm="rId2" r:lo="rId3" r:qs="rId4" r:cs="rId5"/>
+          </a:graphicData>
+        </a:graphic>
+      </p:graphicFrame>
+      <p:sp>
+        <p:nvSpPr>
+          <p:cNvPr id="8" name="矩形 7"/>
+          <p:cNvSpPr/>
+          <p:nvPr/>
+        </p:nvSpPr>
+        <p:spPr>
+          <a:xfrm>
+            <a:off x="1642042" y="3192877"/>
+            <a:ext cx="3645806" cy="923330"/>
+          </a:xfrm>
+          <a:prstGeom prst="rect">
+            <a:avLst/>
+          </a:prstGeom>
+          <a:noFill/>
+        </p:spPr>
+        <p:txBody>
+          <a:bodyPr wrap="none" lIns="91440" tIns="45720" rIns="91440" bIns="45720">
+            <a:spAutoFit/>
+          </a:bodyPr>
+          <a:lstStyle/>
+          <a:p>
+            <a:pPr algn="ctr"/>
+            <a:r>
+              <a:rPr lang="en-US" altLang="zh-CN" sz="5400" b="1" cap="none" spc="0" dirty="0" smtClean="0">
+                <a:ln w="22225">
+                  <a:solidFill>
+                    <a:schemeClr val="accent2"/>
+                  </a:solidFill>
+                  <a:prstDash val="solid"/>
+                </a:ln>
+                <a:solidFill>
+                  <a:schemeClr val="accent2">
+                    <a:lumMod val="40000"/>
+                    <a:lumOff val="60000"/>
+                  </a:schemeClr>
+                </a:solidFill>
+                <a:effectLst/>
+              </a:rPr>
               <a:t>Demo Show</a:t>
             </a:r>
-            <a:endParaRPr lang="zh-CN" altLang="en-US" dirty="0"/>
+            <a:endParaRPr lang="zh-CN" altLang="en-US" sz="5400" b="1" cap="none" spc="0" dirty="0">
+              <a:ln w="22225">
+                <a:solidFill>
+                  <a:schemeClr val="accent2"/>
+                </a:solidFill>
+                <a:prstDash val="solid"/>
+              </a:ln>
+              <a:solidFill>
+                <a:schemeClr val="accent2">
+                  <a:lumMod val="40000"/>
+                  <a:lumOff val="60000"/>
+                </a:schemeClr>
+              </a:solidFill>
+              <a:effectLst/>
+            </a:endParaRPr>
           </a:p>
         </p:txBody>
       </p:sp>
@@ -13254,7 +16875,7 @@
 </p:sld>
 </file>
 
-<file path=ppt/slides/slide8.xml><?xml version="1.0" encoding="utf-8"?>
+<file path=ppt/slides/slide9.xml><?xml version="1.0" encoding="utf-8"?>
 <p:sld xmlns:a="http://schemas.openxmlformats.org/drawingml/2006/main" xmlns:r="http://schemas.openxmlformats.org/officeDocument/2006/relationships" xmlns:p="http://schemas.openxmlformats.org/presentationml/2006/main">
   <p:cSld>
     <p:spTree>

--- a/MyCProgram/周会PPT/开发经验分享.pptx
+++ b/MyCProgram/周会PPT/开发经验分享.pptx
@@ -7,13 +7,14 @@
   <p:sldIdLst>
     <p:sldId id="256" r:id="rId2"/>
     <p:sldId id="261" r:id="rId3"/>
-    <p:sldId id="263" r:id="rId4"/>
-    <p:sldId id="258" r:id="rId5"/>
-    <p:sldId id="268" r:id="rId6"/>
-    <p:sldId id="267" r:id="rId7"/>
-    <p:sldId id="265" r:id="rId8"/>
-    <p:sldId id="266" r:id="rId9"/>
-    <p:sldId id="264" r:id="rId10"/>
+    <p:sldId id="269" r:id="rId4"/>
+    <p:sldId id="263" r:id="rId5"/>
+    <p:sldId id="258" r:id="rId6"/>
+    <p:sldId id="268" r:id="rId7"/>
+    <p:sldId id="267" r:id="rId8"/>
+    <p:sldId id="265" r:id="rId9"/>
+    <p:sldId id="266" r:id="rId10"/>
+    <p:sldId id="264" r:id="rId11"/>
   </p:sldIdLst>
   <p:sldSz cx="12192000" cy="6858000"/>
   <p:notesSz cx="6858000" cy="9144000"/>
@@ -3576,1415 +3577,6 @@
       <dsp:cNvGrpSpPr/>
     </dsp:nvGrpSpPr>
     <dsp:grpSpPr/>
-    <dsp:sp modelId="{124ACD5E-67B4-40C2-BFD5-0611EF5E08E1}">
-      <dsp:nvSpPr>
-        <dsp:cNvPr id="0" name=""/>
-        <dsp:cNvSpPr/>
-      </dsp:nvSpPr>
-      <dsp:spPr>
-        <a:xfrm>
-          <a:off x="-4517827" y="-692893"/>
-          <a:ext cx="5382843" cy="5382843"/>
-        </a:xfrm>
-        <a:prstGeom prst="blockArc">
-          <a:avLst>
-            <a:gd name="adj1" fmla="val 18900000"/>
-            <a:gd name="adj2" fmla="val 2700000"/>
-            <a:gd name="adj3" fmla="val 401"/>
-          </a:avLst>
-        </a:prstGeom>
-        <a:noFill/>
-        <a:ln w="15875" cap="flat" cmpd="sng" algn="ctr">
-          <a:solidFill>
-            <a:schemeClr val="accent6">
-              <a:hueOff val="0"/>
-              <a:satOff val="0"/>
-              <a:lumOff val="0"/>
-              <a:alphaOff val="0"/>
-            </a:schemeClr>
-          </a:solidFill>
-          <a:prstDash val="solid"/>
-        </a:ln>
-        <a:effectLst/>
-        <a:scene3d>
-          <a:camera prst="orthographicFront"/>
-          <a:lightRig rig="threePt" dir="t">
-            <a:rot lat="0" lon="0" rev="7500000"/>
-          </a:lightRig>
-        </a:scene3d>
-        <a:sp3d z="-40000" prstMaterial="matte"/>
-      </dsp:spPr>
-      <dsp:style>
-        <a:lnRef idx="2">
-          <a:scrgbClr r="0" g="0" b="0"/>
-        </a:lnRef>
-        <a:fillRef idx="0">
-          <a:scrgbClr r="0" g="0" b="0"/>
-        </a:fillRef>
-        <a:effectRef idx="0">
-          <a:scrgbClr r="0" g="0" b="0"/>
-        </a:effectRef>
-        <a:fontRef idx="minor"/>
-      </dsp:style>
-    </dsp:sp>
-    <dsp:sp modelId="{E0091BDB-7DEA-4720-97D2-461A0DA6CC22}">
-      <dsp:nvSpPr>
-        <dsp:cNvPr id="0" name=""/>
-        <dsp:cNvSpPr/>
-      </dsp:nvSpPr>
-      <dsp:spPr>
-        <a:xfrm>
-          <a:off x="280393" y="181706"/>
-          <a:ext cx="9724328" cy="363252"/>
-        </a:xfrm>
-        <a:prstGeom prst="rect">
-          <a:avLst/>
-        </a:prstGeom>
-        <a:gradFill rotWithShape="0">
-          <a:gsLst>
-            <a:gs pos="0">
-              <a:schemeClr val="accent5">
-                <a:hueOff val="0"/>
-                <a:satOff val="0"/>
-                <a:lumOff val="0"/>
-                <a:alphaOff val="0"/>
-                <a:shade val="85000"/>
-                <a:satMod val="130000"/>
-              </a:schemeClr>
-            </a:gs>
-            <a:gs pos="34000">
-              <a:schemeClr val="accent5">
-                <a:hueOff val="0"/>
-                <a:satOff val="0"/>
-                <a:lumOff val="0"/>
-                <a:alphaOff val="0"/>
-                <a:shade val="87000"/>
-                <a:satMod val="125000"/>
-              </a:schemeClr>
-            </a:gs>
-            <a:gs pos="70000">
-              <a:schemeClr val="accent5">
-                <a:hueOff val="0"/>
-                <a:satOff val="0"/>
-                <a:lumOff val="0"/>
-                <a:alphaOff val="0"/>
-                <a:tint val="100000"/>
-                <a:shade val="90000"/>
-                <a:satMod val="130000"/>
-              </a:schemeClr>
-            </a:gs>
-            <a:gs pos="100000">
-              <a:schemeClr val="accent5">
-                <a:hueOff val="0"/>
-                <a:satOff val="0"/>
-                <a:lumOff val="0"/>
-                <a:alphaOff val="0"/>
-                <a:tint val="100000"/>
-                <a:shade val="100000"/>
-                <a:satMod val="110000"/>
-              </a:schemeClr>
-            </a:gs>
-          </a:gsLst>
-          <a:path path="circle">
-            <a:fillToRect l="100000" t="100000" r="100000" b="100000"/>
-          </a:path>
-        </a:gradFill>
-        <a:ln>
-          <a:noFill/>
-        </a:ln>
-        <a:effectLst>
-          <a:outerShdw blurRad="38100" dist="25400" dir="2700000" algn="br" rotWithShape="0">
-            <a:srgbClr val="000000">
-              <a:alpha val="60000"/>
-            </a:srgbClr>
-          </a:outerShdw>
-        </a:effectLst>
-        <a:scene3d>
-          <a:camera prst="orthographicFront"/>
-          <a:lightRig rig="threePt" dir="t">
-            <a:rot lat="0" lon="0" rev="7500000"/>
-          </a:lightRig>
-        </a:scene3d>
-        <a:sp3d prstMaterial="plastic">
-          <a:bevelT w="127000" h="25400" prst="relaxedInset"/>
-        </a:sp3d>
-      </dsp:spPr>
-      <dsp:style>
-        <a:lnRef idx="0">
-          <a:scrgbClr r="0" g="0" b="0"/>
-        </a:lnRef>
-        <a:fillRef idx="3">
-          <a:scrgbClr r="0" g="0" b="0"/>
-        </a:fillRef>
-        <a:effectRef idx="2">
-          <a:scrgbClr r="0" g="0" b="0"/>
-        </a:effectRef>
-        <a:fontRef idx="minor">
-          <a:schemeClr val="lt1"/>
-        </a:fontRef>
-      </dsp:style>
-      <dsp:txBody>
-        <a:bodyPr spcFirstLastPara="0" vert="horz" wrap="square" lIns="288332" tIns="45720" rIns="45720" bIns="45720" numCol="1" spcCol="1270" anchor="ctr" anchorCtr="0">
-          <a:noAutofit/>
-        </a:bodyPr>
-        <a:lstStyle/>
-        <a:p>
-          <a:pPr lvl="0" algn="l" defTabSz="800100">
-            <a:lnSpc>
-              <a:spcPct val="90000"/>
-            </a:lnSpc>
-            <a:spcBef>
-              <a:spcPct val="0"/>
-            </a:spcBef>
-            <a:spcAft>
-              <a:spcPct val="35000"/>
-            </a:spcAft>
-          </a:pPr>
-          <a:r>
-            <a:rPr lang="zh-CN" altLang="en-US" sz="1800" kern="1200" dirty="0" smtClean="0"/>
-            <a:t>昨天入库接口都是好的，今天怎么不行了</a:t>
-          </a:r>
-          <a:endParaRPr lang="zh-CN" altLang="en-US" sz="1800" kern="1200" dirty="0"/>
-        </a:p>
-      </dsp:txBody>
-      <dsp:txXfrm>
-        <a:off x="280393" y="181706"/>
-        <a:ext cx="9724328" cy="363252"/>
-      </dsp:txXfrm>
-    </dsp:sp>
-    <dsp:sp modelId="{BDA49033-9FBB-4AD8-9E08-B856DC7C0643}">
-      <dsp:nvSpPr>
-        <dsp:cNvPr id="0" name=""/>
-        <dsp:cNvSpPr/>
-      </dsp:nvSpPr>
-      <dsp:spPr>
-        <a:xfrm>
-          <a:off x="53360" y="136299"/>
-          <a:ext cx="454065" cy="454065"/>
-        </a:xfrm>
-        <a:prstGeom prst="ellipse">
-          <a:avLst/>
-        </a:prstGeom>
-        <a:solidFill>
-          <a:schemeClr val="lt1">
-            <a:hueOff val="0"/>
-            <a:satOff val="0"/>
-            <a:lumOff val="0"/>
-            <a:alphaOff val="0"/>
-          </a:schemeClr>
-        </a:solidFill>
-        <a:ln w="12700" cap="flat" cmpd="sng" algn="ctr">
-          <a:solidFill>
-            <a:schemeClr val="accent5">
-              <a:hueOff val="0"/>
-              <a:satOff val="0"/>
-              <a:lumOff val="0"/>
-              <a:alphaOff val="0"/>
-            </a:schemeClr>
-          </a:solidFill>
-          <a:prstDash val="solid"/>
-        </a:ln>
-        <a:effectLst>
-          <a:outerShdw blurRad="38100" dist="25400" dir="2700000" algn="br" rotWithShape="0">
-            <a:srgbClr val="000000">
-              <a:alpha val="60000"/>
-            </a:srgbClr>
-          </a:outerShdw>
-        </a:effectLst>
-        <a:scene3d>
-          <a:camera prst="orthographicFront"/>
-          <a:lightRig rig="threePt" dir="t">
-            <a:rot lat="0" lon="0" rev="7500000"/>
-          </a:lightRig>
-        </a:scene3d>
-        <a:sp3d z="152400" extrusionH="63500" prstMaterial="dkEdge">
-          <a:bevelT w="120800" h="19050" prst="relaxedInset"/>
-          <a:contourClr>
-            <a:schemeClr val="bg1"/>
-          </a:contourClr>
-        </a:sp3d>
-      </dsp:spPr>
-      <dsp:style>
-        <a:lnRef idx="1">
-          <a:scrgbClr r="0" g="0" b="0"/>
-        </a:lnRef>
-        <a:fillRef idx="1">
-          <a:scrgbClr r="0" g="0" b="0"/>
-        </a:fillRef>
-        <a:effectRef idx="2">
-          <a:scrgbClr r="0" g="0" b="0"/>
-        </a:effectRef>
-        <a:fontRef idx="minor"/>
-      </dsp:style>
-    </dsp:sp>
-    <dsp:sp modelId="{38526C05-7594-46C1-830B-E7D1ACA96C2E}">
-      <dsp:nvSpPr>
-        <dsp:cNvPr id="0" name=""/>
-        <dsp:cNvSpPr/>
-      </dsp:nvSpPr>
-      <dsp:spPr>
-        <a:xfrm>
-          <a:off x="609351" y="726904"/>
-          <a:ext cx="9395371" cy="363252"/>
-        </a:xfrm>
-        <a:prstGeom prst="rect">
-          <a:avLst/>
-        </a:prstGeom>
-        <a:gradFill rotWithShape="0">
-          <a:gsLst>
-            <a:gs pos="0">
-              <a:schemeClr val="accent5">
-                <a:hueOff val="354520"/>
-                <a:satOff val="-3982"/>
-                <a:lumOff val="-850"/>
-                <a:alphaOff val="0"/>
-                <a:shade val="85000"/>
-                <a:satMod val="130000"/>
-              </a:schemeClr>
-            </a:gs>
-            <a:gs pos="34000">
-              <a:schemeClr val="accent5">
-                <a:hueOff val="354520"/>
-                <a:satOff val="-3982"/>
-                <a:lumOff val="-850"/>
-                <a:alphaOff val="0"/>
-                <a:shade val="87000"/>
-                <a:satMod val="125000"/>
-              </a:schemeClr>
-            </a:gs>
-            <a:gs pos="70000">
-              <a:schemeClr val="accent5">
-                <a:hueOff val="354520"/>
-                <a:satOff val="-3982"/>
-                <a:lumOff val="-850"/>
-                <a:alphaOff val="0"/>
-                <a:tint val="100000"/>
-                <a:shade val="90000"/>
-                <a:satMod val="130000"/>
-              </a:schemeClr>
-            </a:gs>
-            <a:gs pos="100000">
-              <a:schemeClr val="accent5">
-                <a:hueOff val="354520"/>
-                <a:satOff val="-3982"/>
-                <a:lumOff val="-850"/>
-                <a:alphaOff val="0"/>
-                <a:tint val="100000"/>
-                <a:shade val="100000"/>
-                <a:satMod val="110000"/>
-              </a:schemeClr>
-            </a:gs>
-          </a:gsLst>
-          <a:path path="circle">
-            <a:fillToRect l="100000" t="100000" r="100000" b="100000"/>
-          </a:path>
-        </a:gradFill>
-        <a:ln>
-          <a:noFill/>
-        </a:ln>
-        <a:effectLst>
-          <a:outerShdw blurRad="38100" dist="25400" dir="2700000" algn="br" rotWithShape="0">
-            <a:srgbClr val="000000">
-              <a:alpha val="60000"/>
-            </a:srgbClr>
-          </a:outerShdw>
-        </a:effectLst>
-        <a:scene3d>
-          <a:camera prst="orthographicFront"/>
-          <a:lightRig rig="threePt" dir="t">
-            <a:rot lat="0" lon="0" rev="7500000"/>
-          </a:lightRig>
-        </a:scene3d>
-        <a:sp3d prstMaterial="plastic">
-          <a:bevelT w="127000" h="25400" prst="relaxedInset"/>
-        </a:sp3d>
-      </dsp:spPr>
-      <dsp:style>
-        <a:lnRef idx="0">
-          <a:scrgbClr r="0" g="0" b="0"/>
-        </a:lnRef>
-        <a:fillRef idx="3">
-          <a:scrgbClr r="0" g="0" b="0"/>
-        </a:fillRef>
-        <a:effectRef idx="2">
-          <a:scrgbClr r="0" g="0" b="0"/>
-        </a:effectRef>
-        <a:fontRef idx="minor">
-          <a:schemeClr val="lt1"/>
-        </a:fontRef>
-      </dsp:style>
-      <dsp:txBody>
-        <a:bodyPr spcFirstLastPara="0" vert="horz" wrap="square" lIns="288332" tIns="45720" rIns="45720" bIns="45720" numCol="1" spcCol="1270" anchor="ctr" anchorCtr="0">
-          <a:noAutofit/>
-        </a:bodyPr>
-        <a:lstStyle/>
-        <a:p>
-          <a:pPr lvl="0" algn="l" defTabSz="800100">
-            <a:lnSpc>
-              <a:spcPct val="90000"/>
-            </a:lnSpc>
-            <a:spcBef>
-              <a:spcPct val="0"/>
-            </a:spcBef>
-            <a:spcAft>
-              <a:spcPct val="35000"/>
-            </a:spcAft>
-          </a:pPr>
-          <a:r>
-            <a:rPr lang="zh-CN" altLang="en-US" sz="1800" kern="1200" dirty="0" smtClean="0"/>
-            <a:t>流程楼上都好的</a:t>
-          </a:r>
-          <a:endParaRPr lang="zh-CN" altLang="en-US" sz="1800" kern="1200" dirty="0"/>
-        </a:p>
-      </dsp:txBody>
-      <dsp:txXfrm>
-        <a:off x="609351" y="726904"/>
-        <a:ext cx="9395371" cy="363252"/>
-      </dsp:txXfrm>
-    </dsp:sp>
-    <dsp:sp modelId="{415A8B48-25A3-435E-AB16-A415974B8F89}">
-      <dsp:nvSpPr>
-        <dsp:cNvPr id="0" name=""/>
-        <dsp:cNvSpPr/>
-      </dsp:nvSpPr>
-      <dsp:spPr>
-        <a:xfrm>
-          <a:off x="382318" y="681498"/>
-          <a:ext cx="454065" cy="454065"/>
-        </a:xfrm>
-        <a:prstGeom prst="ellipse">
-          <a:avLst/>
-        </a:prstGeom>
-        <a:solidFill>
-          <a:schemeClr val="lt1">
-            <a:hueOff val="0"/>
-            <a:satOff val="0"/>
-            <a:lumOff val="0"/>
-            <a:alphaOff val="0"/>
-          </a:schemeClr>
-        </a:solidFill>
-        <a:ln w="12700" cap="flat" cmpd="sng" algn="ctr">
-          <a:solidFill>
-            <a:schemeClr val="accent5">
-              <a:hueOff val="354520"/>
-              <a:satOff val="-3982"/>
-              <a:lumOff val="-850"/>
-              <a:alphaOff val="0"/>
-            </a:schemeClr>
-          </a:solidFill>
-          <a:prstDash val="solid"/>
-        </a:ln>
-        <a:effectLst>
-          <a:outerShdw blurRad="38100" dist="25400" dir="2700000" algn="br" rotWithShape="0">
-            <a:srgbClr val="000000">
-              <a:alpha val="60000"/>
-            </a:srgbClr>
-          </a:outerShdw>
-        </a:effectLst>
-        <a:scene3d>
-          <a:camera prst="orthographicFront"/>
-          <a:lightRig rig="threePt" dir="t">
-            <a:rot lat="0" lon="0" rev="7500000"/>
-          </a:lightRig>
-        </a:scene3d>
-        <a:sp3d z="152400" extrusionH="63500" prstMaterial="dkEdge">
-          <a:bevelT w="120800" h="19050" prst="relaxedInset"/>
-          <a:contourClr>
-            <a:schemeClr val="bg1"/>
-          </a:contourClr>
-        </a:sp3d>
-      </dsp:spPr>
-      <dsp:style>
-        <a:lnRef idx="1">
-          <a:scrgbClr r="0" g="0" b="0"/>
-        </a:lnRef>
-        <a:fillRef idx="1">
-          <a:scrgbClr r="0" g="0" b="0"/>
-        </a:fillRef>
-        <a:effectRef idx="2">
-          <a:scrgbClr r="0" g="0" b="0"/>
-        </a:effectRef>
-        <a:fontRef idx="minor"/>
-      </dsp:style>
-    </dsp:sp>
-    <dsp:sp modelId="{E080A739-2A5E-455E-8889-926A6431F95E}">
-      <dsp:nvSpPr>
-        <dsp:cNvPr id="0" name=""/>
-        <dsp:cNvSpPr/>
-      </dsp:nvSpPr>
-      <dsp:spPr>
-        <a:xfrm>
-          <a:off x="789618" y="1271703"/>
-          <a:ext cx="9215103" cy="363252"/>
-        </a:xfrm>
-        <a:prstGeom prst="rect">
-          <a:avLst/>
-        </a:prstGeom>
-        <a:gradFill rotWithShape="0">
-          <a:gsLst>
-            <a:gs pos="0">
-              <a:schemeClr val="accent5">
-                <a:hueOff val="709040"/>
-                <a:satOff val="-7964"/>
-                <a:lumOff val="-1699"/>
-                <a:alphaOff val="0"/>
-                <a:shade val="85000"/>
-                <a:satMod val="130000"/>
-              </a:schemeClr>
-            </a:gs>
-            <a:gs pos="34000">
-              <a:schemeClr val="accent5">
-                <a:hueOff val="709040"/>
-                <a:satOff val="-7964"/>
-                <a:lumOff val="-1699"/>
-                <a:alphaOff val="0"/>
-                <a:shade val="87000"/>
-                <a:satMod val="125000"/>
-              </a:schemeClr>
-            </a:gs>
-            <a:gs pos="70000">
-              <a:schemeClr val="accent5">
-                <a:hueOff val="709040"/>
-                <a:satOff val="-7964"/>
-                <a:lumOff val="-1699"/>
-                <a:alphaOff val="0"/>
-                <a:tint val="100000"/>
-                <a:shade val="90000"/>
-                <a:satMod val="130000"/>
-              </a:schemeClr>
-            </a:gs>
-            <a:gs pos="100000">
-              <a:schemeClr val="accent5">
-                <a:hueOff val="709040"/>
-                <a:satOff val="-7964"/>
-                <a:lumOff val="-1699"/>
-                <a:alphaOff val="0"/>
-                <a:tint val="100000"/>
-                <a:shade val="100000"/>
-                <a:satMod val="110000"/>
-              </a:schemeClr>
-            </a:gs>
-          </a:gsLst>
-          <a:path path="circle">
-            <a:fillToRect l="100000" t="100000" r="100000" b="100000"/>
-          </a:path>
-        </a:gradFill>
-        <a:ln>
-          <a:noFill/>
-        </a:ln>
-        <a:effectLst>
-          <a:outerShdw blurRad="38100" dist="25400" dir="2700000" algn="br" rotWithShape="0">
-            <a:srgbClr val="000000">
-              <a:alpha val="60000"/>
-            </a:srgbClr>
-          </a:outerShdw>
-        </a:effectLst>
-        <a:scene3d>
-          <a:camera prst="orthographicFront"/>
-          <a:lightRig rig="threePt" dir="t">
-            <a:rot lat="0" lon="0" rev="7500000"/>
-          </a:lightRig>
-        </a:scene3d>
-        <a:sp3d prstMaterial="plastic">
-          <a:bevelT w="127000" h="25400" prst="relaxedInset"/>
-        </a:sp3d>
-      </dsp:spPr>
-      <dsp:style>
-        <a:lnRef idx="0">
-          <a:scrgbClr r="0" g="0" b="0"/>
-        </a:lnRef>
-        <a:fillRef idx="3">
-          <a:scrgbClr r="0" g="0" b="0"/>
-        </a:fillRef>
-        <a:effectRef idx="2">
-          <a:scrgbClr r="0" g="0" b="0"/>
-        </a:effectRef>
-        <a:fontRef idx="minor">
-          <a:schemeClr val="lt1"/>
-        </a:fontRef>
-      </dsp:style>
-      <dsp:txBody>
-        <a:bodyPr spcFirstLastPara="0" vert="horz" wrap="square" lIns="288332" tIns="45720" rIns="45720" bIns="45720" numCol="1" spcCol="1270" anchor="ctr" anchorCtr="0">
-          <a:noAutofit/>
-        </a:bodyPr>
-        <a:lstStyle/>
-        <a:p>
-          <a:pPr lvl="0" algn="l" defTabSz="800100">
-            <a:lnSpc>
-              <a:spcPct val="90000"/>
-            </a:lnSpc>
-            <a:spcBef>
-              <a:spcPct val="0"/>
-            </a:spcBef>
-            <a:spcAft>
-              <a:spcPct val="35000"/>
-            </a:spcAft>
-          </a:pPr>
-          <a:r>
-            <a:rPr lang="zh-CN" altLang="en-US" sz="1800" kern="1200" dirty="0" smtClean="0"/>
-            <a:t>谁把</a:t>
-          </a:r>
-          <a:r>
-            <a:rPr lang="en-US" altLang="zh-CN" sz="1800" kern="1200" dirty="0" smtClean="0"/>
-            <a:t>CMAPI</a:t>
-          </a:r>
-          <a:r>
-            <a:rPr lang="zh-CN" altLang="en-US" sz="1800" kern="1200" dirty="0" smtClean="0"/>
-            <a:t>心跳接口改了</a:t>
-          </a:r>
-          <a:endParaRPr lang="zh-CN" altLang="en-US" sz="1800" kern="1200" dirty="0"/>
-        </a:p>
-      </dsp:txBody>
-      <dsp:txXfrm>
-        <a:off x="789618" y="1271703"/>
-        <a:ext cx="9215103" cy="363252"/>
-      </dsp:txXfrm>
-    </dsp:sp>
-    <dsp:sp modelId="{FB44826F-B88D-49FE-B2A8-355F4AE3A5F1}">
-      <dsp:nvSpPr>
-        <dsp:cNvPr id="0" name=""/>
-        <dsp:cNvSpPr/>
-      </dsp:nvSpPr>
-      <dsp:spPr>
-        <a:xfrm>
-          <a:off x="562585" y="1226296"/>
-          <a:ext cx="454065" cy="454065"/>
-        </a:xfrm>
-        <a:prstGeom prst="ellipse">
-          <a:avLst/>
-        </a:prstGeom>
-        <a:solidFill>
-          <a:schemeClr val="lt1">
-            <a:hueOff val="0"/>
-            <a:satOff val="0"/>
-            <a:lumOff val="0"/>
-            <a:alphaOff val="0"/>
-          </a:schemeClr>
-        </a:solidFill>
-        <a:ln w="12700" cap="flat" cmpd="sng" algn="ctr">
-          <a:solidFill>
-            <a:schemeClr val="accent5">
-              <a:hueOff val="709040"/>
-              <a:satOff val="-7964"/>
-              <a:lumOff val="-1699"/>
-              <a:alphaOff val="0"/>
-            </a:schemeClr>
-          </a:solidFill>
-          <a:prstDash val="solid"/>
-        </a:ln>
-        <a:effectLst>
-          <a:outerShdw blurRad="38100" dist="25400" dir="2700000" algn="br" rotWithShape="0">
-            <a:srgbClr val="000000">
-              <a:alpha val="60000"/>
-            </a:srgbClr>
-          </a:outerShdw>
-        </a:effectLst>
-        <a:scene3d>
-          <a:camera prst="orthographicFront"/>
-          <a:lightRig rig="threePt" dir="t">
-            <a:rot lat="0" lon="0" rev="7500000"/>
-          </a:lightRig>
-        </a:scene3d>
-        <a:sp3d z="152400" extrusionH="63500" prstMaterial="dkEdge">
-          <a:bevelT w="120800" h="19050" prst="relaxedInset"/>
-          <a:contourClr>
-            <a:schemeClr val="bg1"/>
-          </a:contourClr>
-        </a:sp3d>
-      </dsp:spPr>
-      <dsp:style>
-        <a:lnRef idx="1">
-          <a:scrgbClr r="0" g="0" b="0"/>
-        </a:lnRef>
-        <a:fillRef idx="1">
-          <a:scrgbClr r="0" g="0" b="0"/>
-        </a:fillRef>
-        <a:effectRef idx="2">
-          <a:scrgbClr r="0" g="0" b="0"/>
-        </a:effectRef>
-        <a:fontRef idx="minor"/>
-      </dsp:style>
-    </dsp:sp>
-    <dsp:sp modelId="{4361318F-CD5E-45F4-B288-BE0AA7661E66}">
-      <dsp:nvSpPr>
-        <dsp:cNvPr id="0" name=""/>
-        <dsp:cNvSpPr/>
-      </dsp:nvSpPr>
-      <dsp:spPr>
-        <a:xfrm>
-          <a:off x="847176" y="1816901"/>
-          <a:ext cx="9157546" cy="363252"/>
-        </a:xfrm>
-        <a:prstGeom prst="rect">
-          <a:avLst/>
-        </a:prstGeom>
-        <a:gradFill rotWithShape="0">
-          <a:gsLst>
-            <a:gs pos="0">
-              <a:schemeClr val="accent5">
-                <a:hueOff val="1063560"/>
-                <a:satOff val="-11946"/>
-                <a:lumOff val="-2549"/>
-                <a:alphaOff val="0"/>
-                <a:shade val="85000"/>
-                <a:satMod val="130000"/>
-              </a:schemeClr>
-            </a:gs>
-            <a:gs pos="34000">
-              <a:schemeClr val="accent5">
-                <a:hueOff val="1063560"/>
-                <a:satOff val="-11946"/>
-                <a:lumOff val="-2549"/>
-                <a:alphaOff val="0"/>
-                <a:shade val="87000"/>
-                <a:satMod val="125000"/>
-              </a:schemeClr>
-            </a:gs>
-            <a:gs pos="70000">
-              <a:schemeClr val="accent5">
-                <a:hueOff val="1063560"/>
-                <a:satOff val="-11946"/>
-                <a:lumOff val="-2549"/>
-                <a:alphaOff val="0"/>
-                <a:tint val="100000"/>
-                <a:shade val="90000"/>
-                <a:satMod val="130000"/>
-              </a:schemeClr>
-            </a:gs>
-            <a:gs pos="100000">
-              <a:schemeClr val="accent5">
-                <a:hueOff val="1063560"/>
-                <a:satOff val="-11946"/>
-                <a:lumOff val="-2549"/>
-                <a:alphaOff val="0"/>
-                <a:tint val="100000"/>
-                <a:shade val="100000"/>
-                <a:satMod val="110000"/>
-              </a:schemeClr>
-            </a:gs>
-          </a:gsLst>
-          <a:path path="circle">
-            <a:fillToRect l="100000" t="100000" r="100000" b="100000"/>
-          </a:path>
-        </a:gradFill>
-        <a:ln>
-          <a:noFill/>
-        </a:ln>
-        <a:effectLst>
-          <a:outerShdw blurRad="38100" dist="25400" dir="2700000" algn="br" rotWithShape="0">
-            <a:srgbClr val="000000">
-              <a:alpha val="60000"/>
-            </a:srgbClr>
-          </a:outerShdw>
-        </a:effectLst>
-        <a:scene3d>
-          <a:camera prst="orthographicFront"/>
-          <a:lightRig rig="threePt" dir="t">
-            <a:rot lat="0" lon="0" rev="7500000"/>
-          </a:lightRig>
-        </a:scene3d>
-        <a:sp3d prstMaterial="plastic">
-          <a:bevelT w="127000" h="25400" prst="relaxedInset"/>
-        </a:sp3d>
-      </dsp:spPr>
-      <dsp:style>
-        <a:lnRef idx="0">
-          <a:scrgbClr r="0" g="0" b="0"/>
-        </a:lnRef>
-        <a:fillRef idx="3">
-          <a:scrgbClr r="0" g="0" b="0"/>
-        </a:fillRef>
-        <a:effectRef idx="2">
-          <a:scrgbClr r="0" g="0" b="0"/>
-        </a:effectRef>
-        <a:fontRef idx="minor">
-          <a:schemeClr val="lt1"/>
-        </a:fontRef>
-      </dsp:style>
-      <dsp:txBody>
-        <a:bodyPr spcFirstLastPara="0" vert="horz" wrap="square" lIns="288332" tIns="45720" rIns="45720" bIns="45720" numCol="1" spcCol="1270" anchor="ctr" anchorCtr="0">
-          <a:noAutofit/>
-        </a:bodyPr>
-        <a:lstStyle/>
-        <a:p>
-          <a:pPr lvl="0" algn="l" defTabSz="800100">
-            <a:lnSpc>
-              <a:spcPct val="90000"/>
-            </a:lnSpc>
-            <a:spcBef>
-              <a:spcPct val="0"/>
-            </a:spcBef>
-            <a:spcAft>
-              <a:spcPct val="35000"/>
-            </a:spcAft>
-          </a:pPr>
-          <a:r>
-            <a:rPr lang="zh-CN" altLang="en-US" sz="1800" kern="1200" dirty="0" smtClean="0"/>
-            <a:t>谁动了我的节目入库接口</a:t>
-          </a:r>
-          <a:endParaRPr lang="zh-CN" altLang="en-US" sz="1800" kern="1200" dirty="0"/>
-        </a:p>
-      </dsp:txBody>
-      <dsp:txXfrm>
-        <a:off x="847176" y="1816901"/>
-        <a:ext cx="9157546" cy="363252"/>
-      </dsp:txXfrm>
-    </dsp:sp>
-    <dsp:sp modelId="{47866B62-142A-43B6-B22A-B242F728C140}">
-      <dsp:nvSpPr>
-        <dsp:cNvPr id="0" name=""/>
-        <dsp:cNvSpPr/>
-      </dsp:nvSpPr>
-      <dsp:spPr>
-        <a:xfrm>
-          <a:off x="620143" y="1771495"/>
-          <a:ext cx="454065" cy="454065"/>
-        </a:xfrm>
-        <a:prstGeom prst="ellipse">
-          <a:avLst/>
-        </a:prstGeom>
-        <a:solidFill>
-          <a:schemeClr val="lt1">
-            <a:hueOff val="0"/>
-            <a:satOff val="0"/>
-            <a:lumOff val="0"/>
-            <a:alphaOff val="0"/>
-          </a:schemeClr>
-        </a:solidFill>
-        <a:ln w="12700" cap="flat" cmpd="sng" algn="ctr">
-          <a:solidFill>
-            <a:schemeClr val="accent5">
-              <a:hueOff val="1063560"/>
-              <a:satOff val="-11946"/>
-              <a:lumOff val="-2549"/>
-              <a:alphaOff val="0"/>
-            </a:schemeClr>
-          </a:solidFill>
-          <a:prstDash val="solid"/>
-        </a:ln>
-        <a:effectLst>
-          <a:outerShdw blurRad="38100" dist="25400" dir="2700000" algn="br" rotWithShape="0">
-            <a:srgbClr val="000000">
-              <a:alpha val="60000"/>
-            </a:srgbClr>
-          </a:outerShdw>
-        </a:effectLst>
-        <a:scene3d>
-          <a:camera prst="orthographicFront"/>
-          <a:lightRig rig="threePt" dir="t">
-            <a:rot lat="0" lon="0" rev="7500000"/>
-          </a:lightRig>
-        </a:scene3d>
-        <a:sp3d z="152400" extrusionH="63500" prstMaterial="dkEdge">
-          <a:bevelT w="120800" h="19050" prst="relaxedInset"/>
-          <a:contourClr>
-            <a:schemeClr val="bg1"/>
-          </a:contourClr>
-        </a:sp3d>
-      </dsp:spPr>
-      <dsp:style>
-        <a:lnRef idx="1">
-          <a:scrgbClr r="0" g="0" b="0"/>
-        </a:lnRef>
-        <a:fillRef idx="1">
-          <a:scrgbClr r="0" g="0" b="0"/>
-        </a:fillRef>
-        <a:effectRef idx="2">
-          <a:scrgbClr r="0" g="0" b="0"/>
-        </a:effectRef>
-        <a:fontRef idx="minor"/>
-      </dsp:style>
-    </dsp:sp>
-    <dsp:sp modelId="{50FDF325-B7AF-42F1-B8B7-47030B591ABD}">
-      <dsp:nvSpPr>
-        <dsp:cNvPr id="0" name=""/>
-        <dsp:cNvSpPr/>
-      </dsp:nvSpPr>
-      <dsp:spPr>
-        <a:xfrm>
-          <a:off x="789618" y="2362100"/>
-          <a:ext cx="9215103" cy="363252"/>
-        </a:xfrm>
-        <a:prstGeom prst="rect">
-          <a:avLst/>
-        </a:prstGeom>
-        <a:gradFill rotWithShape="0">
-          <a:gsLst>
-            <a:gs pos="0">
-              <a:schemeClr val="accent5">
-                <a:hueOff val="1418080"/>
-                <a:satOff val="-15927"/>
-                <a:lumOff val="-3399"/>
-                <a:alphaOff val="0"/>
-                <a:shade val="85000"/>
-                <a:satMod val="130000"/>
-              </a:schemeClr>
-            </a:gs>
-            <a:gs pos="34000">
-              <a:schemeClr val="accent5">
-                <a:hueOff val="1418080"/>
-                <a:satOff val="-15927"/>
-                <a:lumOff val="-3399"/>
-                <a:alphaOff val="0"/>
-                <a:shade val="87000"/>
-                <a:satMod val="125000"/>
-              </a:schemeClr>
-            </a:gs>
-            <a:gs pos="70000">
-              <a:schemeClr val="accent5">
-                <a:hueOff val="1418080"/>
-                <a:satOff val="-15927"/>
-                <a:lumOff val="-3399"/>
-                <a:alphaOff val="0"/>
-                <a:tint val="100000"/>
-                <a:shade val="90000"/>
-                <a:satMod val="130000"/>
-              </a:schemeClr>
-            </a:gs>
-            <a:gs pos="100000">
-              <a:schemeClr val="accent5">
-                <a:hueOff val="1418080"/>
-                <a:satOff val="-15927"/>
-                <a:lumOff val="-3399"/>
-                <a:alphaOff val="0"/>
-                <a:tint val="100000"/>
-                <a:shade val="100000"/>
-                <a:satMod val="110000"/>
-              </a:schemeClr>
-            </a:gs>
-          </a:gsLst>
-          <a:path path="circle">
-            <a:fillToRect l="100000" t="100000" r="100000" b="100000"/>
-          </a:path>
-        </a:gradFill>
-        <a:ln>
-          <a:noFill/>
-        </a:ln>
-        <a:effectLst>
-          <a:outerShdw blurRad="38100" dist="25400" dir="2700000" algn="br" rotWithShape="0">
-            <a:srgbClr val="000000">
-              <a:alpha val="60000"/>
-            </a:srgbClr>
-          </a:outerShdw>
-        </a:effectLst>
-        <a:scene3d>
-          <a:camera prst="orthographicFront"/>
-          <a:lightRig rig="threePt" dir="t">
-            <a:rot lat="0" lon="0" rev="7500000"/>
-          </a:lightRig>
-        </a:scene3d>
-        <a:sp3d prstMaterial="plastic">
-          <a:bevelT w="127000" h="25400" prst="relaxedInset"/>
-        </a:sp3d>
-      </dsp:spPr>
-      <dsp:style>
-        <a:lnRef idx="0">
-          <a:scrgbClr r="0" g="0" b="0"/>
-        </a:lnRef>
-        <a:fillRef idx="3">
-          <a:scrgbClr r="0" g="0" b="0"/>
-        </a:fillRef>
-        <a:effectRef idx="2">
-          <a:scrgbClr r="0" g="0" b="0"/>
-        </a:effectRef>
-        <a:fontRef idx="minor">
-          <a:schemeClr val="lt1"/>
-        </a:fontRef>
-      </dsp:style>
-      <dsp:txBody>
-        <a:bodyPr spcFirstLastPara="0" vert="horz" wrap="square" lIns="288332" tIns="45720" rIns="45720" bIns="45720" numCol="1" spcCol="1270" anchor="ctr" anchorCtr="0">
-          <a:noAutofit/>
-        </a:bodyPr>
-        <a:lstStyle/>
-        <a:p>
-          <a:pPr lvl="0" algn="l" defTabSz="800100">
-            <a:lnSpc>
-              <a:spcPct val="90000"/>
-            </a:lnSpc>
-            <a:spcBef>
-              <a:spcPct val="0"/>
-            </a:spcBef>
-            <a:spcAft>
-              <a:spcPct val="35000"/>
-            </a:spcAft>
-          </a:pPr>
-          <a:r>
-            <a:rPr lang="zh-CN" altLang="en-US" sz="1800" kern="1200" dirty="0" smtClean="0"/>
-            <a:t>我改</a:t>
-          </a:r>
-          <a:r>
-            <a:rPr lang="en-US" altLang="zh-CN" sz="1800" kern="1200" dirty="0" smtClean="0"/>
-            <a:t>CMAPI</a:t>
-          </a:r>
-          <a:r>
-            <a:rPr lang="zh-CN" altLang="en-US" sz="1800" kern="1200" dirty="0" smtClean="0"/>
-            <a:t>这个接口，但不知道有什么影响</a:t>
-          </a:r>
-          <a:endParaRPr lang="zh-CN" altLang="en-US" sz="1800" kern="1200" dirty="0"/>
-        </a:p>
-      </dsp:txBody>
-      <dsp:txXfrm>
-        <a:off x="789618" y="2362100"/>
-        <a:ext cx="9215103" cy="363252"/>
-      </dsp:txXfrm>
-    </dsp:sp>
-    <dsp:sp modelId="{142CF9D2-6B08-4695-9E65-93985DEFB60B}">
-      <dsp:nvSpPr>
-        <dsp:cNvPr id="0" name=""/>
-        <dsp:cNvSpPr/>
-      </dsp:nvSpPr>
-      <dsp:spPr>
-        <a:xfrm>
-          <a:off x="562585" y="2316693"/>
-          <a:ext cx="454065" cy="454065"/>
-        </a:xfrm>
-        <a:prstGeom prst="ellipse">
-          <a:avLst/>
-        </a:prstGeom>
-        <a:solidFill>
-          <a:schemeClr val="lt1">
-            <a:hueOff val="0"/>
-            <a:satOff val="0"/>
-            <a:lumOff val="0"/>
-            <a:alphaOff val="0"/>
-          </a:schemeClr>
-        </a:solidFill>
-        <a:ln w="12700" cap="flat" cmpd="sng" algn="ctr">
-          <a:solidFill>
-            <a:schemeClr val="accent5">
-              <a:hueOff val="1418080"/>
-              <a:satOff val="-15927"/>
-              <a:lumOff val="-3399"/>
-              <a:alphaOff val="0"/>
-            </a:schemeClr>
-          </a:solidFill>
-          <a:prstDash val="solid"/>
-        </a:ln>
-        <a:effectLst>
-          <a:outerShdw blurRad="38100" dist="25400" dir="2700000" algn="br" rotWithShape="0">
-            <a:srgbClr val="000000">
-              <a:alpha val="60000"/>
-            </a:srgbClr>
-          </a:outerShdw>
-        </a:effectLst>
-        <a:scene3d>
-          <a:camera prst="orthographicFront"/>
-          <a:lightRig rig="threePt" dir="t">
-            <a:rot lat="0" lon="0" rev="7500000"/>
-          </a:lightRig>
-        </a:scene3d>
-        <a:sp3d z="152400" extrusionH="63500" prstMaterial="dkEdge">
-          <a:bevelT w="120800" h="19050" prst="relaxedInset"/>
-          <a:contourClr>
-            <a:schemeClr val="bg1"/>
-          </a:contourClr>
-        </a:sp3d>
-      </dsp:spPr>
-      <dsp:style>
-        <a:lnRef idx="1">
-          <a:scrgbClr r="0" g="0" b="0"/>
-        </a:lnRef>
-        <a:fillRef idx="1">
-          <a:scrgbClr r="0" g="0" b="0"/>
-        </a:fillRef>
-        <a:effectRef idx="2">
-          <a:scrgbClr r="0" g="0" b="0"/>
-        </a:effectRef>
-        <a:fontRef idx="minor"/>
-      </dsp:style>
-    </dsp:sp>
-    <dsp:sp modelId="{CD5DD791-8626-40B3-9334-6862A46DD5F8}">
-      <dsp:nvSpPr>
-        <dsp:cNvPr id="0" name=""/>
-        <dsp:cNvSpPr/>
-      </dsp:nvSpPr>
-      <dsp:spPr>
-        <a:xfrm>
-          <a:off x="609351" y="2906898"/>
-          <a:ext cx="9395371" cy="363252"/>
-        </a:xfrm>
-        <a:prstGeom prst="rect">
-          <a:avLst/>
-        </a:prstGeom>
-        <a:gradFill rotWithShape="0">
-          <a:gsLst>
-            <a:gs pos="0">
-              <a:schemeClr val="accent5">
-                <a:hueOff val="1772600"/>
-                <a:satOff val="-19909"/>
-                <a:lumOff val="-4248"/>
-                <a:alphaOff val="0"/>
-                <a:shade val="85000"/>
-                <a:satMod val="130000"/>
-              </a:schemeClr>
-            </a:gs>
-            <a:gs pos="34000">
-              <a:schemeClr val="accent5">
-                <a:hueOff val="1772600"/>
-                <a:satOff val="-19909"/>
-                <a:lumOff val="-4248"/>
-                <a:alphaOff val="0"/>
-                <a:shade val="87000"/>
-                <a:satMod val="125000"/>
-              </a:schemeClr>
-            </a:gs>
-            <a:gs pos="70000">
-              <a:schemeClr val="accent5">
-                <a:hueOff val="1772600"/>
-                <a:satOff val="-19909"/>
-                <a:lumOff val="-4248"/>
-                <a:alphaOff val="0"/>
-                <a:tint val="100000"/>
-                <a:shade val="90000"/>
-                <a:satMod val="130000"/>
-              </a:schemeClr>
-            </a:gs>
-            <a:gs pos="100000">
-              <a:schemeClr val="accent5">
-                <a:hueOff val="1772600"/>
-                <a:satOff val="-19909"/>
-                <a:lumOff val="-4248"/>
-                <a:alphaOff val="0"/>
-                <a:tint val="100000"/>
-                <a:shade val="100000"/>
-                <a:satMod val="110000"/>
-              </a:schemeClr>
-            </a:gs>
-          </a:gsLst>
-          <a:path path="circle">
-            <a:fillToRect l="100000" t="100000" r="100000" b="100000"/>
-          </a:path>
-        </a:gradFill>
-        <a:ln>
-          <a:noFill/>
-        </a:ln>
-        <a:effectLst>
-          <a:outerShdw blurRad="38100" dist="25400" dir="2700000" algn="br" rotWithShape="0">
-            <a:srgbClr val="000000">
-              <a:alpha val="60000"/>
-            </a:srgbClr>
-          </a:outerShdw>
-        </a:effectLst>
-        <a:scene3d>
-          <a:camera prst="orthographicFront"/>
-          <a:lightRig rig="threePt" dir="t">
-            <a:rot lat="0" lon="0" rev="7500000"/>
-          </a:lightRig>
-        </a:scene3d>
-        <a:sp3d prstMaterial="plastic">
-          <a:bevelT w="127000" h="25400" prst="relaxedInset"/>
-        </a:sp3d>
-      </dsp:spPr>
-      <dsp:style>
-        <a:lnRef idx="0">
-          <a:scrgbClr r="0" g="0" b="0"/>
-        </a:lnRef>
-        <a:fillRef idx="3">
-          <a:scrgbClr r="0" g="0" b="0"/>
-        </a:fillRef>
-        <a:effectRef idx="2">
-          <a:scrgbClr r="0" g="0" b="0"/>
-        </a:effectRef>
-        <a:fontRef idx="minor">
-          <a:schemeClr val="lt1"/>
-        </a:fontRef>
-      </dsp:style>
-      <dsp:txBody>
-        <a:bodyPr spcFirstLastPara="0" vert="horz" wrap="square" lIns="288332" tIns="45720" rIns="45720" bIns="45720" numCol="1" spcCol="1270" anchor="ctr" anchorCtr="0">
-          <a:noAutofit/>
-        </a:bodyPr>
-        <a:lstStyle/>
-        <a:p>
-          <a:pPr lvl="0" algn="l" defTabSz="800100">
-            <a:lnSpc>
-              <a:spcPct val="90000"/>
-            </a:lnSpc>
-            <a:spcBef>
-              <a:spcPct val="0"/>
-            </a:spcBef>
-            <a:spcAft>
-              <a:spcPct val="35000"/>
-            </a:spcAft>
-          </a:pPr>
-          <a:r>
-            <a:rPr lang="zh-CN" altLang="en-US" sz="1800" kern="1200" dirty="0" smtClean="0"/>
-            <a:t>想</a:t>
-          </a:r>
-          <a:r>
-            <a:rPr lang="zh-CN" altLang="en-US" sz="1800" kern="1200" smtClean="0"/>
-            <a:t>使用一下系统</a:t>
-          </a:r>
-          <a:r>
-            <a:rPr lang="zh-CN" altLang="en-US" sz="1800" kern="1200" dirty="0" smtClean="0"/>
-            <a:t>，但基本环境都不通</a:t>
-          </a:r>
-          <a:endParaRPr lang="zh-CN" altLang="en-US" sz="1800" kern="1200" dirty="0"/>
-        </a:p>
-      </dsp:txBody>
-      <dsp:txXfrm>
-        <a:off x="609351" y="2906898"/>
-        <a:ext cx="9395371" cy="363252"/>
-      </dsp:txXfrm>
-    </dsp:sp>
-    <dsp:sp modelId="{98372314-EBBF-457F-9283-DC906AE0CF79}">
-      <dsp:nvSpPr>
-        <dsp:cNvPr id="0" name=""/>
-        <dsp:cNvSpPr/>
-      </dsp:nvSpPr>
-      <dsp:spPr>
-        <a:xfrm>
-          <a:off x="382318" y="2861492"/>
-          <a:ext cx="454065" cy="454065"/>
-        </a:xfrm>
-        <a:prstGeom prst="ellipse">
-          <a:avLst/>
-        </a:prstGeom>
-        <a:solidFill>
-          <a:schemeClr val="lt1">
-            <a:hueOff val="0"/>
-            <a:satOff val="0"/>
-            <a:lumOff val="0"/>
-            <a:alphaOff val="0"/>
-          </a:schemeClr>
-        </a:solidFill>
-        <a:ln w="12700" cap="flat" cmpd="sng" algn="ctr">
-          <a:solidFill>
-            <a:schemeClr val="accent5">
-              <a:hueOff val="1772600"/>
-              <a:satOff val="-19909"/>
-              <a:lumOff val="-4248"/>
-              <a:alphaOff val="0"/>
-            </a:schemeClr>
-          </a:solidFill>
-          <a:prstDash val="solid"/>
-        </a:ln>
-        <a:effectLst>
-          <a:outerShdw blurRad="38100" dist="25400" dir="2700000" algn="br" rotWithShape="0">
-            <a:srgbClr val="000000">
-              <a:alpha val="60000"/>
-            </a:srgbClr>
-          </a:outerShdw>
-        </a:effectLst>
-        <a:scene3d>
-          <a:camera prst="orthographicFront"/>
-          <a:lightRig rig="threePt" dir="t">
-            <a:rot lat="0" lon="0" rev="7500000"/>
-          </a:lightRig>
-        </a:scene3d>
-        <a:sp3d z="152400" extrusionH="63500" prstMaterial="dkEdge">
-          <a:bevelT w="120800" h="19050" prst="relaxedInset"/>
-          <a:contourClr>
-            <a:schemeClr val="bg1"/>
-          </a:contourClr>
-        </a:sp3d>
-      </dsp:spPr>
-      <dsp:style>
-        <a:lnRef idx="1">
-          <a:scrgbClr r="0" g="0" b="0"/>
-        </a:lnRef>
-        <a:fillRef idx="1">
-          <a:scrgbClr r="0" g="0" b="0"/>
-        </a:fillRef>
-        <a:effectRef idx="2">
-          <a:scrgbClr r="0" g="0" b="0"/>
-        </a:effectRef>
-        <a:fontRef idx="minor"/>
-      </dsp:style>
-    </dsp:sp>
-    <dsp:sp modelId="{D4095E2F-98E7-4B73-9D15-982AEA537BBE}">
-      <dsp:nvSpPr>
-        <dsp:cNvPr id="0" name=""/>
-        <dsp:cNvSpPr/>
-      </dsp:nvSpPr>
-      <dsp:spPr>
-        <a:xfrm>
-          <a:off x="280393" y="3452097"/>
-          <a:ext cx="9724328" cy="363252"/>
-        </a:xfrm>
-        <a:prstGeom prst="rect">
-          <a:avLst/>
-        </a:prstGeom>
-        <a:gradFill rotWithShape="0">
-          <a:gsLst>
-            <a:gs pos="0">
-              <a:schemeClr val="accent5">
-                <a:hueOff val="2127120"/>
-                <a:satOff val="-23891"/>
-                <a:lumOff val="-5098"/>
-                <a:alphaOff val="0"/>
-                <a:shade val="85000"/>
-                <a:satMod val="130000"/>
-              </a:schemeClr>
-            </a:gs>
-            <a:gs pos="34000">
-              <a:schemeClr val="accent5">
-                <a:hueOff val="2127120"/>
-                <a:satOff val="-23891"/>
-                <a:lumOff val="-5098"/>
-                <a:alphaOff val="0"/>
-                <a:shade val="87000"/>
-                <a:satMod val="125000"/>
-              </a:schemeClr>
-            </a:gs>
-            <a:gs pos="70000">
-              <a:schemeClr val="accent5">
-                <a:hueOff val="2127120"/>
-                <a:satOff val="-23891"/>
-                <a:lumOff val="-5098"/>
-                <a:alphaOff val="0"/>
-                <a:tint val="100000"/>
-                <a:shade val="90000"/>
-                <a:satMod val="130000"/>
-              </a:schemeClr>
-            </a:gs>
-            <a:gs pos="100000">
-              <a:schemeClr val="accent5">
-                <a:hueOff val="2127120"/>
-                <a:satOff val="-23891"/>
-                <a:lumOff val="-5098"/>
-                <a:alphaOff val="0"/>
-                <a:tint val="100000"/>
-                <a:shade val="100000"/>
-                <a:satMod val="110000"/>
-              </a:schemeClr>
-            </a:gs>
-          </a:gsLst>
-          <a:path path="circle">
-            <a:fillToRect l="100000" t="100000" r="100000" b="100000"/>
-          </a:path>
-        </a:gradFill>
-        <a:ln>
-          <a:noFill/>
-        </a:ln>
-        <a:effectLst>
-          <a:outerShdw blurRad="38100" dist="25400" dir="2700000" algn="br" rotWithShape="0">
-            <a:srgbClr val="000000">
-              <a:alpha val="60000"/>
-            </a:srgbClr>
-          </a:outerShdw>
-        </a:effectLst>
-        <a:scene3d>
-          <a:camera prst="orthographicFront"/>
-          <a:lightRig rig="threePt" dir="t">
-            <a:rot lat="0" lon="0" rev="7500000"/>
-          </a:lightRig>
-        </a:scene3d>
-        <a:sp3d prstMaterial="plastic">
-          <a:bevelT w="127000" h="25400" prst="relaxedInset"/>
-        </a:sp3d>
-      </dsp:spPr>
-      <dsp:style>
-        <a:lnRef idx="0">
-          <a:scrgbClr r="0" g="0" b="0"/>
-        </a:lnRef>
-        <a:fillRef idx="3">
-          <a:scrgbClr r="0" g="0" b="0"/>
-        </a:fillRef>
-        <a:effectRef idx="2">
-          <a:scrgbClr r="0" g="0" b="0"/>
-        </a:effectRef>
-        <a:fontRef idx="minor">
-          <a:schemeClr val="lt1"/>
-        </a:fontRef>
-      </dsp:style>
-      <dsp:txBody>
-        <a:bodyPr spcFirstLastPara="0" vert="horz" wrap="square" lIns="288332" tIns="45720" rIns="45720" bIns="45720" numCol="1" spcCol="1270" anchor="ctr" anchorCtr="0">
-          <a:noAutofit/>
-        </a:bodyPr>
-        <a:lstStyle/>
-        <a:p>
-          <a:pPr lvl="0" algn="l" defTabSz="800100">
-            <a:lnSpc>
-              <a:spcPct val="90000"/>
-            </a:lnSpc>
-            <a:spcBef>
-              <a:spcPct val="0"/>
-            </a:spcBef>
-            <a:spcAft>
-              <a:spcPct val="35000"/>
-            </a:spcAft>
-          </a:pPr>
-          <a:r>
-            <a:rPr lang="zh-CN" altLang="en-US" sz="1800" kern="1200" dirty="0" smtClean="0"/>
-            <a:t>本 想是一下流程，但基础配置</a:t>
-          </a:r>
-          <a:r>
-            <a:rPr lang="zh-CN" altLang="en-US" sz="1800" kern="1200" smtClean="0"/>
-            <a:t>都没有</a:t>
-          </a:r>
-          <a:endParaRPr lang="zh-CN" altLang="en-US" sz="1800" kern="1200" dirty="0"/>
-        </a:p>
-      </dsp:txBody>
-      <dsp:txXfrm>
-        <a:off x="280393" y="3452097"/>
-        <a:ext cx="9724328" cy="363252"/>
-      </dsp:txXfrm>
-    </dsp:sp>
-    <dsp:sp modelId="{AA4C709B-6388-4305-8153-99BB28B1ADFD}">
-      <dsp:nvSpPr>
-        <dsp:cNvPr id="0" name=""/>
-        <dsp:cNvSpPr/>
-      </dsp:nvSpPr>
-      <dsp:spPr>
-        <a:xfrm>
-          <a:off x="53360" y="3406690"/>
-          <a:ext cx="454065" cy="454065"/>
-        </a:xfrm>
-        <a:prstGeom prst="ellipse">
-          <a:avLst/>
-        </a:prstGeom>
-        <a:solidFill>
-          <a:schemeClr val="lt1">
-            <a:hueOff val="0"/>
-            <a:satOff val="0"/>
-            <a:lumOff val="0"/>
-            <a:alphaOff val="0"/>
-          </a:schemeClr>
-        </a:solidFill>
-        <a:ln w="12700" cap="flat" cmpd="sng" algn="ctr">
-          <a:solidFill>
-            <a:schemeClr val="accent5">
-              <a:hueOff val="2127120"/>
-              <a:satOff val="-23891"/>
-              <a:lumOff val="-5098"/>
-              <a:alphaOff val="0"/>
-            </a:schemeClr>
-          </a:solidFill>
-          <a:prstDash val="solid"/>
-        </a:ln>
-        <a:effectLst>
-          <a:outerShdw blurRad="38100" dist="25400" dir="2700000" algn="br" rotWithShape="0">
-            <a:srgbClr val="000000">
-              <a:alpha val="60000"/>
-            </a:srgbClr>
-          </a:outerShdw>
-        </a:effectLst>
-        <a:scene3d>
-          <a:camera prst="orthographicFront"/>
-          <a:lightRig rig="threePt" dir="t">
-            <a:rot lat="0" lon="0" rev="7500000"/>
-          </a:lightRig>
-        </a:scene3d>
-        <a:sp3d z="152400" extrusionH="63500" prstMaterial="dkEdge">
-          <a:bevelT w="120800" h="19050" prst="relaxedInset"/>
-          <a:contourClr>
-            <a:schemeClr val="bg1"/>
-          </a:contourClr>
-        </a:sp3d>
-      </dsp:spPr>
-      <dsp:style>
-        <a:lnRef idx="1">
-          <a:scrgbClr r="0" g="0" b="0"/>
-        </a:lnRef>
-        <a:fillRef idx="1">
-          <a:scrgbClr r="0" g="0" b="0"/>
-        </a:fillRef>
-        <a:effectRef idx="2">
-          <a:scrgbClr r="0" g="0" b="0"/>
-        </a:effectRef>
-        <a:fontRef idx="minor"/>
-      </dsp:style>
-    </dsp:sp>
   </dsp:spTree>
 </dsp:drawing>
 </file>
@@ -4997,575 +3589,6 @@
       <dsp:cNvGrpSpPr/>
     </dsp:nvGrpSpPr>
     <dsp:grpSpPr/>
-    <dsp:sp modelId="{DD921DB1-6CA7-459C-A636-3462F795BA88}">
-      <dsp:nvSpPr>
-        <dsp:cNvPr id="0" name=""/>
-        <dsp:cNvSpPr/>
-      </dsp:nvSpPr>
-      <dsp:spPr>
-        <a:xfrm>
-          <a:off x="616924" y="410449"/>
-          <a:ext cx="2738136" cy="2738136"/>
-        </a:xfrm>
-        <a:prstGeom prst="blockArc">
-          <a:avLst>
-            <a:gd name="adj1" fmla="val 10800000"/>
-            <a:gd name="adj2" fmla="val 16200000"/>
-            <a:gd name="adj3" fmla="val 4641"/>
-          </a:avLst>
-        </a:prstGeom>
-        <a:solidFill>
-          <a:schemeClr val="accent1">
-            <a:tint val="60000"/>
-            <a:hueOff val="0"/>
-            <a:satOff val="0"/>
-            <a:lumOff val="0"/>
-            <a:alphaOff val="0"/>
-          </a:schemeClr>
-        </a:solidFill>
-        <a:ln>
-          <a:noFill/>
-        </a:ln>
-        <a:effectLst/>
-      </dsp:spPr>
-      <dsp:style>
-        <a:lnRef idx="0">
-          <a:scrgbClr r="0" g="0" b="0"/>
-        </a:lnRef>
-        <a:fillRef idx="1">
-          <a:scrgbClr r="0" g="0" b="0"/>
-        </a:fillRef>
-        <a:effectRef idx="1">
-          <a:scrgbClr r="0" g="0" b="0"/>
-        </a:effectRef>
-        <a:fontRef idx="minor">
-          <a:schemeClr val="lt1"/>
-        </a:fontRef>
-      </dsp:style>
-    </dsp:sp>
-    <dsp:sp modelId="{64573A8C-0BAE-46B3-996C-598D948EC569}">
-      <dsp:nvSpPr>
-        <dsp:cNvPr id="0" name=""/>
-        <dsp:cNvSpPr/>
-      </dsp:nvSpPr>
-      <dsp:spPr>
-        <a:xfrm>
-          <a:off x="616924" y="410449"/>
-          <a:ext cx="2738136" cy="2738136"/>
-        </a:xfrm>
-        <a:prstGeom prst="blockArc">
-          <a:avLst>
-            <a:gd name="adj1" fmla="val 5400000"/>
-            <a:gd name="adj2" fmla="val 10800000"/>
-            <a:gd name="adj3" fmla="val 4641"/>
-          </a:avLst>
-        </a:prstGeom>
-        <a:solidFill>
-          <a:schemeClr val="accent1">
-            <a:tint val="60000"/>
-            <a:hueOff val="0"/>
-            <a:satOff val="0"/>
-            <a:lumOff val="0"/>
-            <a:alphaOff val="0"/>
-          </a:schemeClr>
-        </a:solidFill>
-        <a:ln>
-          <a:noFill/>
-        </a:ln>
-        <a:effectLst/>
-      </dsp:spPr>
-      <dsp:style>
-        <a:lnRef idx="0">
-          <a:scrgbClr r="0" g="0" b="0"/>
-        </a:lnRef>
-        <a:fillRef idx="1">
-          <a:scrgbClr r="0" g="0" b="0"/>
-        </a:fillRef>
-        <a:effectRef idx="1">
-          <a:scrgbClr r="0" g="0" b="0"/>
-        </a:effectRef>
-        <a:fontRef idx="minor">
-          <a:schemeClr val="lt1"/>
-        </a:fontRef>
-      </dsp:style>
-    </dsp:sp>
-    <dsp:sp modelId="{6D2C6471-184A-42B5-862B-18126C283BE8}">
-      <dsp:nvSpPr>
-        <dsp:cNvPr id="0" name=""/>
-        <dsp:cNvSpPr/>
-      </dsp:nvSpPr>
-      <dsp:spPr>
-        <a:xfrm>
-          <a:off x="616924" y="410449"/>
-          <a:ext cx="2738136" cy="2738136"/>
-        </a:xfrm>
-        <a:prstGeom prst="blockArc">
-          <a:avLst>
-            <a:gd name="adj1" fmla="val 0"/>
-            <a:gd name="adj2" fmla="val 5400000"/>
-            <a:gd name="adj3" fmla="val 4641"/>
-          </a:avLst>
-        </a:prstGeom>
-        <a:solidFill>
-          <a:schemeClr val="accent1">
-            <a:tint val="60000"/>
-            <a:hueOff val="0"/>
-            <a:satOff val="0"/>
-            <a:lumOff val="0"/>
-            <a:alphaOff val="0"/>
-          </a:schemeClr>
-        </a:solidFill>
-        <a:ln>
-          <a:noFill/>
-        </a:ln>
-        <a:effectLst/>
-      </dsp:spPr>
-      <dsp:style>
-        <a:lnRef idx="0">
-          <a:scrgbClr r="0" g="0" b="0"/>
-        </a:lnRef>
-        <a:fillRef idx="1">
-          <a:scrgbClr r="0" g="0" b="0"/>
-        </a:fillRef>
-        <a:effectRef idx="1">
-          <a:scrgbClr r="0" g="0" b="0"/>
-        </a:effectRef>
-        <a:fontRef idx="minor">
-          <a:schemeClr val="lt1"/>
-        </a:fontRef>
-      </dsp:style>
-    </dsp:sp>
-    <dsp:sp modelId="{7AC770F5-65CC-4EE5-B9A1-0AA3B4BD28AD}">
-      <dsp:nvSpPr>
-        <dsp:cNvPr id="0" name=""/>
-        <dsp:cNvSpPr/>
-      </dsp:nvSpPr>
-      <dsp:spPr>
-        <a:xfrm>
-          <a:off x="616924" y="410449"/>
-          <a:ext cx="2738136" cy="2738136"/>
-        </a:xfrm>
-        <a:prstGeom prst="blockArc">
-          <a:avLst>
-            <a:gd name="adj1" fmla="val 16200000"/>
-            <a:gd name="adj2" fmla="val 0"/>
-            <a:gd name="adj3" fmla="val 4641"/>
-          </a:avLst>
-        </a:prstGeom>
-        <a:solidFill>
-          <a:schemeClr val="accent1">
-            <a:tint val="60000"/>
-            <a:hueOff val="0"/>
-            <a:satOff val="0"/>
-            <a:lumOff val="0"/>
-            <a:alphaOff val="0"/>
-          </a:schemeClr>
-        </a:solidFill>
-        <a:ln>
-          <a:noFill/>
-        </a:ln>
-        <a:effectLst/>
-      </dsp:spPr>
-      <dsp:style>
-        <a:lnRef idx="0">
-          <a:scrgbClr r="0" g="0" b="0"/>
-        </a:lnRef>
-        <a:fillRef idx="1">
-          <a:scrgbClr r="0" g="0" b="0"/>
-        </a:fillRef>
-        <a:effectRef idx="1">
-          <a:scrgbClr r="0" g="0" b="0"/>
-        </a:effectRef>
-        <a:fontRef idx="minor">
-          <a:schemeClr val="lt1"/>
-        </a:fontRef>
-      </dsp:style>
-    </dsp:sp>
-    <dsp:sp modelId="{720CFA53-B4BE-4D4F-874F-168A05D2C0A0}">
-      <dsp:nvSpPr>
-        <dsp:cNvPr id="0" name=""/>
-        <dsp:cNvSpPr/>
-      </dsp:nvSpPr>
-      <dsp:spPr>
-        <a:xfrm>
-          <a:off x="1355672" y="1149197"/>
-          <a:ext cx="1260639" cy="1260639"/>
-        </a:xfrm>
-        <a:prstGeom prst="ellipse">
-          <a:avLst/>
-        </a:prstGeom>
-        <a:solidFill>
-          <a:schemeClr val="accent1">
-            <a:hueOff val="0"/>
-            <a:satOff val="0"/>
-            <a:lumOff val="0"/>
-            <a:alphaOff val="0"/>
-          </a:schemeClr>
-        </a:solidFill>
-        <a:ln w="25400" cap="flat" cmpd="sng" algn="ctr">
-          <a:solidFill>
-            <a:schemeClr val="lt1">
-              <a:hueOff val="0"/>
-              <a:satOff val="0"/>
-              <a:lumOff val="0"/>
-              <a:alphaOff val="0"/>
-            </a:schemeClr>
-          </a:solidFill>
-          <a:prstDash val="solid"/>
-        </a:ln>
-        <a:effectLst/>
-      </dsp:spPr>
-      <dsp:style>
-        <a:lnRef idx="3">
-          <a:scrgbClr r="0" g="0" b="0"/>
-        </a:lnRef>
-        <a:fillRef idx="1">
-          <a:scrgbClr r="0" g="0" b="0"/>
-        </a:fillRef>
-        <a:effectRef idx="1">
-          <a:scrgbClr r="0" g="0" b="0"/>
-        </a:effectRef>
-        <a:fontRef idx="minor">
-          <a:schemeClr val="lt1"/>
-        </a:fontRef>
-      </dsp:style>
-      <dsp:txBody>
-        <a:bodyPr spcFirstLastPara="0" vert="horz" wrap="square" lIns="30480" tIns="30480" rIns="30480" bIns="30480" numCol="1" spcCol="1270" anchor="ctr" anchorCtr="0">
-          <a:noAutofit/>
-        </a:bodyPr>
-        <a:lstStyle/>
-        <a:p>
-          <a:pPr lvl="0" algn="ctr" defTabSz="1066800">
-            <a:lnSpc>
-              <a:spcPct val="90000"/>
-            </a:lnSpc>
-            <a:spcBef>
-              <a:spcPct val="0"/>
-            </a:spcBef>
-            <a:spcAft>
-              <a:spcPct val="35000"/>
-            </a:spcAft>
-          </a:pPr>
-          <a:r>
-            <a:rPr lang="en-US" altLang="zh-CN" sz="2400" kern="1200" dirty="0" err="1" smtClean="0"/>
-            <a:t>CMApi</a:t>
-          </a:r>
-          <a:endParaRPr lang="zh-CN" altLang="en-US" sz="2400" kern="1200" dirty="0"/>
-        </a:p>
-      </dsp:txBody>
-      <dsp:txXfrm>
-        <a:off x="1540288" y="1333813"/>
-        <a:ext cx="891407" cy="891407"/>
-      </dsp:txXfrm>
-    </dsp:sp>
-    <dsp:sp modelId="{9928B137-1EBC-4A85-B901-2935216D7472}">
-      <dsp:nvSpPr>
-        <dsp:cNvPr id="0" name=""/>
-        <dsp:cNvSpPr/>
-      </dsp:nvSpPr>
-      <dsp:spPr>
-        <a:xfrm>
-          <a:off x="1544768" y="993"/>
-          <a:ext cx="882447" cy="882447"/>
-        </a:xfrm>
-        <a:prstGeom prst="ellipse">
-          <a:avLst/>
-        </a:prstGeom>
-        <a:solidFill>
-          <a:schemeClr val="accent1">
-            <a:hueOff val="0"/>
-            <a:satOff val="0"/>
-            <a:lumOff val="0"/>
-            <a:alphaOff val="0"/>
-          </a:schemeClr>
-        </a:solidFill>
-        <a:ln w="25400" cap="flat" cmpd="sng" algn="ctr">
-          <a:solidFill>
-            <a:schemeClr val="lt1">
-              <a:hueOff val="0"/>
-              <a:satOff val="0"/>
-              <a:lumOff val="0"/>
-              <a:alphaOff val="0"/>
-            </a:schemeClr>
-          </a:solidFill>
-          <a:prstDash val="solid"/>
-        </a:ln>
-        <a:effectLst/>
-      </dsp:spPr>
-      <dsp:style>
-        <a:lnRef idx="3">
-          <a:scrgbClr r="0" g="0" b="0"/>
-        </a:lnRef>
-        <a:fillRef idx="1">
-          <a:scrgbClr r="0" g="0" b="0"/>
-        </a:fillRef>
-        <a:effectRef idx="1">
-          <a:scrgbClr r="0" g="0" b="0"/>
-        </a:effectRef>
-        <a:fontRef idx="minor">
-          <a:schemeClr val="lt1"/>
-        </a:fontRef>
-      </dsp:style>
-      <dsp:txBody>
-        <a:bodyPr spcFirstLastPara="0" vert="horz" wrap="square" lIns="15240" tIns="15240" rIns="15240" bIns="15240" numCol="1" spcCol="1270" anchor="ctr" anchorCtr="0">
-          <a:noAutofit/>
-        </a:bodyPr>
-        <a:lstStyle/>
-        <a:p>
-          <a:pPr lvl="0" algn="ctr" defTabSz="533400">
-            <a:lnSpc>
-              <a:spcPct val="90000"/>
-            </a:lnSpc>
-            <a:spcBef>
-              <a:spcPct val="0"/>
-            </a:spcBef>
-            <a:spcAft>
-              <a:spcPct val="35000"/>
-            </a:spcAft>
-          </a:pPr>
-          <a:r>
-            <a:rPr lang="en-US" altLang="zh-CN" sz="1200" kern="1200" dirty="0" smtClean="0"/>
-            <a:t>MOS</a:t>
-          </a:r>
-          <a:endParaRPr lang="zh-CN" altLang="en-US" sz="1200" kern="1200" dirty="0"/>
-        </a:p>
-      </dsp:txBody>
-      <dsp:txXfrm>
-        <a:off x="1673999" y="130224"/>
-        <a:ext cx="623985" cy="623985"/>
-      </dsp:txXfrm>
-    </dsp:sp>
-    <dsp:sp modelId="{FC215842-BC45-47A1-A21E-FD1B281BAD87}">
-      <dsp:nvSpPr>
-        <dsp:cNvPr id="0" name=""/>
-        <dsp:cNvSpPr/>
-      </dsp:nvSpPr>
-      <dsp:spPr>
-        <a:xfrm>
-          <a:off x="2882068" y="1338293"/>
-          <a:ext cx="882447" cy="882447"/>
-        </a:xfrm>
-        <a:prstGeom prst="ellipse">
-          <a:avLst/>
-        </a:prstGeom>
-        <a:solidFill>
-          <a:schemeClr val="accent1">
-            <a:hueOff val="0"/>
-            <a:satOff val="0"/>
-            <a:lumOff val="0"/>
-            <a:alphaOff val="0"/>
-          </a:schemeClr>
-        </a:solidFill>
-        <a:ln w="25400" cap="flat" cmpd="sng" algn="ctr">
-          <a:solidFill>
-            <a:schemeClr val="lt1">
-              <a:hueOff val="0"/>
-              <a:satOff val="0"/>
-              <a:lumOff val="0"/>
-              <a:alphaOff val="0"/>
-            </a:schemeClr>
-          </a:solidFill>
-          <a:prstDash val="solid"/>
-        </a:ln>
-        <a:effectLst/>
-      </dsp:spPr>
-      <dsp:style>
-        <a:lnRef idx="3">
-          <a:scrgbClr r="0" g="0" b="0"/>
-        </a:lnRef>
-        <a:fillRef idx="1">
-          <a:scrgbClr r="0" g="0" b="0"/>
-        </a:fillRef>
-        <a:effectRef idx="1">
-          <a:scrgbClr r="0" g="0" b="0"/>
-        </a:effectRef>
-        <a:fontRef idx="minor">
-          <a:schemeClr val="lt1"/>
-        </a:fontRef>
-      </dsp:style>
-      <dsp:txBody>
-        <a:bodyPr spcFirstLastPara="0" vert="horz" wrap="square" lIns="15240" tIns="15240" rIns="15240" bIns="15240" numCol="1" spcCol="1270" anchor="ctr" anchorCtr="0">
-          <a:noAutofit/>
-        </a:bodyPr>
-        <a:lstStyle/>
-        <a:p>
-          <a:pPr lvl="0" algn="ctr" defTabSz="533400">
-            <a:lnSpc>
-              <a:spcPct val="90000"/>
-            </a:lnSpc>
-            <a:spcBef>
-              <a:spcPct val="0"/>
-            </a:spcBef>
-            <a:spcAft>
-              <a:spcPct val="35000"/>
-            </a:spcAft>
-          </a:pPr>
-          <a:r>
-            <a:rPr lang="en-US" altLang="zh-CN" sz="1200" kern="1200" dirty="0" smtClean="0"/>
-            <a:t>CM Web</a:t>
-          </a:r>
-          <a:endParaRPr lang="zh-CN" altLang="en-US" sz="1200" kern="1200" dirty="0"/>
-        </a:p>
-      </dsp:txBody>
-      <dsp:txXfrm>
-        <a:off x="3011299" y="1467524"/>
-        <a:ext cx="623985" cy="623985"/>
-      </dsp:txXfrm>
-    </dsp:sp>
-    <dsp:sp modelId="{01D76B9C-3D0B-48C8-A480-6B66830D5693}">
-      <dsp:nvSpPr>
-        <dsp:cNvPr id="0" name=""/>
-        <dsp:cNvSpPr/>
-      </dsp:nvSpPr>
-      <dsp:spPr>
-        <a:xfrm>
-          <a:off x="1544768" y="2675593"/>
-          <a:ext cx="882447" cy="882447"/>
-        </a:xfrm>
-        <a:prstGeom prst="ellipse">
-          <a:avLst/>
-        </a:prstGeom>
-        <a:solidFill>
-          <a:schemeClr val="accent1">
-            <a:hueOff val="0"/>
-            <a:satOff val="0"/>
-            <a:lumOff val="0"/>
-            <a:alphaOff val="0"/>
-          </a:schemeClr>
-        </a:solidFill>
-        <a:ln w="25400" cap="flat" cmpd="sng" algn="ctr">
-          <a:solidFill>
-            <a:schemeClr val="lt1">
-              <a:hueOff val="0"/>
-              <a:satOff val="0"/>
-              <a:lumOff val="0"/>
-              <a:alphaOff val="0"/>
-            </a:schemeClr>
-          </a:solidFill>
-          <a:prstDash val="solid"/>
-        </a:ln>
-        <a:effectLst/>
-      </dsp:spPr>
-      <dsp:style>
-        <a:lnRef idx="3">
-          <a:scrgbClr r="0" g="0" b="0"/>
-        </a:lnRef>
-        <a:fillRef idx="1">
-          <a:scrgbClr r="0" g="0" b="0"/>
-        </a:fillRef>
-        <a:effectRef idx="1">
-          <a:scrgbClr r="0" g="0" b="0"/>
-        </a:effectRef>
-        <a:fontRef idx="minor">
-          <a:schemeClr val="lt1"/>
-        </a:fontRef>
-      </dsp:style>
-      <dsp:txBody>
-        <a:bodyPr spcFirstLastPara="0" vert="horz" wrap="square" lIns="15240" tIns="15240" rIns="15240" bIns="15240" numCol="1" spcCol="1270" anchor="ctr" anchorCtr="0">
-          <a:noAutofit/>
-        </a:bodyPr>
-        <a:lstStyle/>
-        <a:p>
-          <a:pPr lvl="0" algn="ctr" defTabSz="533400">
-            <a:lnSpc>
-              <a:spcPct val="90000"/>
-            </a:lnSpc>
-            <a:spcBef>
-              <a:spcPct val="0"/>
-            </a:spcBef>
-            <a:spcAft>
-              <a:spcPct val="35000"/>
-            </a:spcAft>
-          </a:pPr>
-          <a:r>
-            <a:rPr lang="en-US" altLang="zh-CN" sz="1200" kern="1200" dirty="0" smtClean="0"/>
-            <a:t>Premiere</a:t>
-          </a:r>
-          <a:endParaRPr lang="zh-CN" altLang="en-US" sz="1200" kern="1200" dirty="0"/>
-        </a:p>
-      </dsp:txBody>
-      <dsp:txXfrm>
-        <a:off x="1673999" y="2804824"/>
-        <a:ext cx="623985" cy="623985"/>
-      </dsp:txXfrm>
-    </dsp:sp>
-    <dsp:sp modelId="{ADFA35F2-EA04-4F8F-AE02-25EE6493E391}">
-      <dsp:nvSpPr>
-        <dsp:cNvPr id="0" name=""/>
-        <dsp:cNvSpPr/>
-      </dsp:nvSpPr>
-      <dsp:spPr>
-        <a:xfrm>
-          <a:off x="207468" y="1338293"/>
-          <a:ext cx="882447" cy="882447"/>
-        </a:xfrm>
-        <a:prstGeom prst="ellipse">
-          <a:avLst/>
-        </a:prstGeom>
-        <a:solidFill>
-          <a:schemeClr val="accent1">
-            <a:hueOff val="0"/>
-            <a:satOff val="0"/>
-            <a:lumOff val="0"/>
-            <a:alphaOff val="0"/>
-          </a:schemeClr>
-        </a:solidFill>
-        <a:ln w="25400" cap="flat" cmpd="sng" algn="ctr">
-          <a:solidFill>
-            <a:schemeClr val="lt1">
-              <a:hueOff val="0"/>
-              <a:satOff val="0"/>
-              <a:lumOff val="0"/>
-              <a:alphaOff val="0"/>
-            </a:schemeClr>
-          </a:solidFill>
-          <a:prstDash val="solid"/>
-        </a:ln>
-        <a:effectLst/>
-      </dsp:spPr>
-      <dsp:style>
-        <a:lnRef idx="3">
-          <a:scrgbClr r="0" g="0" b="0"/>
-        </a:lnRef>
-        <a:fillRef idx="1">
-          <a:scrgbClr r="0" g="0" b="0"/>
-        </a:fillRef>
-        <a:effectRef idx="1">
-          <a:scrgbClr r="0" g="0" b="0"/>
-        </a:effectRef>
-        <a:fontRef idx="minor">
-          <a:schemeClr val="lt1"/>
-        </a:fontRef>
-      </dsp:style>
-      <dsp:txBody>
-        <a:bodyPr spcFirstLastPara="0" vert="horz" wrap="square" lIns="15240" tIns="15240" rIns="15240" bIns="15240" numCol="1" spcCol="1270" anchor="ctr" anchorCtr="0">
-          <a:noAutofit/>
-        </a:bodyPr>
-        <a:lstStyle/>
-        <a:p>
-          <a:pPr lvl="0" algn="ctr" defTabSz="533400">
-            <a:lnSpc>
-              <a:spcPct val="90000"/>
-            </a:lnSpc>
-            <a:spcBef>
-              <a:spcPct val="0"/>
-            </a:spcBef>
-            <a:spcAft>
-              <a:spcPct val="35000"/>
-            </a:spcAft>
-          </a:pPr>
-          <a:r>
-            <a:rPr lang="en-US" altLang="zh-CN" sz="1200" kern="1200" dirty="0" smtClean="0"/>
-            <a:t>JOVE</a:t>
-          </a:r>
-          <a:endParaRPr lang="zh-CN" altLang="en-US" sz="1200" kern="1200" dirty="0"/>
-        </a:p>
-      </dsp:txBody>
-      <dsp:txXfrm>
-        <a:off x="336699" y="1467524"/>
-        <a:ext cx="623985" cy="623985"/>
-      </dsp:txXfrm>
-    </dsp:sp>
   </dsp:spTree>
 </dsp:drawing>
 </file>
@@ -10965,7 +8988,7 @@
           <a:p>
             <a:fld id="{DDA51639-B2D6-4652-B8C3-1B4C224A7BAF}" type="datetimeFigureOut">
               <a:rPr lang="en-US" smtClean="0"/>
-              <a:t>4/2/2016</a:t>
+              <a:t>4/5/2016</a:t>
             </a:fld>
             <a:endParaRPr lang="en-US" dirty="0"/>
           </a:p>
@@ -11174,7 +9197,7 @@
           <a:p>
             <a:fld id="{D11A6AA8-A04B-4104-9AE2-BD48D340E27F}" type="datetimeFigureOut">
               <a:rPr lang="en-US" smtClean="0"/>
-              <a:t>4/2/2016</a:t>
+              <a:t>4/5/2016</a:t>
             </a:fld>
             <a:endParaRPr lang="en-US" dirty="0"/>
           </a:p>
@@ -11430,7 +9453,7 @@
           <a:p>
             <a:fld id="{B4E0BF79-FAC6-4A96-8DE1-F7B82E2E1652}" type="datetimeFigureOut">
               <a:rPr lang="en-US" smtClean="0"/>
-              <a:t>4/2/2016</a:t>
+              <a:t>4/5/2016</a:t>
             </a:fld>
             <a:endParaRPr lang="en-US" dirty="0"/>
           </a:p>
@@ -11604,7 +9627,7 @@
           <a:p>
             <a:fld id="{82FF5DD9-2C52-442D-92E2-8072C0C3D7CD}" type="datetimeFigureOut">
               <a:rPr lang="en-US" smtClean="0"/>
-              <a:t>4/2/2016</a:t>
+              <a:t>4/5/2016</a:t>
             </a:fld>
             <a:endParaRPr lang="en-US" dirty="0"/>
           </a:p>
@@ -11948,7 +9971,7 @@
           <a:p>
             <a:fld id="{C44961B7-6B89-48AB-966F-622E2788EECC}" type="datetimeFigureOut">
               <a:rPr lang="en-US" smtClean="0"/>
-              <a:t>4/2/2016</a:t>
+              <a:t>4/5/2016</a:t>
             </a:fld>
             <a:endParaRPr lang="en-US" dirty="0"/>
           </a:p>
@@ -12223,7 +10246,7 @@
           <a:p>
             <a:fld id="{DBD3D6FB-79CC-4683-A046-BBE785BA1BED}" type="datetimeFigureOut">
               <a:rPr lang="en-US" smtClean="0"/>
-              <a:t>4/2/2016</a:t>
+              <a:t>4/5/2016</a:t>
             </a:fld>
             <a:endParaRPr lang="en-US" dirty="0"/>
           </a:p>
@@ -12602,7 +10625,7 @@
           <a:p>
             <a:fld id="{9512B3E8-48F1-4B23-8498-D8A04A81EC9C}" type="datetimeFigureOut">
               <a:rPr lang="en-US" smtClean="0"/>
-              <a:t>4/2/2016</a:t>
+              <a:t>4/5/2016</a:t>
             </a:fld>
             <a:endParaRPr lang="en-US" dirty="0"/>
           </a:p>
@@ -12720,7 +10743,7 @@
           <a:p>
             <a:fld id="{10B90D90-AA62-404D-A741-635B4370F9CB}" type="datetimeFigureOut">
               <a:rPr lang="en-US" smtClean="0"/>
-              <a:t>4/2/2016</a:t>
+              <a:t>4/5/2016</a:t>
             </a:fld>
             <a:endParaRPr lang="en-US" dirty="0"/>
           </a:p>
@@ -12891,7 +10914,7 @@
           <a:p>
             <a:fld id="{A57002E4-6836-46D1-9DBB-3C27C0DD3A89}" type="datetimeFigureOut">
               <a:rPr lang="en-US" smtClean="0"/>
-              <a:t>4/2/2016</a:t>
+              <a:t>4/5/2016</a:t>
             </a:fld>
             <a:endParaRPr lang="en-US" dirty="0"/>
           </a:p>
@@ -13245,7 +11268,7 @@
           <a:p>
             <a:fld id="{1CF131DD-A141-4471-BCF9-C6073EDD7E20}" type="datetimeFigureOut">
               <a:rPr lang="en-US" smtClean="0"/>
-              <a:t>4/2/2016</a:t>
+              <a:t>4/5/2016</a:t>
             </a:fld>
             <a:endParaRPr lang="en-US" dirty="0"/>
           </a:p>
@@ -13628,7 +11651,7 @@
           <a:p>
             <a:fld id="{AB334A90-EB03-42F3-8859-2C2B2724C058}" type="datetimeFigureOut">
               <a:rPr lang="en-US" smtClean="0"/>
-              <a:t>4/2/2016</a:t>
+              <a:t>4/5/2016</a:t>
             </a:fld>
             <a:endParaRPr lang="en-US" dirty="0"/>
           </a:p>
@@ -13916,7 +11939,7 @@
           <a:p>
             <a:fld id="{CBC48EC7-AF6A-48D3-8284-14BACBEBDD84}" type="datetimeFigureOut">
               <a:rPr lang="en-US" smtClean="0"/>
-              <a:t>4/2/2016</a:t>
+              <a:t>4/5/2016</a:t>
             </a:fld>
             <a:endParaRPr lang="en-US" dirty="0"/>
           </a:p>
@@ -14522,6 +12545,112 @@
 </p:sld>
 </file>
 
+<file path=ppt/slides/slide10.xml><?xml version="1.0" encoding="utf-8"?>
+<p:sld xmlns:a="http://schemas.openxmlformats.org/drawingml/2006/main" xmlns:r="http://schemas.openxmlformats.org/officeDocument/2006/relationships" xmlns:p="http://schemas.openxmlformats.org/presentationml/2006/main">
+  <p:cSld>
+    <p:spTree>
+      <p:nvGrpSpPr>
+        <p:cNvPr id="1" name=""/>
+        <p:cNvGrpSpPr/>
+        <p:nvPr/>
+      </p:nvGrpSpPr>
+      <p:grpSpPr>
+        <a:xfrm>
+          <a:off x="0" y="0"/>
+          <a:ext cx="0" cy="0"/>
+          <a:chOff x="0" y="0"/>
+          <a:chExt cx="0" cy="0"/>
+        </a:xfrm>
+      </p:grpSpPr>
+      <p:sp>
+        <p:nvSpPr>
+          <p:cNvPr id="3" name="矩形 2"/>
+          <p:cNvSpPr/>
+          <p:nvPr/>
+        </p:nvSpPr>
+        <p:spPr>
+          <a:xfrm>
+            <a:off x="4482866" y="2320354"/>
+            <a:ext cx="2967479" cy="923330"/>
+          </a:xfrm>
+          <a:prstGeom prst="rect">
+            <a:avLst/>
+          </a:prstGeom>
+          <a:noFill/>
+        </p:spPr>
+        <p:txBody>
+          <a:bodyPr wrap="none" lIns="91440" tIns="45720" rIns="91440" bIns="45720">
+            <a:spAutoFit/>
+          </a:bodyPr>
+          <a:lstStyle/>
+          <a:p>
+            <a:pPr algn="ctr"/>
+            <a:r>
+              <a:rPr lang="zh-CN" altLang="en-US" sz="5400" b="1" cap="none" spc="0" dirty="0" smtClean="0">
+                <a:ln w="12700">
+                  <a:solidFill>
+                    <a:schemeClr val="accent5"/>
+                  </a:solidFill>
+                  <a:prstDash val="solid"/>
+                </a:ln>
+                <a:pattFill prst="ltDnDiag">
+                  <a:fgClr>
+                    <a:schemeClr val="accent5">
+                      <a:lumMod val="60000"/>
+                      <a:lumOff val="40000"/>
+                    </a:schemeClr>
+                  </a:fgClr>
+                  <a:bgClr>
+                    <a:schemeClr val="bg1"/>
+                  </a:bgClr>
+                </a:pattFill>
+                <a:effectLst/>
+              </a:rPr>
+              <a:t>未完待续</a:t>
+            </a:r>
+            <a:endParaRPr lang="zh-CN" altLang="en-US" sz="5400" b="1" cap="none" spc="0" dirty="0">
+              <a:ln w="12700">
+                <a:solidFill>
+                  <a:schemeClr val="accent5"/>
+                </a:solidFill>
+                <a:prstDash val="solid"/>
+              </a:ln>
+              <a:pattFill prst="ltDnDiag">
+                <a:fgClr>
+                  <a:schemeClr val="accent5">
+                    <a:lumMod val="60000"/>
+                    <a:lumOff val="40000"/>
+                  </a:schemeClr>
+                </a:fgClr>
+                <a:bgClr>
+                  <a:schemeClr val="bg1"/>
+                </a:bgClr>
+              </a:pattFill>
+              <a:effectLst/>
+            </a:endParaRPr>
+          </a:p>
+        </p:txBody>
+      </p:sp>
+    </p:spTree>
+    <p:extLst>
+      <p:ext uri="{BB962C8B-B14F-4D97-AF65-F5344CB8AC3E}">
+        <p14:creationId xmlns:p14="http://schemas.microsoft.com/office/powerpoint/2010/main" val="340468382"/>
+      </p:ext>
+    </p:extLst>
+  </p:cSld>
+  <p:clrMapOvr>
+    <a:masterClrMapping/>
+  </p:clrMapOvr>
+  <p:timing>
+    <p:tnLst>
+      <p:par>
+        <p:cTn id="1" dur="indefinite" restart="never" nodeType="tmRoot"/>
+      </p:par>
+    </p:tnLst>
+  </p:timing>
+</p:sld>
+</file>
+
 <file path=ppt/slides/slide2.xml><?xml version="1.0" encoding="utf-8"?>
 <p:sld xmlns:a="http://schemas.openxmlformats.org/drawingml/2006/main" xmlns:r="http://schemas.openxmlformats.org/officeDocument/2006/relationships" xmlns:p="http://schemas.openxmlformats.org/presentationml/2006/main">
   <p:cSld>
@@ -14642,6 +12771,508 @@
 </file>
 
 <file path=ppt/slides/slide3.xml><?xml version="1.0" encoding="utf-8"?>
+<p:sld xmlns:a="http://schemas.openxmlformats.org/drawingml/2006/main" xmlns:r="http://schemas.openxmlformats.org/officeDocument/2006/relationships" xmlns:p="http://schemas.openxmlformats.org/presentationml/2006/main">
+  <p:cSld>
+    <p:spTree>
+      <p:nvGrpSpPr>
+        <p:cNvPr id="1" name=""/>
+        <p:cNvGrpSpPr/>
+        <p:nvPr/>
+      </p:nvGrpSpPr>
+      <p:grpSpPr>
+        <a:xfrm>
+          <a:off x="0" y="0"/>
+          <a:ext cx="0" cy="0"/>
+          <a:chOff x="0" y="0"/>
+          <a:chExt cx="0" cy="0"/>
+        </a:xfrm>
+      </p:grpSpPr>
+      <p:sp>
+        <p:nvSpPr>
+          <p:cNvPr id="4" name="文本框 3"/>
+          <p:cNvSpPr txBox="1"/>
+          <p:nvPr/>
+        </p:nvSpPr>
+        <p:spPr>
+          <a:xfrm>
+            <a:off x="999053" y="1828800"/>
+            <a:ext cx="10156627" cy="4313208"/>
+          </a:xfrm>
+          <a:prstGeom prst="rect">
+            <a:avLst/>
+          </a:prstGeom>
+          <a:noFill/>
+        </p:spPr>
+        <p:txBody>
+          <a:bodyPr vert="eaVert" wrap="square" rtlCol="0">
+            <a:spAutoFit/>
+          </a:bodyPr>
+          <a:lstStyle/>
+          <a:p>
+            <a:r>
+              <a:rPr lang="zh-CN" altLang="en-US" sz="3600" dirty="0" smtClean="0">
+                <a:latin typeface="华文行楷" panose="02010800040101010101" pitchFamily="2" charset="-122"/>
+                <a:ea typeface="华文行楷" panose="02010800040101010101" pitchFamily="2" charset="-122"/>
+              </a:rPr>
+              <a:t>吾</a:t>
+            </a:r>
+            <a:r>
+              <a:rPr lang="zh-CN" altLang="en-US" sz="3600" dirty="0">
+                <a:latin typeface="华文行楷" panose="02010800040101010101" pitchFamily="2" charset="-122"/>
+                <a:ea typeface="华文行楷" panose="02010800040101010101" pitchFamily="2" charset="-122"/>
+              </a:rPr>
+              <a:t>尝终日而思矣，不如须臾之所学也。吾尝跂而望矣</a:t>
+            </a:r>
+            <a:r>
+              <a:rPr lang="zh-CN" altLang="en-US" sz="3600" dirty="0" smtClean="0">
+                <a:latin typeface="华文行楷" panose="02010800040101010101" pitchFamily="2" charset="-122"/>
+                <a:ea typeface="华文行楷" panose="02010800040101010101" pitchFamily="2" charset="-122"/>
+              </a:rPr>
+              <a:t>，</a:t>
+            </a:r>
+            <a:endParaRPr lang="en-US" altLang="zh-CN" sz="3600" dirty="0" smtClean="0">
+              <a:latin typeface="华文行楷" panose="02010800040101010101" pitchFamily="2" charset="-122"/>
+              <a:ea typeface="华文行楷" panose="02010800040101010101" pitchFamily="2" charset="-122"/>
+            </a:endParaRPr>
+          </a:p>
+          <a:p>
+            <a:r>
+              <a:rPr lang="zh-CN" altLang="en-US" sz="3600" dirty="0" smtClean="0">
+                <a:latin typeface="华文行楷" panose="02010800040101010101" pitchFamily="2" charset="-122"/>
+                <a:ea typeface="华文行楷" panose="02010800040101010101" pitchFamily="2" charset="-122"/>
+              </a:rPr>
+              <a:t>不如</a:t>
+            </a:r>
+            <a:r>
+              <a:rPr lang="zh-CN" altLang="en-US" sz="3600" dirty="0">
+                <a:latin typeface="华文行楷" panose="02010800040101010101" pitchFamily="2" charset="-122"/>
+                <a:ea typeface="华文行楷" panose="02010800040101010101" pitchFamily="2" charset="-122"/>
+              </a:rPr>
+              <a:t>登高之博见也。登高而招</a:t>
+            </a:r>
+            <a:r>
+              <a:rPr lang="zh-CN" altLang="en-US" sz="3600" dirty="0" smtClean="0">
+                <a:latin typeface="华文行楷" panose="02010800040101010101" pitchFamily="2" charset="-122"/>
+                <a:ea typeface="华文行楷" panose="02010800040101010101" pitchFamily="2" charset="-122"/>
+              </a:rPr>
+              <a:t>，</a:t>
+            </a:r>
+            <a:endParaRPr lang="en-US" altLang="zh-CN" sz="3600" dirty="0" smtClean="0">
+              <a:latin typeface="华文行楷" panose="02010800040101010101" pitchFamily="2" charset="-122"/>
+              <a:ea typeface="华文行楷" panose="02010800040101010101" pitchFamily="2" charset="-122"/>
+            </a:endParaRPr>
+          </a:p>
+          <a:p>
+            <a:r>
+              <a:rPr lang="zh-CN" altLang="en-US" sz="3600" dirty="0" smtClean="0">
+                <a:latin typeface="华文行楷" panose="02010800040101010101" pitchFamily="2" charset="-122"/>
+                <a:ea typeface="华文行楷" panose="02010800040101010101" pitchFamily="2" charset="-122"/>
+              </a:rPr>
+              <a:t>臂</a:t>
+            </a:r>
+            <a:r>
+              <a:rPr lang="zh-CN" altLang="en-US" sz="3600" dirty="0">
+                <a:latin typeface="华文行楷" panose="02010800040101010101" pitchFamily="2" charset="-122"/>
+                <a:ea typeface="华文行楷" panose="02010800040101010101" pitchFamily="2" charset="-122"/>
+              </a:rPr>
+              <a:t>非加长也</a:t>
+            </a:r>
+            <a:r>
+              <a:rPr lang="zh-CN" altLang="en-US" sz="3600" dirty="0" smtClean="0">
+                <a:latin typeface="华文行楷" panose="02010800040101010101" pitchFamily="2" charset="-122"/>
+                <a:ea typeface="华文行楷" panose="02010800040101010101" pitchFamily="2" charset="-122"/>
+              </a:rPr>
+              <a:t>，</a:t>
+            </a:r>
+            <a:endParaRPr lang="en-US" altLang="zh-CN" sz="3600" dirty="0" smtClean="0">
+              <a:latin typeface="华文行楷" panose="02010800040101010101" pitchFamily="2" charset="-122"/>
+              <a:ea typeface="华文行楷" panose="02010800040101010101" pitchFamily="2" charset="-122"/>
+            </a:endParaRPr>
+          </a:p>
+          <a:p>
+            <a:r>
+              <a:rPr lang="zh-CN" altLang="en-US" sz="3600" dirty="0" smtClean="0">
+                <a:latin typeface="华文行楷" panose="02010800040101010101" pitchFamily="2" charset="-122"/>
+                <a:ea typeface="华文行楷" panose="02010800040101010101" pitchFamily="2" charset="-122"/>
+              </a:rPr>
+              <a:t>而</a:t>
+            </a:r>
+            <a:r>
+              <a:rPr lang="zh-CN" altLang="en-US" sz="3600" dirty="0">
+                <a:latin typeface="华文行楷" panose="02010800040101010101" pitchFamily="2" charset="-122"/>
+                <a:ea typeface="华文行楷" panose="02010800040101010101" pitchFamily="2" charset="-122"/>
+              </a:rPr>
+              <a:t>见者远</a:t>
+            </a:r>
+            <a:r>
+              <a:rPr lang="zh-CN" altLang="en-US" sz="3600" dirty="0" smtClean="0">
+                <a:latin typeface="华文行楷" panose="02010800040101010101" pitchFamily="2" charset="-122"/>
+                <a:ea typeface="华文行楷" panose="02010800040101010101" pitchFamily="2" charset="-122"/>
+              </a:rPr>
+              <a:t>；</a:t>
+            </a:r>
+            <a:endParaRPr lang="en-US" altLang="zh-CN" sz="3600" dirty="0" smtClean="0">
+              <a:latin typeface="华文行楷" panose="02010800040101010101" pitchFamily="2" charset="-122"/>
+              <a:ea typeface="华文行楷" panose="02010800040101010101" pitchFamily="2" charset="-122"/>
+            </a:endParaRPr>
+          </a:p>
+          <a:p>
+            <a:r>
+              <a:rPr lang="zh-CN" altLang="en-US" sz="3600" dirty="0" smtClean="0">
+                <a:latin typeface="华文行楷" panose="02010800040101010101" pitchFamily="2" charset="-122"/>
+                <a:ea typeface="华文行楷" panose="02010800040101010101" pitchFamily="2" charset="-122"/>
+              </a:rPr>
+              <a:t>顺风</a:t>
+            </a:r>
+            <a:r>
+              <a:rPr lang="zh-CN" altLang="en-US" sz="3600" dirty="0">
+                <a:latin typeface="华文行楷" panose="02010800040101010101" pitchFamily="2" charset="-122"/>
+                <a:ea typeface="华文行楷" panose="02010800040101010101" pitchFamily="2" charset="-122"/>
+              </a:rPr>
+              <a:t>而呼</a:t>
+            </a:r>
+            <a:r>
+              <a:rPr lang="zh-CN" altLang="en-US" sz="3600" dirty="0" smtClean="0">
+                <a:latin typeface="华文行楷" panose="02010800040101010101" pitchFamily="2" charset="-122"/>
+                <a:ea typeface="华文行楷" panose="02010800040101010101" pitchFamily="2" charset="-122"/>
+              </a:rPr>
+              <a:t>，</a:t>
+            </a:r>
+            <a:endParaRPr lang="en-US" altLang="zh-CN" sz="3600" dirty="0" smtClean="0">
+              <a:latin typeface="华文行楷" panose="02010800040101010101" pitchFamily="2" charset="-122"/>
+              <a:ea typeface="华文行楷" panose="02010800040101010101" pitchFamily="2" charset="-122"/>
+            </a:endParaRPr>
+          </a:p>
+          <a:p>
+            <a:r>
+              <a:rPr lang="zh-CN" altLang="en-US" sz="3600" dirty="0" smtClean="0">
+                <a:latin typeface="华文行楷" panose="02010800040101010101" pitchFamily="2" charset="-122"/>
+                <a:ea typeface="华文行楷" panose="02010800040101010101" pitchFamily="2" charset="-122"/>
+              </a:rPr>
+              <a:t>声</a:t>
+            </a:r>
+            <a:r>
+              <a:rPr lang="zh-CN" altLang="en-US" sz="3600" dirty="0">
+                <a:latin typeface="华文行楷" panose="02010800040101010101" pitchFamily="2" charset="-122"/>
+                <a:ea typeface="华文行楷" panose="02010800040101010101" pitchFamily="2" charset="-122"/>
+              </a:rPr>
+              <a:t>非加疾也</a:t>
+            </a:r>
+            <a:r>
+              <a:rPr lang="zh-CN" altLang="en-US" sz="3600" dirty="0" smtClean="0">
+                <a:latin typeface="华文行楷" panose="02010800040101010101" pitchFamily="2" charset="-122"/>
+                <a:ea typeface="华文行楷" panose="02010800040101010101" pitchFamily="2" charset="-122"/>
+              </a:rPr>
+              <a:t>，</a:t>
+            </a:r>
+            <a:endParaRPr lang="en-US" altLang="zh-CN" sz="3600" dirty="0" smtClean="0">
+              <a:latin typeface="华文行楷" panose="02010800040101010101" pitchFamily="2" charset="-122"/>
+              <a:ea typeface="华文行楷" panose="02010800040101010101" pitchFamily="2" charset="-122"/>
+            </a:endParaRPr>
+          </a:p>
+          <a:p>
+            <a:r>
+              <a:rPr lang="zh-CN" altLang="en-US" sz="3600" dirty="0" smtClean="0">
+                <a:latin typeface="华文行楷" panose="02010800040101010101" pitchFamily="2" charset="-122"/>
+                <a:ea typeface="华文行楷" panose="02010800040101010101" pitchFamily="2" charset="-122"/>
+              </a:rPr>
+              <a:t>而</a:t>
+            </a:r>
+            <a:r>
+              <a:rPr lang="zh-CN" altLang="en-US" sz="3600" dirty="0">
+                <a:latin typeface="华文行楷" panose="02010800040101010101" pitchFamily="2" charset="-122"/>
+                <a:ea typeface="华文行楷" panose="02010800040101010101" pitchFamily="2" charset="-122"/>
+              </a:rPr>
+              <a:t>闻者彰</a:t>
+            </a:r>
+            <a:r>
+              <a:rPr lang="zh-CN" altLang="en-US" sz="3600" dirty="0" smtClean="0">
+                <a:latin typeface="华文行楷" panose="02010800040101010101" pitchFamily="2" charset="-122"/>
+                <a:ea typeface="华文行楷" panose="02010800040101010101" pitchFamily="2" charset="-122"/>
+              </a:rPr>
+              <a:t>。</a:t>
+            </a:r>
+            <a:endParaRPr lang="en-US" altLang="zh-CN" sz="3600" dirty="0" smtClean="0">
+              <a:latin typeface="华文行楷" panose="02010800040101010101" pitchFamily="2" charset="-122"/>
+              <a:ea typeface="华文行楷" panose="02010800040101010101" pitchFamily="2" charset="-122"/>
+            </a:endParaRPr>
+          </a:p>
+          <a:p>
+            <a:r>
+              <a:rPr lang="zh-CN" altLang="en-US" sz="3600" dirty="0" smtClean="0">
+                <a:latin typeface="华文行楷" panose="02010800040101010101" pitchFamily="2" charset="-122"/>
+                <a:ea typeface="华文行楷" panose="02010800040101010101" pitchFamily="2" charset="-122"/>
+              </a:rPr>
+              <a:t>假</a:t>
+            </a:r>
+            <a:r>
+              <a:rPr lang="zh-CN" altLang="en-US" sz="3600" dirty="0">
+                <a:latin typeface="华文行楷" panose="02010800040101010101" pitchFamily="2" charset="-122"/>
+                <a:ea typeface="华文行楷" panose="02010800040101010101" pitchFamily="2" charset="-122"/>
+              </a:rPr>
+              <a:t>舆马者</a:t>
+            </a:r>
+            <a:r>
+              <a:rPr lang="zh-CN" altLang="en-US" sz="3600" dirty="0" smtClean="0">
+                <a:latin typeface="华文行楷" panose="02010800040101010101" pitchFamily="2" charset="-122"/>
+                <a:ea typeface="华文行楷" panose="02010800040101010101" pitchFamily="2" charset="-122"/>
+              </a:rPr>
+              <a:t>，</a:t>
+            </a:r>
+            <a:endParaRPr lang="en-US" altLang="zh-CN" sz="3600" dirty="0" smtClean="0">
+              <a:latin typeface="华文行楷" panose="02010800040101010101" pitchFamily="2" charset="-122"/>
+              <a:ea typeface="华文行楷" panose="02010800040101010101" pitchFamily="2" charset="-122"/>
+            </a:endParaRPr>
+          </a:p>
+          <a:p>
+            <a:r>
+              <a:rPr lang="zh-CN" altLang="en-US" sz="3600" dirty="0" smtClean="0">
+                <a:latin typeface="华文行楷" panose="02010800040101010101" pitchFamily="2" charset="-122"/>
+                <a:ea typeface="华文行楷" panose="02010800040101010101" pitchFamily="2" charset="-122"/>
+              </a:rPr>
+              <a:t>非</a:t>
+            </a:r>
+            <a:r>
+              <a:rPr lang="zh-CN" altLang="en-US" sz="3600" dirty="0">
+                <a:latin typeface="华文行楷" panose="02010800040101010101" pitchFamily="2" charset="-122"/>
+                <a:ea typeface="华文行楷" panose="02010800040101010101" pitchFamily="2" charset="-122"/>
+              </a:rPr>
+              <a:t>利足</a:t>
+            </a:r>
+            <a:r>
+              <a:rPr lang="zh-CN" altLang="en-US" sz="3600" dirty="0" smtClean="0">
+                <a:latin typeface="华文行楷" panose="02010800040101010101" pitchFamily="2" charset="-122"/>
+                <a:ea typeface="华文行楷" panose="02010800040101010101" pitchFamily="2" charset="-122"/>
+              </a:rPr>
+              <a:t>也，</a:t>
+            </a:r>
+            <a:endParaRPr lang="en-US" altLang="zh-CN" sz="3600" dirty="0" smtClean="0">
+              <a:latin typeface="华文行楷" panose="02010800040101010101" pitchFamily="2" charset="-122"/>
+              <a:ea typeface="华文行楷" panose="02010800040101010101" pitchFamily="2" charset="-122"/>
+            </a:endParaRPr>
+          </a:p>
+          <a:p>
+            <a:r>
+              <a:rPr lang="zh-CN" altLang="en-US" sz="3600" dirty="0" smtClean="0">
+                <a:latin typeface="华文行楷" panose="02010800040101010101" pitchFamily="2" charset="-122"/>
+                <a:ea typeface="华文行楷" panose="02010800040101010101" pitchFamily="2" charset="-122"/>
+              </a:rPr>
+              <a:t>而</a:t>
+            </a:r>
+            <a:r>
+              <a:rPr lang="zh-CN" altLang="en-US" sz="3600" dirty="0">
+                <a:latin typeface="华文行楷" panose="02010800040101010101" pitchFamily="2" charset="-122"/>
+                <a:ea typeface="华文行楷" panose="02010800040101010101" pitchFamily="2" charset="-122"/>
+              </a:rPr>
+              <a:t>致千里</a:t>
+            </a:r>
+            <a:r>
+              <a:rPr lang="zh-CN" altLang="en-US" sz="3600" dirty="0" smtClean="0">
+                <a:latin typeface="华文行楷" panose="02010800040101010101" pitchFamily="2" charset="-122"/>
+                <a:ea typeface="华文行楷" panose="02010800040101010101" pitchFamily="2" charset="-122"/>
+              </a:rPr>
+              <a:t>；</a:t>
+            </a:r>
+            <a:endParaRPr lang="en-US" altLang="zh-CN" sz="3600" dirty="0" smtClean="0">
+              <a:latin typeface="华文行楷" panose="02010800040101010101" pitchFamily="2" charset="-122"/>
+              <a:ea typeface="华文行楷" panose="02010800040101010101" pitchFamily="2" charset="-122"/>
+            </a:endParaRPr>
+          </a:p>
+          <a:p>
+            <a:r>
+              <a:rPr lang="zh-CN" altLang="en-US" sz="3600" dirty="0" smtClean="0">
+                <a:latin typeface="华文行楷" panose="02010800040101010101" pitchFamily="2" charset="-122"/>
+                <a:ea typeface="华文行楷" panose="02010800040101010101" pitchFamily="2" charset="-122"/>
+              </a:rPr>
+              <a:t>假</a:t>
+            </a:r>
+            <a:r>
+              <a:rPr lang="zh-CN" altLang="en-US" sz="3600" dirty="0">
+                <a:latin typeface="华文行楷" panose="02010800040101010101" pitchFamily="2" charset="-122"/>
+                <a:ea typeface="华文行楷" panose="02010800040101010101" pitchFamily="2" charset="-122"/>
+              </a:rPr>
+              <a:t>舟楫者</a:t>
+            </a:r>
+            <a:r>
+              <a:rPr lang="zh-CN" altLang="en-US" sz="3600" dirty="0" smtClean="0">
+                <a:latin typeface="华文行楷" panose="02010800040101010101" pitchFamily="2" charset="-122"/>
+                <a:ea typeface="华文行楷" panose="02010800040101010101" pitchFamily="2" charset="-122"/>
+              </a:rPr>
+              <a:t>，</a:t>
+            </a:r>
+            <a:endParaRPr lang="en-US" altLang="zh-CN" sz="3600" dirty="0" smtClean="0">
+              <a:latin typeface="华文行楷" panose="02010800040101010101" pitchFamily="2" charset="-122"/>
+              <a:ea typeface="华文行楷" panose="02010800040101010101" pitchFamily="2" charset="-122"/>
+            </a:endParaRPr>
+          </a:p>
+          <a:p>
+            <a:r>
+              <a:rPr lang="zh-CN" altLang="en-US" sz="3600" dirty="0" smtClean="0">
+                <a:latin typeface="华文行楷" panose="02010800040101010101" pitchFamily="2" charset="-122"/>
+                <a:ea typeface="华文行楷" panose="02010800040101010101" pitchFamily="2" charset="-122"/>
+              </a:rPr>
+              <a:t>非</a:t>
+            </a:r>
+            <a:r>
+              <a:rPr lang="zh-CN" altLang="en-US" sz="3600" dirty="0">
+                <a:latin typeface="华文行楷" panose="02010800040101010101" pitchFamily="2" charset="-122"/>
+                <a:ea typeface="华文行楷" panose="02010800040101010101" pitchFamily="2" charset="-122"/>
+              </a:rPr>
+              <a:t>能水也</a:t>
+            </a:r>
+            <a:r>
+              <a:rPr lang="zh-CN" altLang="en-US" sz="3600" dirty="0" smtClean="0">
+                <a:latin typeface="华文行楷" panose="02010800040101010101" pitchFamily="2" charset="-122"/>
+                <a:ea typeface="华文行楷" panose="02010800040101010101" pitchFamily="2" charset="-122"/>
+              </a:rPr>
+              <a:t>，</a:t>
+            </a:r>
+            <a:endParaRPr lang="en-US" altLang="zh-CN" sz="3600" dirty="0" smtClean="0">
+              <a:latin typeface="华文行楷" panose="02010800040101010101" pitchFamily="2" charset="-122"/>
+              <a:ea typeface="华文行楷" panose="02010800040101010101" pitchFamily="2" charset="-122"/>
+            </a:endParaRPr>
+          </a:p>
+          <a:p>
+            <a:r>
+              <a:rPr lang="zh-CN" altLang="en-US" sz="3600" dirty="0" smtClean="0">
+                <a:latin typeface="华文行楷" panose="02010800040101010101" pitchFamily="2" charset="-122"/>
+                <a:ea typeface="华文行楷" panose="02010800040101010101" pitchFamily="2" charset="-122"/>
+              </a:rPr>
+              <a:t>而</a:t>
+            </a:r>
+            <a:r>
+              <a:rPr lang="zh-CN" altLang="en-US" sz="3600" dirty="0">
+                <a:latin typeface="华文行楷" panose="02010800040101010101" pitchFamily="2" charset="-122"/>
+                <a:ea typeface="华文行楷" panose="02010800040101010101" pitchFamily="2" charset="-122"/>
+              </a:rPr>
+              <a:t>绝</a:t>
+            </a:r>
+            <a:r>
+              <a:rPr lang="zh-CN" altLang="en-US" sz="3600" dirty="0" smtClean="0">
+                <a:latin typeface="华文行楷" panose="02010800040101010101" pitchFamily="2" charset="-122"/>
+                <a:ea typeface="华文行楷" panose="02010800040101010101" pitchFamily="2" charset="-122"/>
+              </a:rPr>
+              <a:t>江河。</a:t>
+            </a:r>
+            <a:endParaRPr lang="en-US" altLang="zh-CN" sz="3600" dirty="0" smtClean="0">
+              <a:latin typeface="华文行楷" panose="02010800040101010101" pitchFamily="2" charset="-122"/>
+              <a:ea typeface="华文行楷" panose="02010800040101010101" pitchFamily="2" charset="-122"/>
+            </a:endParaRPr>
+          </a:p>
+          <a:p>
+            <a:r>
+              <a:rPr lang="zh-CN" altLang="en-US" sz="3600" dirty="0" smtClean="0">
+                <a:latin typeface="华文行楷" panose="02010800040101010101" pitchFamily="2" charset="-122"/>
+                <a:ea typeface="华文行楷" panose="02010800040101010101" pitchFamily="2" charset="-122"/>
+              </a:rPr>
+              <a:t>君子</a:t>
+            </a:r>
+            <a:r>
+              <a:rPr lang="zh-CN" altLang="en-US" sz="3600" dirty="0">
+                <a:latin typeface="华文行楷" panose="02010800040101010101" pitchFamily="2" charset="-122"/>
+                <a:ea typeface="华文行楷" panose="02010800040101010101" pitchFamily="2" charset="-122"/>
+              </a:rPr>
+              <a:t>生非异也</a:t>
+            </a:r>
+            <a:r>
+              <a:rPr lang="zh-CN" altLang="en-US" sz="3600" dirty="0" smtClean="0">
+                <a:latin typeface="华文行楷" panose="02010800040101010101" pitchFamily="2" charset="-122"/>
+                <a:ea typeface="华文行楷" panose="02010800040101010101" pitchFamily="2" charset="-122"/>
+              </a:rPr>
+              <a:t>，</a:t>
+            </a:r>
+            <a:endParaRPr lang="en-US" altLang="zh-CN" sz="3600" dirty="0" smtClean="0">
+              <a:latin typeface="华文行楷" panose="02010800040101010101" pitchFamily="2" charset="-122"/>
+              <a:ea typeface="华文行楷" panose="02010800040101010101" pitchFamily="2" charset="-122"/>
+            </a:endParaRPr>
+          </a:p>
+          <a:p>
+            <a:r>
+              <a:rPr lang="zh-CN" altLang="en-US" sz="3600" dirty="0" smtClean="0">
+                <a:latin typeface="华文行楷" panose="02010800040101010101" pitchFamily="2" charset="-122"/>
+                <a:ea typeface="华文行楷" panose="02010800040101010101" pitchFamily="2" charset="-122"/>
+              </a:rPr>
+              <a:t>善</a:t>
+            </a:r>
+            <a:r>
+              <a:rPr lang="zh-CN" altLang="en-US" sz="3600" dirty="0">
+                <a:latin typeface="华文行楷" panose="02010800040101010101" pitchFamily="2" charset="-122"/>
+                <a:ea typeface="华文行楷" panose="02010800040101010101" pitchFamily="2" charset="-122"/>
+              </a:rPr>
+              <a:t>假于物也。 </a:t>
+            </a:r>
+          </a:p>
+        </p:txBody>
+      </p:sp>
+      <p:sp>
+        <p:nvSpPr>
+          <p:cNvPr id="5" name="标题 1"/>
+          <p:cNvSpPr>
+            <a:spLocks noGrp="1"/>
+          </p:cNvSpPr>
+          <p:nvPr>
+            <p:ph type="title"/>
+          </p:nvPr>
+        </p:nvSpPr>
+        <p:spPr>
+          <a:xfrm>
+            <a:off x="1097280" y="286603"/>
+            <a:ext cx="10058400" cy="1450757"/>
+          </a:xfrm>
+        </p:spPr>
+        <p:txBody>
+          <a:bodyPr/>
+          <a:lstStyle/>
+          <a:p>
+            <a:r>
+              <a:rPr lang="zh-CN" altLang="en-US" dirty="0" smtClean="0">
+                <a:latin typeface="华文行楷" panose="02010800040101010101" pitchFamily="2" charset="-122"/>
+                <a:ea typeface="华文行楷" panose="02010800040101010101" pitchFamily="2" charset="-122"/>
+              </a:rPr>
+              <a:t>荀子</a:t>
+            </a:r>
+            <a:r>
+              <a:rPr lang="en-US" altLang="zh-CN" dirty="0" smtClean="0">
+                <a:latin typeface="华文行楷" panose="02010800040101010101" pitchFamily="2" charset="-122"/>
+                <a:ea typeface="华文行楷" panose="02010800040101010101" pitchFamily="2" charset="-122"/>
+              </a:rPr>
+              <a:t>-</a:t>
+            </a:r>
+            <a:r>
+              <a:rPr lang="zh-CN" altLang="en-US" dirty="0" smtClean="0">
+                <a:latin typeface="华文行楷" panose="02010800040101010101" pitchFamily="2" charset="-122"/>
+                <a:ea typeface="华文行楷" panose="02010800040101010101" pitchFamily="2" charset="-122"/>
+              </a:rPr>
+              <a:t>劝学</a:t>
+            </a:r>
+            <a:endParaRPr lang="zh-CN" altLang="en-US" dirty="0">
+              <a:latin typeface="华文行楷" panose="02010800040101010101" pitchFamily="2" charset="-122"/>
+              <a:ea typeface="华文行楷" panose="02010800040101010101" pitchFamily="2" charset="-122"/>
+            </a:endParaRPr>
+          </a:p>
+        </p:txBody>
+      </p:sp>
+    </p:spTree>
+    <p:extLst>
+      <p:ext uri="{BB962C8B-B14F-4D97-AF65-F5344CB8AC3E}">
+        <p14:creationId xmlns:p14="http://schemas.microsoft.com/office/powerpoint/2010/main" val="1265241859"/>
+      </p:ext>
+    </p:extLst>
+  </p:cSld>
+  <p:clrMapOvr>
+    <a:masterClrMapping/>
+  </p:clrMapOvr>
+  <p:timing>
+    <p:tnLst>
+      <p:par>
+        <p:cTn id="1" dur="indefinite" restart="never" nodeType="tmRoot"/>
+      </p:par>
+    </p:tnLst>
+  </p:timing>
+</p:sld>
+</file>
+
+<file path=ppt/slides/slide4.xml><?xml version="1.0" encoding="utf-8"?>
 <p:sld xmlns:a="http://schemas.openxmlformats.org/drawingml/2006/main" xmlns:r="http://schemas.openxmlformats.org/officeDocument/2006/relationships" xmlns:p="http://schemas.openxmlformats.org/presentationml/2006/main">
   <p:cSld>
     <p:spTree>
@@ -14782,7 +13413,7 @@
 </p:sld>
 </file>
 
-<file path=ppt/slides/slide4.xml><?xml version="1.0" encoding="utf-8"?>
+<file path=ppt/slides/slide5.xml><?xml version="1.0" encoding="utf-8"?>
 <p:sld xmlns:a="http://schemas.openxmlformats.org/drawingml/2006/main" xmlns:r="http://schemas.openxmlformats.org/officeDocument/2006/relationships" xmlns:p="http://schemas.openxmlformats.org/presentationml/2006/main">
   <p:cSld>
     <p:spTree>
@@ -15050,7 +13681,7 @@
 </p:sld>
 </file>
 
-<file path=ppt/slides/slide5.xml><?xml version="1.0" encoding="utf-8"?>
+<file path=ppt/slides/slide6.xml><?xml version="1.0" encoding="utf-8"?>
 <p:sld xmlns:a="http://schemas.openxmlformats.org/drawingml/2006/main" xmlns:r="http://schemas.openxmlformats.org/officeDocument/2006/relationships" xmlns:p="http://schemas.openxmlformats.org/presentationml/2006/main">
   <p:cSld>
     <p:spTree>
@@ -16242,7 +14873,7 @@
 </p:sld>
 </file>
 
-<file path=ppt/slides/slide6.xml><?xml version="1.0" encoding="utf-8"?>
+<file path=ppt/slides/slide7.xml><?xml version="1.0" encoding="utf-8"?>
 <p:sld xmlns:a="http://schemas.openxmlformats.org/drawingml/2006/main" xmlns:r="http://schemas.openxmlformats.org/officeDocument/2006/relationships" xmlns:p="http://schemas.openxmlformats.org/presentationml/2006/main">
   <p:cSld>
     <p:spTree>
@@ -16343,7 +14974,7 @@
 </p:sld>
 </file>
 
-<file path=ppt/slides/slide7.xml><?xml version="1.0" encoding="utf-8"?>
+<file path=ppt/slides/slide8.xml><?xml version="1.0" encoding="utf-8"?>
 <p:sld xmlns:a="http://schemas.openxmlformats.org/drawingml/2006/main" xmlns:r="http://schemas.openxmlformats.org/officeDocument/2006/relationships" xmlns:p="http://schemas.openxmlformats.org/presentationml/2006/main">
   <p:cSld>
     <p:spTree>
@@ -16671,7 +15302,7 @@
 </p:sld>
 </file>
 
-<file path=ppt/slides/slide8.xml><?xml version="1.0" encoding="utf-8"?>
+<file path=ppt/slides/slide9.xml><?xml version="1.0" encoding="utf-8"?>
 <p:sld xmlns:a="http://schemas.openxmlformats.org/drawingml/2006/main" xmlns:r="http://schemas.openxmlformats.org/officeDocument/2006/relationships" xmlns:p="http://schemas.openxmlformats.org/presentationml/2006/main">
   <p:cSld>
     <p:spTree>
@@ -16859,112 +15490,6 @@
     <p:extLst>
       <p:ext uri="{BB962C8B-B14F-4D97-AF65-F5344CB8AC3E}">
         <p14:creationId xmlns:p14="http://schemas.microsoft.com/office/powerpoint/2010/main" val="2820926040"/>
-      </p:ext>
-    </p:extLst>
-  </p:cSld>
-  <p:clrMapOvr>
-    <a:masterClrMapping/>
-  </p:clrMapOvr>
-  <p:timing>
-    <p:tnLst>
-      <p:par>
-        <p:cTn id="1" dur="indefinite" restart="never" nodeType="tmRoot"/>
-      </p:par>
-    </p:tnLst>
-  </p:timing>
-</p:sld>
-</file>
-
-<file path=ppt/slides/slide9.xml><?xml version="1.0" encoding="utf-8"?>
-<p:sld xmlns:a="http://schemas.openxmlformats.org/drawingml/2006/main" xmlns:r="http://schemas.openxmlformats.org/officeDocument/2006/relationships" xmlns:p="http://schemas.openxmlformats.org/presentationml/2006/main">
-  <p:cSld>
-    <p:spTree>
-      <p:nvGrpSpPr>
-        <p:cNvPr id="1" name=""/>
-        <p:cNvGrpSpPr/>
-        <p:nvPr/>
-      </p:nvGrpSpPr>
-      <p:grpSpPr>
-        <a:xfrm>
-          <a:off x="0" y="0"/>
-          <a:ext cx="0" cy="0"/>
-          <a:chOff x="0" y="0"/>
-          <a:chExt cx="0" cy="0"/>
-        </a:xfrm>
-      </p:grpSpPr>
-      <p:sp>
-        <p:nvSpPr>
-          <p:cNvPr id="3" name="矩形 2"/>
-          <p:cNvSpPr/>
-          <p:nvPr/>
-        </p:nvSpPr>
-        <p:spPr>
-          <a:xfrm>
-            <a:off x="4482866" y="2320354"/>
-            <a:ext cx="2967479" cy="923330"/>
-          </a:xfrm>
-          <a:prstGeom prst="rect">
-            <a:avLst/>
-          </a:prstGeom>
-          <a:noFill/>
-        </p:spPr>
-        <p:txBody>
-          <a:bodyPr wrap="none" lIns="91440" tIns="45720" rIns="91440" bIns="45720">
-            <a:spAutoFit/>
-          </a:bodyPr>
-          <a:lstStyle/>
-          <a:p>
-            <a:pPr algn="ctr"/>
-            <a:r>
-              <a:rPr lang="zh-CN" altLang="en-US" sz="5400" b="1" cap="none" spc="0" dirty="0" smtClean="0">
-                <a:ln w="12700">
-                  <a:solidFill>
-                    <a:schemeClr val="accent5"/>
-                  </a:solidFill>
-                  <a:prstDash val="solid"/>
-                </a:ln>
-                <a:pattFill prst="ltDnDiag">
-                  <a:fgClr>
-                    <a:schemeClr val="accent5">
-                      <a:lumMod val="60000"/>
-                      <a:lumOff val="40000"/>
-                    </a:schemeClr>
-                  </a:fgClr>
-                  <a:bgClr>
-                    <a:schemeClr val="bg1"/>
-                  </a:bgClr>
-                </a:pattFill>
-                <a:effectLst/>
-              </a:rPr>
-              <a:t>未完待续</a:t>
-            </a:r>
-            <a:endParaRPr lang="zh-CN" altLang="en-US" sz="5400" b="1" cap="none" spc="0" dirty="0">
-              <a:ln w="12700">
-                <a:solidFill>
-                  <a:schemeClr val="accent5"/>
-                </a:solidFill>
-                <a:prstDash val="solid"/>
-              </a:ln>
-              <a:pattFill prst="ltDnDiag">
-                <a:fgClr>
-                  <a:schemeClr val="accent5">
-                    <a:lumMod val="60000"/>
-                    <a:lumOff val="40000"/>
-                  </a:schemeClr>
-                </a:fgClr>
-                <a:bgClr>
-                  <a:schemeClr val="bg1"/>
-                </a:bgClr>
-              </a:pattFill>
-              <a:effectLst/>
-            </a:endParaRPr>
-          </a:p>
-        </p:txBody>
-      </p:sp>
-    </p:spTree>
-    <p:extLst>
-      <p:ext uri="{BB962C8B-B14F-4D97-AF65-F5344CB8AC3E}">
-        <p14:creationId xmlns:p14="http://schemas.microsoft.com/office/powerpoint/2010/main" val="340468382"/>
       </p:ext>
     </p:extLst>
   </p:cSld>

--- a/MyCProgram/周会PPT/开发经验分享.pptx
+++ b/MyCProgram/周会PPT/开发经验分享.pptx
@@ -8988,7 +8988,7 @@
           <a:p>
             <a:fld id="{DDA51639-B2D6-4652-B8C3-1B4C224A7BAF}" type="datetimeFigureOut">
               <a:rPr lang="en-US" smtClean="0"/>
-              <a:t>4/5/2016</a:t>
+              <a:t>4/13/2016</a:t>
             </a:fld>
             <a:endParaRPr lang="en-US" dirty="0"/>
           </a:p>
@@ -9197,7 +9197,7 @@
           <a:p>
             <a:fld id="{D11A6AA8-A04B-4104-9AE2-BD48D340E27F}" type="datetimeFigureOut">
               <a:rPr lang="en-US" smtClean="0"/>
-              <a:t>4/5/2016</a:t>
+              <a:t>4/13/2016</a:t>
             </a:fld>
             <a:endParaRPr lang="en-US" dirty="0"/>
           </a:p>
@@ -9453,7 +9453,7 @@
           <a:p>
             <a:fld id="{B4E0BF79-FAC6-4A96-8DE1-F7B82E2E1652}" type="datetimeFigureOut">
               <a:rPr lang="en-US" smtClean="0"/>
-              <a:t>4/5/2016</a:t>
+              <a:t>4/13/2016</a:t>
             </a:fld>
             <a:endParaRPr lang="en-US" dirty="0"/>
           </a:p>
@@ -9627,7 +9627,7 @@
           <a:p>
             <a:fld id="{82FF5DD9-2C52-442D-92E2-8072C0C3D7CD}" type="datetimeFigureOut">
               <a:rPr lang="en-US" smtClean="0"/>
-              <a:t>4/5/2016</a:t>
+              <a:t>4/13/2016</a:t>
             </a:fld>
             <a:endParaRPr lang="en-US" dirty="0"/>
           </a:p>
@@ -9971,7 +9971,7 @@
           <a:p>
             <a:fld id="{C44961B7-6B89-48AB-966F-622E2788EECC}" type="datetimeFigureOut">
               <a:rPr lang="en-US" smtClean="0"/>
-              <a:t>4/5/2016</a:t>
+              <a:t>4/13/2016</a:t>
             </a:fld>
             <a:endParaRPr lang="en-US" dirty="0"/>
           </a:p>
@@ -10246,7 +10246,7 @@
           <a:p>
             <a:fld id="{DBD3D6FB-79CC-4683-A046-BBE785BA1BED}" type="datetimeFigureOut">
               <a:rPr lang="en-US" smtClean="0"/>
-              <a:t>4/5/2016</a:t>
+              <a:t>4/13/2016</a:t>
             </a:fld>
             <a:endParaRPr lang="en-US" dirty="0"/>
           </a:p>
@@ -10625,7 +10625,7 @@
           <a:p>
             <a:fld id="{9512B3E8-48F1-4B23-8498-D8A04A81EC9C}" type="datetimeFigureOut">
               <a:rPr lang="en-US" smtClean="0"/>
-              <a:t>4/5/2016</a:t>
+              <a:t>4/13/2016</a:t>
             </a:fld>
             <a:endParaRPr lang="en-US" dirty="0"/>
           </a:p>
@@ -10743,7 +10743,7 @@
           <a:p>
             <a:fld id="{10B90D90-AA62-404D-A741-635B4370F9CB}" type="datetimeFigureOut">
               <a:rPr lang="en-US" smtClean="0"/>
-              <a:t>4/5/2016</a:t>
+              <a:t>4/13/2016</a:t>
             </a:fld>
             <a:endParaRPr lang="en-US" dirty="0"/>
           </a:p>
@@ -10914,7 +10914,7 @@
           <a:p>
             <a:fld id="{A57002E4-6836-46D1-9DBB-3C27C0DD3A89}" type="datetimeFigureOut">
               <a:rPr lang="en-US" smtClean="0"/>
-              <a:t>4/5/2016</a:t>
+              <a:t>4/13/2016</a:t>
             </a:fld>
             <a:endParaRPr lang="en-US" dirty="0"/>
           </a:p>
@@ -11268,7 +11268,7 @@
           <a:p>
             <a:fld id="{1CF131DD-A141-4471-BCF9-C6073EDD7E20}" type="datetimeFigureOut">
               <a:rPr lang="en-US" smtClean="0"/>
-              <a:t>4/5/2016</a:t>
+              <a:t>4/13/2016</a:t>
             </a:fld>
             <a:endParaRPr lang="en-US" dirty="0"/>
           </a:p>
@@ -11651,7 +11651,7 @@
           <a:p>
             <a:fld id="{AB334A90-EB03-42F3-8859-2C2B2724C058}" type="datetimeFigureOut">
               <a:rPr lang="en-US" smtClean="0"/>
-              <a:t>4/5/2016</a:t>
+              <a:t>4/13/2016</a:t>
             </a:fld>
             <a:endParaRPr lang="en-US" dirty="0"/>
           </a:p>
@@ -11939,7 +11939,7 @@
           <a:p>
             <a:fld id="{CBC48EC7-AF6A-48D3-8284-14BACBEBDD84}" type="datetimeFigureOut">
               <a:rPr lang="en-US" smtClean="0"/>
-              <a:t>4/5/2016</a:t>
+              <a:t>4/13/2016</a:t>
             </a:fld>
             <a:endParaRPr lang="en-US" dirty="0"/>
           </a:p>
